--- a/html/images/source/RSD_workshop_wayfinder.pptx
+++ b/html/images/source/RSD_workshop_wayfinder.pptx
@@ -10029,10 +10029,10 @@
       </p:grpSpPr>
       <p:grpSp>
         <p:nvGrpSpPr>
-          <p:cNvPr id="3" name="Group 2">
+          <p:cNvPr id="4" name="Group 3">
             <a:extLst>
               <a:ext uri="{FF2B5EF4-FFF2-40B4-BE49-F238E27FC236}">
-                <a16:creationId xmlns:a16="http://schemas.microsoft.com/office/drawing/2014/main" id="{0D39C650-2467-F340-83A9-297940213D4E}"/>
+                <a16:creationId xmlns:a16="http://schemas.microsoft.com/office/drawing/2014/main" id="{2E792DDF-DD9D-3242-B61C-770CA9202045}"/>
               </a:ext>
             </a:extLst>
           </p:cNvPr>
@@ -10042,1033 +10042,1054 @@
         <p:grpSpPr>
           <a:xfrm>
             <a:off x="841280" y="3042264"/>
-            <a:ext cx="10401437" cy="1080000"/>
-            <a:chOff x="841280" y="3556364"/>
-            <a:chExt cx="10401437" cy="1080000"/>
+            <a:ext cx="10401437" cy="3596994"/>
+            <a:chOff x="841280" y="3042264"/>
+            <a:chExt cx="10401437" cy="3596994"/>
           </a:xfrm>
-          <a:noFill/>
         </p:grpSpPr>
-        <p:sp>
-          <p:nvSpPr>
-            <p:cNvPr id="13" name="Freeform 12">
+        <p:grpSp>
+          <p:nvGrpSpPr>
+            <p:cNvPr id="3" name="Group 2">
               <a:extLst>
                 <a:ext uri="{FF2B5EF4-FFF2-40B4-BE49-F238E27FC236}">
-                  <a16:creationId xmlns:a16="http://schemas.microsoft.com/office/drawing/2014/main" id="{F4FFBE40-3D21-194E-9668-E4F31DDC86BD}"/>
+                  <a16:creationId xmlns:a16="http://schemas.microsoft.com/office/drawing/2014/main" id="{0D39C650-2467-F340-83A9-297940213D4E}"/>
                 </a:ext>
               </a:extLst>
             </p:cNvPr>
-            <p:cNvSpPr/>
+            <p:cNvGrpSpPr/>
             <p:nvPr/>
-          </p:nvSpPr>
-          <p:spPr>
+          </p:nvGrpSpPr>
+          <p:grpSpPr>
             <a:xfrm>
-              <a:off x="841280" y="3556364"/>
-              <a:ext cx="5730970" cy="1080000"/>
+              <a:off x="841280" y="3042264"/>
+              <a:ext cx="10401437" cy="1080000"/>
+              <a:chOff x="841280" y="3556364"/>
+              <a:chExt cx="10401437" cy="1080000"/>
             </a:xfrm>
-            <a:custGeom>
-              <a:avLst/>
-              <a:gdLst>
-                <a:gd name="connsiteX0" fmla="*/ 0 w 3753370"/>
-                <a:gd name="connsiteY0" fmla="*/ 0 h 1501348"/>
-                <a:gd name="connsiteX1" fmla="*/ 3002696 w 3753370"/>
-                <a:gd name="connsiteY1" fmla="*/ 0 h 1501348"/>
-                <a:gd name="connsiteX2" fmla="*/ 3753370 w 3753370"/>
-                <a:gd name="connsiteY2" fmla="*/ 750674 h 1501348"/>
-                <a:gd name="connsiteX3" fmla="*/ 3002696 w 3753370"/>
-                <a:gd name="connsiteY3" fmla="*/ 1501348 h 1501348"/>
-                <a:gd name="connsiteX4" fmla="*/ 0 w 3753370"/>
-                <a:gd name="connsiteY4" fmla="*/ 1501348 h 1501348"/>
-                <a:gd name="connsiteX5" fmla="*/ 750674 w 3753370"/>
-                <a:gd name="connsiteY5" fmla="*/ 750674 h 1501348"/>
-                <a:gd name="connsiteX6" fmla="*/ 0 w 3753370"/>
-                <a:gd name="connsiteY6" fmla="*/ 0 h 1501348"/>
-              </a:gdLst>
-              <a:ahLst/>
-              <a:cxnLst>
-                <a:cxn ang="0">
-                  <a:pos x="connsiteX0" y="connsiteY0"/>
-                </a:cxn>
-                <a:cxn ang="0">
-                  <a:pos x="connsiteX1" y="connsiteY1"/>
-                </a:cxn>
-                <a:cxn ang="0">
-                  <a:pos x="connsiteX2" y="connsiteY2"/>
-                </a:cxn>
-                <a:cxn ang="0">
-                  <a:pos x="connsiteX3" y="connsiteY3"/>
-                </a:cxn>
-                <a:cxn ang="0">
-                  <a:pos x="connsiteX4" y="connsiteY4"/>
-                </a:cxn>
-                <a:cxn ang="0">
-                  <a:pos x="connsiteX5" y="connsiteY5"/>
-                </a:cxn>
-                <a:cxn ang="0">
-                  <a:pos x="connsiteX6" y="connsiteY6"/>
-                </a:cxn>
-              </a:cxnLst>
-              <a:rect l="l" t="t" r="r" b="b"/>
-              <a:pathLst>
-                <a:path w="3753370" h="1501348">
-                  <a:moveTo>
-                    <a:pt x="0" y="0"/>
-                  </a:moveTo>
-                  <a:lnTo>
-                    <a:pt x="3002696" y="0"/>
-                  </a:lnTo>
-                  <a:lnTo>
-                    <a:pt x="3753370" y="750674"/>
-                  </a:lnTo>
-                  <a:lnTo>
-                    <a:pt x="3002696" y="1501348"/>
-                  </a:lnTo>
-                  <a:lnTo>
-                    <a:pt x="0" y="1501348"/>
-                  </a:lnTo>
-                  <a:lnTo>
-                    <a:pt x="750674" y="750674"/>
-                  </a:lnTo>
-                  <a:lnTo>
-                    <a:pt x="0" y="0"/>
-                  </a:lnTo>
-                  <a:close/>
-                </a:path>
-              </a:pathLst>
-            </a:custGeom>
+            <a:noFill/>
+          </p:grpSpPr>
+          <p:sp>
+            <p:nvSpPr>
+              <p:cNvPr id="13" name="Freeform 12">
+                <a:extLst>
+                  <a:ext uri="{FF2B5EF4-FFF2-40B4-BE49-F238E27FC236}">
+                    <a16:creationId xmlns:a16="http://schemas.microsoft.com/office/drawing/2014/main" id="{F4FFBE40-3D21-194E-9668-E4F31DDC86BD}"/>
+                  </a:ext>
+                </a:extLst>
+              </p:cNvPr>
+              <p:cNvSpPr/>
+              <p:nvPr/>
+            </p:nvSpPr>
+            <p:spPr>
+              <a:xfrm>
+                <a:off x="841280" y="3556364"/>
+                <a:ext cx="5730970" cy="1080000"/>
+              </a:xfrm>
+              <a:custGeom>
+                <a:avLst/>
+                <a:gdLst>
+                  <a:gd name="connsiteX0" fmla="*/ 0 w 3753370"/>
+                  <a:gd name="connsiteY0" fmla="*/ 0 h 1501348"/>
+                  <a:gd name="connsiteX1" fmla="*/ 3002696 w 3753370"/>
+                  <a:gd name="connsiteY1" fmla="*/ 0 h 1501348"/>
+                  <a:gd name="connsiteX2" fmla="*/ 3753370 w 3753370"/>
+                  <a:gd name="connsiteY2" fmla="*/ 750674 h 1501348"/>
+                  <a:gd name="connsiteX3" fmla="*/ 3002696 w 3753370"/>
+                  <a:gd name="connsiteY3" fmla="*/ 1501348 h 1501348"/>
+                  <a:gd name="connsiteX4" fmla="*/ 0 w 3753370"/>
+                  <a:gd name="connsiteY4" fmla="*/ 1501348 h 1501348"/>
+                  <a:gd name="connsiteX5" fmla="*/ 750674 w 3753370"/>
+                  <a:gd name="connsiteY5" fmla="*/ 750674 h 1501348"/>
+                  <a:gd name="connsiteX6" fmla="*/ 0 w 3753370"/>
+                  <a:gd name="connsiteY6" fmla="*/ 0 h 1501348"/>
+                </a:gdLst>
+                <a:ahLst/>
+                <a:cxnLst>
+                  <a:cxn ang="0">
+                    <a:pos x="connsiteX0" y="connsiteY0"/>
+                  </a:cxn>
+                  <a:cxn ang="0">
+                    <a:pos x="connsiteX1" y="connsiteY1"/>
+                  </a:cxn>
+                  <a:cxn ang="0">
+                    <a:pos x="connsiteX2" y="connsiteY2"/>
+                  </a:cxn>
+                  <a:cxn ang="0">
+                    <a:pos x="connsiteX3" y="connsiteY3"/>
+                  </a:cxn>
+                  <a:cxn ang="0">
+                    <a:pos x="connsiteX4" y="connsiteY4"/>
+                  </a:cxn>
+                  <a:cxn ang="0">
+                    <a:pos x="connsiteX5" y="connsiteY5"/>
+                  </a:cxn>
+                  <a:cxn ang="0">
+                    <a:pos x="connsiteX6" y="connsiteY6"/>
+                  </a:cxn>
+                </a:cxnLst>
+                <a:rect l="l" t="t" r="r" b="b"/>
+                <a:pathLst>
+                  <a:path w="3753370" h="1501348">
+                    <a:moveTo>
+                      <a:pt x="0" y="0"/>
+                    </a:moveTo>
+                    <a:lnTo>
+                      <a:pt x="3002696" y="0"/>
+                    </a:lnTo>
+                    <a:lnTo>
+                      <a:pt x="3753370" y="750674"/>
+                    </a:lnTo>
+                    <a:lnTo>
+                      <a:pt x="3002696" y="1501348"/>
+                    </a:lnTo>
+                    <a:lnTo>
+                      <a:pt x="0" y="1501348"/>
+                    </a:lnTo>
+                    <a:lnTo>
+                      <a:pt x="750674" y="750674"/>
+                    </a:lnTo>
+                    <a:lnTo>
+                      <a:pt x="0" y="0"/>
+                    </a:lnTo>
+                    <a:close/>
+                  </a:path>
+                </a:pathLst>
+              </a:custGeom>
+              <a:solidFill>
+                <a:srgbClr val="9FD3BD"/>
+              </a:solidFill>
+            </p:spPr>
+            <p:style>
+              <a:lnRef idx="2">
+                <a:schemeClr val="lt1">
+                  <a:hueOff val="0"/>
+                  <a:satOff val="0"/>
+                  <a:lumOff val="0"/>
+                  <a:alphaOff val="0"/>
+                </a:schemeClr>
+              </a:lnRef>
+              <a:fillRef idx="1">
+                <a:scrgbClr r="0" g="0" b="0"/>
+              </a:fillRef>
+              <a:effectRef idx="0">
+                <a:schemeClr val="accent1">
+                  <a:hueOff val="0"/>
+                  <a:satOff val="0"/>
+                  <a:lumOff val="0"/>
+                  <a:alphaOff val="0"/>
+                </a:schemeClr>
+              </a:effectRef>
+              <a:fontRef idx="minor">
+                <a:schemeClr val="lt1"/>
+              </a:fontRef>
+            </p:style>
+            <p:txBody>
+              <a:bodyPr spcFirstLastPara="0" vert="horz" wrap="square" lIns="882691" tIns="44006" rIns="794680" bIns="44006" numCol="1" spcCol="1270" anchor="ctr" anchorCtr="0">
+                <a:noAutofit/>
+              </a:bodyPr>
+              <a:lstStyle/>
+              <a:p>
+                <a:pPr marL="0" lvl="0" indent="0" algn="ctr" defTabSz="1466850">
+                  <a:lnSpc>
+                    <a:spcPct val="90000"/>
+                  </a:lnSpc>
+                  <a:spcBef>
+                    <a:spcPct val="0"/>
+                  </a:spcBef>
+                  <a:spcAft>
+                    <a:spcPct val="35000"/>
+                  </a:spcAft>
+                  <a:buNone/>
+                </a:pPr>
+                <a:r>
+                  <a:rPr lang="en-US" sz="2800" dirty="0">
+                    <a:solidFill>
+                      <a:schemeClr val="tx1"/>
+                    </a:solidFill>
+                  </a:rPr>
+                  <a:t>S</a:t>
+                </a:r>
+                <a:r>
+                  <a:rPr lang="en-US" sz="2800" kern="1200" dirty="0">
+                    <a:solidFill>
+                      <a:schemeClr val="tx1"/>
+                    </a:solidFill>
+                  </a:rPr>
+                  <a:t>equence QC</a:t>
+                </a:r>
+                <a:br>
+                  <a:rPr lang="en-US" sz="2800" kern="1200" dirty="0">
+                    <a:solidFill>
+                      <a:schemeClr val="tx1"/>
+                    </a:solidFill>
+                  </a:rPr>
+                </a:br>
+                <a:r>
+                  <a:rPr lang="en-US" sz="2800" kern="1200" dirty="0">
+                    <a:solidFill>
+                      <a:schemeClr val="tx1"/>
+                    </a:solidFill>
+                  </a:rPr>
+                  <a:t>(FASTQs)</a:t>
+                </a:r>
+              </a:p>
+            </p:txBody>
+          </p:sp>
+          <p:sp>
+            <p:nvSpPr>
+              <p:cNvPr id="14" name="Freeform 13">
+                <a:extLst>
+                  <a:ext uri="{FF2B5EF4-FFF2-40B4-BE49-F238E27FC236}">
+                    <a16:creationId xmlns:a16="http://schemas.microsoft.com/office/drawing/2014/main" id="{54A58763-7619-6248-8BEA-F8C01A2559C0}"/>
+                  </a:ext>
+                </a:extLst>
+              </p:cNvPr>
+              <p:cNvSpPr/>
+              <p:nvPr/>
+            </p:nvSpPr>
+            <p:spPr>
+              <a:xfrm>
+                <a:off x="5886450" y="3556364"/>
+                <a:ext cx="5356267" cy="1080000"/>
+              </a:xfrm>
+              <a:custGeom>
+                <a:avLst/>
+                <a:gdLst>
+                  <a:gd name="connsiteX0" fmla="*/ 0 w 3753370"/>
+                  <a:gd name="connsiteY0" fmla="*/ 0 h 1501348"/>
+                  <a:gd name="connsiteX1" fmla="*/ 3002696 w 3753370"/>
+                  <a:gd name="connsiteY1" fmla="*/ 0 h 1501348"/>
+                  <a:gd name="connsiteX2" fmla="*/ 3753370 w 3753370"/>
+                  <a:gd name="connsiteY2" fmla="*/ 750674 h 1501348"/>
+                  <a:gd name="connsiteX3" fmla="*/ 3002696 w 3753370"/>
+                  <a:gd name="connsiteY3" fmla="*/ 1501348 h 1501348"/>
+                  <a:gd name="connsiteX4" fmla="*/ 0 w 3753370"/>
+                  <a:gd name="connsiteY4" fmla="*/ 1501348 h 1501348"/>
+                  <a:gd name="connsiteX5" fmla="*/ 750674 w 3753370"/>
+                  <a:gd name="connsiteY5" fmla="*/ 750674 h 1501348"/>
+                  <a:gd name="connsiteX6" fmla="*/ 0 w 3753370"/>
+                  <a:gd name="connsiteY6" fmla="*/ 0 h 1501348"/>
+                </a:gdLst>
+                <a:ahLst/>
+                <a:cxnLst>
+                  <a:cxn ang="0">
+                    <a:pos x="connsiteX0" y="connsiteY0"/>
+                  </a:cxn>
+                  <a:cxn ang="0">
+                    <a:pos x="connsiteX1" y="connsiteY1"/>
+                  </a:cxn>
+                  <a:cxn ang="0">
+                    <a:pos x="connsiteX2" y="connsiteY2"/>
+                  </a:cxn>
+                  <a:cxn ang="0">
+                    <a:pos x="connsiteX3" y="connsiteY3"/>
+                  </a:cxn>
+                  <a:cxn ang="0">
+                    <a:pos x="connsiteX4" y="connsiteY4"/>
+                  </a:cxn>
+                  <a:cxn ang="0">
+                    <a:pos x="connsiteX5" y="connsiteY5"/>
+                  </a:cxn>
+                  <a:cxn ang="0">
+                    <a:pos x="connsiteX6" y="connsiteY6"/>
+                  </a:cxn>
+                </a:cxnLst>
+                <a:rect l="l" t="t" r="r" b="b"/>
+                <a:pathLst>
+                  <a:path w="3753370" h="1501348">
+                    <a:moveTo>
+                      <a:pt x="0" y="0"/>
+                    </a:moveTo>
+                    <a:lnTo>
+                      <a:pt x="3002696" y="0"/>
+                    </a:lnTo>
+                    <a:lnTo>
+                      <a:pt x="3753370" y="750674"/>
+                    </a:lnTo>
+                    <a:lnTo>
+                      <a:pt x="3002696" y="1501348"/>
+                    </a:lnTo>
+                    <a:lnTo>
+                      <a:pt x="0" y="1501348"/>
+                    </a:lnTo>
+                    <a:lnTo>
+                      <a:pt x="750674" y="750674"/>
+                    </a:lnTo>
+                    <a:lnTo>
+                      <a:pt x="0" y="0"/>
+                    </a:lnTo>
+                    <a:close/>
+                  </a:path>
+                </a:pathLst>
+              </a:custGeom>
+              <a:solidFill>
+                <a:srgbClr val="9FD3BD"/>
+              </a:solidFill>
+            </p:spPr>
+            <p:style>
+              <a:lnRef idx="2">
+                <a:schemeClr val="lt1">
+                  <a:hueOff val="0"/>
+                  <a:satOff val="0"/>
+                  <a:lumOff val="0"/>
+                  <a:alphaOff val="0"/>
+                </a:schemeClr>
+              </a:lnRef>
+              <a:fillRef idx="1">
+                <a:scrgbClr r="0" g="0" b="0"/>
+              </a:fillRef>
+              <a:effectRef idx="0">
+                <a:schemeClr val="accent1">
+                  <a:hueOff val="0"/>
+                  <a:satOff val="0"/>
+                  <a:lumOff val="0"/>
+                  <a:alphaOff val="0"/>
+                </a:schemeClr>
+              </a:effectRef>
+              <a:fontRef idx="minor">
+                <a:schemeClr val="lt1"/>
+              </a:fontRef>
+            </p:style>
+            <p:txBody>
+              <a:bodyPr spcFirstLastPara="0" vert="horz" wrap="square" lIns="882691" tIns="44006" rIns="794680" bIns="44006" numCol="1" spcCol="1270" anchor="ctr" anchorCtr="0">
+                <a:noAutofit/>
+              </a:bodyPr>
+              <a:lstStyle/>
+              <a:p>
+                <a:pPr marL="0" lvl="0" indent="0" algn="ctr" defTabSz="1466850">
+                  <a:lnSpc>
+                    <a:spcPct val="90000"/>
+                  </a:lnSpc>
+                  <a:spcBef>
+                    <a:spcPct val="0"/>
+                  </a:spcBef>
+                  <a:spcAft>
+                    <a:spcPct val="35000"/>
+                  </a:spcAft>
+                  <a:buNone/>
+                </a:pPr>
+                <a:r>
+                  <a:rPr lang="en-US" sz="3300" dirty="0">
+                    <a:solidFill>
+                      <a:schemeClr val="tx1"/>
+                    </a:solidFill>
+                  </a:rPr>
+                  <a:t>A</a:t>
+                </a:r>
+                <a:r>
+                  <a:rPr lang="en-US" sz="3300" kern="1200" dirty="0">
+                    <a:solidFill>
+                      <a:schemeClr val="tx1"/>
+                    </a:solidFill>
+                  </a:rPr>
+                  <a:t>lignment</a:t>
+                </a:r>
+              </a:p>
+              <a:p>
+                <a:pPr marL="0" lvl="0" indent="0" algn="ctr" defTabSz="1466850">
+                  <a:lnSpc>
+                    <a:spcPct val="90000"/>
+                  </a:lnSpc>
+                  <a:spcBef>
+                    <a:spcPct val="0"/>
+                  </a:spcBef>
+                  <a:spcAft>
+                    <a:spcPct val="35000"/>
+                  </a:spcAft>
+                  <a:buNone/>
+                </a:pPr>
+                <a:r>
+                  <a:rPr lang="en-US" sz="3300" kern="1200" dirty="0">
+                    <a:solidFill>
+                      <a:schemeClr val="tx1"/>
+                    </a:solidFill>
+                  </a:rPr>
+                  <a:t>(BAMs)</a:t>
+                </a:r>
+              </a:p>
+            </p:txBody>
+          </p:sp>
+        </p:grpSp>
+        <p:grpSp>
+          <p:nvGrpSpPr>
+            <p:cNvPr id="41" name="Group 40">
+              <a:extLst>
+                <a:ext uri="{FF2B5EF4-FFF2-40B4-BE49-F238E27FC236}">
+                  <a16:creationId xmlns:a16="http://schemas.microsoft.com/office/drawing/2014/main" id="{2B14A426-7637-D04B-A331-8AD50814DCF5}"/>
+                </a:ext>
+              </a:extLst>
+            </p:cNvPr>
+            <p:cNvGrpSpPr/>
+            <p:nvPr/>
+          </p:nvGrpSpPr>
+          <p:grpSpPr>
+            <a:xfrm>
+              <a:off x="841280" y="4302067"/>
+              <a:ext cx="10401437" cy="1080000"/>
+              <a:chOff x="841280" y="3556364"/>
+              <a:chExt cx="10401437" cy="1080000"/>
+            </a:xfrm>
             <a:solidFill>
-              <a:srgbClr val="9FD3BD"/>
+              <a:srgbClr val="D8D9D8"/>
             </a:solidFill>
-          </p:spPr>
-          <p:style>
-            <a:lnRef idx="2">
-              <a:schemeClr val="lt1">
-                <a:hueOff val="0"/>
-                <a:satOff val="0"/>
-                <a:lumOff val="0"/>
-                <a:alphaOff val="0"/>
-              </a:schemeClr>
-            </a:lnRef>
-            <a:fillRef idx="1">
-              <a:scrgbClr r="0" g="0" b="0"/>
-            </a:fillRef>
-            <a:effectRef idx="0">
-              <a:schemeClr val="accent1">
-                <a:hueOff val="0"/>
-                <a:satOff val="0"/>
-                <a:lumOff val="0"/>
-                <a:alphaOff val="0"/>
-              </a:schemeClr>
-            </a:effectRef>
-            <a:fontRef idx="minor">
-              <a:schemeClr val="lt1"/>
-            </a:fontRef>
-          </p:style>
-          <p:txBody>
-            <a:bodyPr spcFirstLastPara="0" vert="horz" wrap="square" lIns="882691" tIns="44006" rIns="794680" bIns="44006" numCol="1" spcCol="1270" anchor="ctr" anchorCtr="0">
-              <a:noAutofit/>
-            </a:bodyPr>
-            <a:lstStyle/>
-            <a:p>
-              <a:pPr marL="0" lvl="0" indent="0" algn="ctr" defTabSz="1466850">
-                <a:lnSpc>
-                  <a:spcPct val="90000"/>
-                </a:lnSpc>
-                <a:spcBef>
-                  <a:spcPct val="0"/>
-                </a:spcBef>
-                <a:spcAft>
-                  <a:spcPct val="35000"/>
-                </a:spcAft>
-                <a:buNone/>
-              </a:pPr>
-              <a:r>
-                <a:rPr lang="en-US" sz="2800" dirty="0">
+          </p:grpSpPr>
+          <p:sp>
+            <p:nvSpPr>
+              <p:cNvPr id="43" name="Freeform 42">
+                <a:extLst>
+                  <a:ext uri="{FF2B5EF4-FFF2-40B4-BE49-F238E27FC236}">
+                    <a16:creationId xmlns:a16="http://schemas.microsoft.com/office/drawing/2014/main" id="{481F339D-286E-9442-9F1B-61FC78476EEE}"/>
+                  </a:ext>
+                </a:extLst>
+              </p:cNvPr>
+              <p:cNvSpPr/>
+              <p:nvPr/>
+            </p:nvSpPr>
+            <p:spPr>
+              <a:xfrm>
+                <a:off x="841280" y="3556364"/>
+                <a:ext cx="5730970" cy="1080000"/>
+              </a:xfrm>
+              <a:custGeom>
+                <a:avLst/>
+                <a:gdLst>
+                  <a:gd name="connsiteX0" fmla="*/ 0 w 3753370"/>
+                  <a:gd name="connsiteY0" fmla="*/ 0 h 1501348"/>
+                  <a:gd name="connsiteX1" fmla="*/ 3002696 w 3753370"/>
+                  <a:gd name="connsiteY1" fmla="*/ 0 h 1501348"/>
+                  <a:gd name="connsiteX2" fmla="*/ 3753370 w 3753370"/>
+                  <a:gd name="connsiteY2" fmla="*/ 750674 h 1501348"/>
+                  <a:gd name="connsiteX3" fmla="*/ 3002696 w 3753370"/>
+                  <a:gd name="connsiteY3" fmla="*/ 1501348 h 1501348"/>
+                  <a:gd name="connsiteX4" fmla="*/ 0 w 3753370"/>
+                  <a:gd name="connsiteY4" fmla="*/ 1501348 h 1501348"/>
+                  <a:gd name="connsiteX5" fmla="*/ 750674 w 3753370"/>
+                  <a:gd name="connsiteY5" fmla="*/ 750674 h 1501348"/>
+                  <a:gd name="connsiteX6" fmla="*/ 0 w 3753370"/>
+                  <a:gd name="connsiteY6" fmla="*/ 0 h 1501348"/>
+                </a:gdLst>
+                <a:ahLst/>
+                <a:cxnLst>
+                  <a:cxn ang="0">
+                    <a:pos x="connsiteX0" y="connsiteY0"/>
+                  </a:cxn>
+                  <a:cxn ang="0">
+                    <a:pos x="connsiteX1" y="connsiteY1"/>
+                  </a:cxn>
+                  <a:cxn ang="0">
+                    <a:pos x="connsiteX2" y="connsiteY2"/>
+                  </a:cxn>
+                  <a:cxn ang="0">
+                    <a:pos x="connsiteX3" y="connsiteY3"/>
+                  </a:cxn>
+                  <a:cxn ang="0">
+                    <a:pos x="connsiteX4" y="connsiteY4"/>
+                  </a:cxn>
+                  <a:cxn ang="0">
+                    <a:pos x="connsiteX5" y="connsiteY5"/>
+                  </a:cxn>
+                  <a:cxn ang="0">
+                    <a:pos x="connsiteX6" y="connsiteY6"/>
+                  </a:cxn>
+                </a:cxnLst>
+                <a:rect l="l" t="t" r="r" b="b"/>
+                <a:pathLst>
+                  <a:path w="3753370" h="1501348">
+                    <a:moveTo>
+                      <a:pt x="0" y="0"/>
+                    </a:moveTo>
+                    <a:lnTo>
+                      <a:pt x="3002696" y="0"/>
+                    </a:lnTo>
+                    <a:lnTo>
+                      <a:pt x="3753370" y="750674"/>
+                    </a:lnTo>
+                    <a:lnTo>
+                      <a:pt x="3002696" y="1501348"/>
+                    </a:lnTo>
+                    <a:lnTo>
+                      <a:pt x="0" y="1501348"/>
+                    </a:lnTo>
+                    <a:lnTo>
+                      <a:pt x="750674" y="750674"/>
+                    </a:lnTo>
+                    <a:lnTo>
+                      <a:pt x="0" y="0"/>
+                    </a:lnTo>
+                    <a:close/>
+                  </a:path>
+                </a:pathLst>
+              </a:custGeom>
+              <a:solidFill>
+                <a:srgbClr val="FFD7D7"/>
+              </a:solidFill>
+            </p:spPr>
+            <p:style>
+              <a:lnRef idx="2">
+                <a:schemeClr val="lt1">
+                  <a:hueOff val="0"/>
+                  <a:satOff val="0"/>
+                  <a:lumOff val="0"/>
+                  <a:alphaOff val="0"/>
+                </a:schemeClr>
+              </a:lnRef>
+              <a:fillRef idx="1">
+                <a:scrgbClr r="0" g="0" b="0"/>
+              </a:fillRef>
+              <a:effectRef idx="0">
+                <a:schemeClr val="accent1">
+                  <a:hueOff val="0"/>
+                  <a:satOff val="0"/>
+                  <a:lumOff val="0"/>
+                  <a:alphaOff val="0"/>
+                </a:schemeClr>
+              </a:effectRef>
+              <a:fontRef idx="minor">
+                <a:schemeClr val="lt1"/>
+              </a:fontRef>
+            </p:style>
+            <p:txBody>
+              <a:bodyPr spcFirstLastPara="0" vert="horz" wrap="square" lIns="882691" tIns="44006" rIns="794680" bIns="44006" numCol="1" spcCol="1270" anchor="ctr" anchorCtr="0">
+                <a:noAutofit/>
+              </a:bodyPr>
+              <a:lstStyle/>
+              <a:p>
+                <a:pPr marL="0" lvl="0" indent="0" algn="ctr" defTabSz="1466850">
+                  <a:lnSpc>
+                    <a:spcPct val="90000"/>
+                  </a:lnSpc>
+                  <a:spcBef>
+                    <a:spcPct val="0"/>
+                  </a:spcBef>
+                  <a:spcAft>
+                    <a:spcPct val="35000"/>
+                  </a:spcAft>
+                  <a:buNone/>
+                </a:pPr>
+                <a:r>
+                  <a:rPr lang="en-US" sz="2800" b="1" dirty="0">
+                    <a:solidFill>
+                      <a:schemeClr val="tx1"/>
+                    </a:solidFill>
+                  </a:rPr>
+                  <a:t>Quantification</a:t>
+                </a:r>
+              </a:p>
+              <a:p>
+                <a:pPr marL="0" lvl="0" indent="0" algn="ctr" defTabSz="1466850">
+                  <a:lnSpc>
+                    <a:spcPct val="90000"/>
+                  </a:lnSpc>
+                  <a:spcBef>
+                    <a:spcPct val="0"/>
+                  </a:spcBef>
+                  <a:spcAft>
+                    <a:spcPct val="35000"/>
+                  </a:spcAft>
+                  <a:buNone/>
+                </a:pPr>
+                <a:r>
+                  <a:rPr lang="en-US" sz="2800" b="1" kern="1200" dirty="0">
+                    <a:solidFill>
+                      <a:schemeClr val="tx1"/>
+                    </a:solidFill>
+                  </a:rPr>
+                  <a:t>(count matrix)</a:t>
+                </a:r>
+              </a:p>
+            </p:txBody>
+          </p:sp>
+          <p:sp>
+            <p:nvSpPr>
+              <p:cNvPr id="44" name="Freeform 43">
+                <a:extLst>
+                  <a:ext uri="{FF2B5EF4-FFF2-40B4-BE49-F238E27FC236}">
+                    <a16:creationId xmlns:a16="http://schemas.microsoft.com/office/drawing/2014/main" id="{4B39E34C-8DEA-524B-A8DD-FEBA948606FD}"/>
+                  </a:ext>
+                </a:extLst>
+              </p:cNvPr>
+              <p:cNvSpPr/>
+              <p:nvPr/>
+            </p:nvSpPr>
+            <p:spPr>
+              <a:xfrm>
+                <a:off x="5886450" y="3556364"/>
+                <a:ext cx="5356267" cy="1080000"/>
+              </a:xfrm>
+              <a:custGeom>
+                <a:avLst/>
+                <a:gdLst>
+                  <a:gd name="connsiteX0" fmla="*/ 0 w 3753370"/>
+                  <a:gd name="connsiteY0" fmla="*/ 0 h 1501348"/>
+                  <a:gd name="connsiteX1" fmla="*/ 3002696 w 3753370"/>
+                  <a:gd name="connsiteY1" fmla="*/ 0 h 1501348"/>
+                  <a:gd name="connsiteX2" fmla="*/ 3753370 w 3753370"/>
+                  <a:gd name="connsiteY2" fmla="*/ 750674 h 1501348"/>
+                  <a:gd name="connsiteX3" fmla="*/ 3002696 w 3753370"/>
+                  <a:gd name="connsiteY3" fmla="*/ 1501348 h 1501348"/>
+                  <a:gd name="connsiteX4" fmla="*/ 0 w 3753370"/>
+                  <a:gd name="connsiteY4" fmla="*/ 1501348 h 1501348"/>
+                  <a:gd name="connsiteX5" fmla="*/ 750674 w 3753370"/>
+                  <a:gd name="connsiteY5" fmla="*/ 750674 h 1501348"/>
+                  <a:gd name="connsiteX6" fmla="*/ 0 w 3753370"/>
+                  <a:gd name="connsiteY6" fmla="*/ 0 h 1501348"/>
+                </a:gdLst>
+                <a:ahLst/>
+                <a:cxnLst>
+                  <a:cxn ang="0">
+                    <a:pos x="connsiteX0" y="connsiteY0"/>
+                  </a:cxn>
+                  <a:cxn ang="0">
+                    <a:pos x="connsiteX1" y="connsiteY1"/>
+                  </a:cxn>
+                  <a:cxn ang="0">
+                    <a:pos x="connsiteX2" y="connsiteY2"/>
+                  </a:cxn>
+                  <a:cxn ang="0">
+                    <a:pos x="connsiteX3" y="connsiteY3"/>
+                  </a:cxn>
+                  <a:cxn ang="0">
+                    <a:pos x="connsiteX4" y="connsiteY4"/>
+                  </a:cxn>
+                  <a:cxn ang="0">
+                    <a:pos x="connsiteX5" y="connsiteY5"/>
+                  </a:cxn>
+                  <a:cxn ang="0">
+                    <a:pos x="connsiteX6" y="connsiteY6"/>
+                  </a:cxn>
+                </a:cxnLst>
+                <a:rect l="l" t="t" r="r" b="b"/>
+                <a:pathLst>
+                  <a:path w="3753370" h="1501348">
+                    <a:moveTo>
+                      <a:pt x="0" y="0"/>
+                    </a:moveTo>
+                    <a:lnTo>
+                      <a:pt x="3002696" y="0"/>
+                    </a:lnTo>
+                    <a:lnTo>
+                      <a:pt x="3753370" y="750674"/>
+                    </a:lnTo>
+                    <a:lnTo>
+                      <a:pt x="3002696" y="1501348"/>
+                    </a:lnTo>
+                    <a:lnTo>
+                      <a:pt x="0" y="1501348"/>
+                    </a:lnTo>
+                    <a:lnTo>
+                      <a:pt x="750674" y="750674"/>
+                    </a:lnTo>
+                    <a:lnTo>
+                      <a:pt x="0" y="0"/>
+                    </a:lnTo>
+                    <a:close/>
+                  </a:path>
+                </a:pathLst>
+              </a:custGeom>
+              <a:grpFill/>
+            </p:spPr>
+            <p:style>
+              <a:lnRef idx="2">
+                <a:schemeClr val="lt1">
+                  <a:hueOff val="0"/>
+                  <a:satOff val="0"/>
+                  <a:lumOff val="0"/>
+                  <a:alphaOff val="0"/>
+                </a:schemeClr>
+              </a:lnRef>
+              <a:fillRef idx="1">
+                <a:scrgbClr r="0" g="0" b="0"/>
+              </a:fillRef>
+              <a:effectRef idx="0">
+                <a:schemeClr val="accent1">
+                  <a:hueOff val="0"/>
+                  <a:satOff val="0"/>
+                  <a:lumOff val="0"/>
+                  <a:alphaOff val="0"/>
+                </a:schemeClr>
+              </a:effectRef>
+              <a:fontRef idx="minor">
+                <a:schemeClr val="lt1"/>
+              </a:fontRef>
+            </p:style>
+            <p:txBody>
+              <a:bodyPr spcFirstLastPara="0" vert="horz" wrap="square" lIns="882691" tIns="44006" rIns="794680" bIns="44006" numCol="1" spcCol="1270" anchor="ctr" anchorCtr="0">
+                <a:noAutofit/>
+              </a:bodyPr>
+              <a:lstStyle/>
+              <a:p>
+                <a:pPr marL="0" lvl="0" indent="0" algn="ctr" defTabSz="1466850">
+                  <a:lnSpc>
+                    <a:spcPct val="90000"/>
+                  </a:lnSpc>
+                  <a:spcBef>
+                    <a:spcPct val="0"/>
+                  </a:spcBef>
+                  <a:spcAft>
+                    <a:spcPct val="35000"/>
+                  </a:spcAft>
+                  <a:buNone/>
+                </a:pPr>
+                <a:r>
+                  <a:rPr lang="en-US" sz="3300" b="1" dirty="0">
+                    <a:solidFill>
+                      <a:schemeClr val="tx1"/>
+                    </a:solidFill>
+                  </a:rPr>
+                  <a:t>Define groups</a:t>
+                </a:r>
+                <a:br>
+                  <a:rPr lang="en-US" sz="3300" b="1" dirty="0">
+                    <a:solidFill>
+                      <a:schemeClr val="tx1"/>
+                    </a:solidFill>
+                  </a:rPr>
+                </a:br>
+                <a:r>
+                  <a:rPr lang="en-US" sz="3300" b="1" dirty="0">
+                    <a:solidFill>
+                      <a:schemeClr val="tx1"/>
+                    </a:solidFill>
+                  </a:rPr>
+                  <a:t>&amp; fit model</a:t>
+                </a:r>
+                <a:endParaRPr lang="en-US" sz="3300" b="1" kern="1200" dirty="0">
                   <a:solidFill>
                     <a:schemeClr val="tx1"/>
                   </a:solidFill>
-                </a:rPr>
-                <a:t>S</a:t>
-              </a:r>
-              <a:r>
-                <a:rPr lang="en-US" sz="2800" kern="1200" dirty="0">
+                </a:endParaRPr>
+              </a:p>
+            </p:txBody>
+          </p:sp>
+        </p:grpSp>
+        <p:grpSp>
+          <p:nvGrpSpPr>
+            <p:cNvPr id="46" name="Group 45">
+              <a:extLst>
+                <a:ext uri="{FF2B5EF4-FFF2-40B4-BE49-F238E27FC236}">
+                  <a16:creationId xmlns:a16="http://schemas.microsoft.com/office/drawing/2014/main" id="{8B3EEF87-7C1F-6649-8C07-A0AC1F77C716}"/>
+                </a:ext>
+              </a:extLst>
+            </p:cNvPr>
+            <p:cNvGrpSpPr/>
+            <p:nvPr/>
+          </p:nvGrpSpPr>
+          <p:grpSpPr>
+            <a:xfrm>
+              <a:off x="841280" y="5559258"/>
+              <a:ext cx="10401437" cy="1080000"/>
+              <a:chOff x="841280" y="3556364"/>
+              <a:chExt cx="10401437" cy="1080000"/>
+            </a:xfrm>
+            <a:solidFill>
+              <a:srgbClr val="D8D9D8"/>
+            </a:solidFill>
+          </p:grpSpPr>
+          <p:sp>
+            <p:nvSpPr>
+              <p:cNvPr id="48" name="Freeform 47">
+                <a:extLst>
+                  <a:ext uri="{FF2B5EF4-FFF2-40B4-BE49-F238E27FC236}">
+                    <a16:creationId xmlns:a16="http://schemas.microsoft.com/office/drawing/2014/main" id="{9B37D20B-301E-F143-B0C5-5790086F53A7}"/>
+                  </a:ext>
+                </a:extLst>
+              </p:cNvPr>
+              <p:cNvSpPr/>
+              <p:nvPr/>
+            </p:nvSpPr>
+            <p:spPr>
+              <a:xfrm>
+                <a:off x="841280" y="3556364"/>
+                <a:ext cx="5730970" cy="1080000"/>
+              </a:xfrm>
+              <a:custGeom>
+                <a:avLst/>
+                <a:gdLst>
+                  <a:gd name="connsiteX0" fmla="*/ 0 w 3753370"/>
+                  <a:gd name="connsiteY0" fmla="*/ 0 h 1501348"/>
+                  <a:gd name="connsiteX1" fmla="*/ 3002696 w 3753370"/>
+                  <a:gd name="connsiteY1" fmla="*/ 0 h 1501348"/>
+                  <a:gd name="connsiteX2" fmla="*/ 3753370 w 3753370"/>
+                  <a:gd name="connsiteY2" fmla="*/ 750674 h 1501348"/>
+                  <a:gd name="connsiteX3" fmla="*/ 3002696 w 3753370"/>
+                  <a:gd name="connsiteY3" fmla="*/ 1501348 h 1501348"/>
+                  <a:gd name="connsiteX4" fmla="*/ 0 w 3753370"/>
+                  <a:gd name="connsiteY4" fmla="*/ 1501348 h 1501348"/>
+                  <a:gd name="connsiteX5" fmla="*/ 750674 w 3753370"/>
+                  <a:gd name="connsiteY5" fmla="*/ 750674 h 1501348"/>
+                  <a:gd name="connsiteX6" fmla="*/ 0 w 3753370"/>
+                  <a:gd name="connsiteY6" fmla="*/ 0 h 1501348"/>
+                </a:gdLst>
+                <a:ahLst/>
+                <a:cxnLst>
+                  <a:cxn ang="0">
+                    <a:pos x="connsiteX0" y="connsiteY0"/>
+                  </a:cxn>
+                  <a:cxn ang="0">
+                    <a:pos x="connsiteX1" y="connsiteY1"/>
+                  </a:cxn>
+                  <a:cxn ang="0">
+                    <a:pos x="connsiteX2" y="connsiteY2"/>
+                  </a:cxn>
+                  <a:cxn ang="0">
+                    <a:pos x="connsiteX3" y="connsiteY3"/>
+                  </a:cxn>
+                  <a:cxn ang="0">
+                    <a:pos x="connsiteX4" y="connsiteY4"/>
+                  </a:cxn>
+                  <a:cxn ang="0">
+                    <a:pos x="connsiteX5" y="connsiteY5"/>
+                  </a:cxn>
+                  <a:cxn ang="0">
+                    <a:pos x="connsiteX6" y="connsiteY6"/>
+                  </a:cxn>
+                </a:cxnLst>
+                <a:rect l="l" t="t" r="r" b="b"/>
+                <a:pathLst>
+                  <a:path w="3753370" h="1501348">
+                    <a:moveTo>
+                      <a:pt x="0" y="0"/>
+                    </a:moveTo>
+                    <a:lnTo>
+                      <a:pt x="3002696" y="0"/>
+                    </a:lnTo>
+                    <a:lnTo>
+                      <a:pt x="3753370" y="750674"/>
+                    </a:lnTo>
+                    <a:lnTo>
+                      <a:pt x="3002696" y="1501348"/>
+                    </a:lnTo>
+                    <a:lnTo>
+                      <a:pt x="0" y="1501348"/>
+                    </a:lnTo>
+                    <a:lnTo>
+                      <a:pt x="750674" y="750674"/>
+                    </a:lnTo>
+                    <a:lnTo>
+                      <a:pt x="0" y="0"/>
+                    </a:lnTo>
+                    <a:close/>
+                  </a:path>
+                </a:pathLst>
+              </a:custGeom>
+              <a:grpFill/>
+            </p:spPr>
+            <p:style>
+              <a:lnRef idx="2">
+                <a:schemeClr val="lt1">
+                  <a:hueOff val="0"/>
+                  <a:satOff val="0"/>
+                  <a:lumOff val="0"/>
+                  <a:alphaOff val="0"/>
+                </a:schemeClr>
+              </a:lnRef>
+              <a:fillRef idx="1">
+                <a:scrgbClr r="0" g="0" b="0"/>
+              </a:fillRef>
+              <a:effectRef idx="0">
+                <a:schemeClr val="accent1">
+                  <a:hueOff val="0"/>
+                  <a:satOff val="0"/>
+                  <a:lumOff val="0"/>
+                  <a:alphaOff val="0"/>
+                </a:schemeClr>
+              </a:effectRef>
+              <a:fontRef idx="minor">
+                <a:schemeClr val="lt1"/>
+              </a:fontRef>
+            </p:style>
+            <p:txBody>
+              <a:bodyPr spcFirstLastPara="0" vert="horz" wrap="square" lIns="882691" tIns="44006" rIns="794680" bIns="44006" numCol="1" spcCol="1270" anchor="ctr" anchorCtr="0">
+                <a:noAutofit/>
+              </a:bodyPr>
+              <a:lstStyle/>
+              <a:p>
+                <a:pPr marL="0" lvl="0" indent="0" algn="ctr" defTabSz="1466850">
+                  <a:lnSpc>
+                    <a:spcPct val="90000"/>
+                  </a:lnSpc>
+                  <a:spcBef>
+                    <a:spcPct val="0"/>
+                  </a:spcBef>
+                  <a:spcAft>
+                    <a:spcPct val="35000"/>
+                  </a:spcAft>
+                  <a:buNone/>
+                </a:pPr>
+                <a:r>
+                  <a:rPr lang="en-US" sz="2800" dirty="0">
+                    <a:solidFill>
+                      <a:schemeClr val="tx1"/>
+                    </a:solidFill>
+                  </a:rPr>
+                  <a:t>Expression plots</a:t>
+                </a:r>
+                <a:br>
+                  <a:rPr lang="en-US" sz="2800" kern="1200" dirty="0">
+                    <a:solidFill>
+                      <a:schemeClr val="tx1"/>
+                    </a:solidFill>
+                  </a:rPr>
+                </a:br>
+                <a:r>
+                  <a:rPr lang="en-US" sz="2800" kern="1200" dirty="0">
+                    <a:solidFill>
+                      <a:schemeClr val="tx1"/>
+                    </a:solidFill>
+                  </a:rPr>
+                  <a:t>(Sample QC)</a:t>
+                </a:r>
+              </a:p>
+            </p:txBody>
+          </p:sp>
+          <p:sp>
+            <p:nvSpPr>
+              <p:cNvPr id="49" name="Freeform 48">
+                <a:extLst>
+                  <a:ext uri="{FF2B5EF4-FFF2-40B4-BE49-F238E27FC236}">
+                    <a16:creationId xmlns:a16="http://schemas.microsoft.com/office/drawing/2014/main" id="{76C53BEA-0EB7-C74D-B8B9-CE042ECDD5A6}"/>
+                  </a:ext>
+                </a:extLst>
+              </p:cNvPr>
+              <p:cNvSpPr/>
+              <p:nvPr/>
+            </p:nvSpPr>
+            <p:spPr>
+              <a:xfrm>
+                <a:off x="5886450" y="3556364"/>
+                <a:ext cx="5356267" cy="1080000"/>
+              </a:xfrm>
+              <a:custGeom>
+                <a:avLst/>
+                <a:gdLst>
+                  <a:gd name="connsiteX0" fmla="*/ 0 w 3753370"/>
+                  <a:gd name="connsiteY0" fmla="*/ 0 h 1501348"/>
+                  <a:gd name="connsiteX1" fmla="*/ 3002696 w 3753370"/>
+                  <a:gd name="connsiteY1" fmla="*/ 0 h 1501348"/>
+                  <a:gd name="connsiteX2" fmla="*/ 3753370 w 3753370"/>
+                  <a:gd name="connsiteY2" fmla="*/ 750674 h 1501348"/>
+                  <a:gd name="connsiteX3" fmla="*/ 3002696 w 3753370"/>
+                  <a:gd name="connsiteY3" fmla="*/ 1501348 h 1501348"/>
+                  <a:gd name="connsiteX4" fmla="*/ 0 w 3753370"/>
+                  <a:gd name="connsiteY4" fmla="*/ 1501348 h 1501348"/>
+                  <a:gd name="connsiteX5" fmla="*/ 750674 w 3753370"/>
+                  <a:gd name="connsiteY5" fmla="*/ 750674 h 1501348"/>
+                  <a:gd name="connsiteX6" fmla="*/ 0 w 3753370"/>
+                  <a:gd name="connsiteY6" fmla="*/ 0 h 1501348"/>
+                </a:gdLst>
+                <a:ahLst/>
+                <a:cxnLst>
+                  <a:cxn ang="0">
+                    <a:pos x="connsiteX0" y="connsiteY0"/>
+                  </a:cxn>
+                  <a:cxn ang="0">
+                    <a:pos x="connsiteX1" y="connsiteY1"/>
+                  </a:cxn>
+                  <a:cxn ang="0">
+                    <a:pos x="connsiteX2" y="connsiteY2"/>
+                  </a:cxn>
+                  <a:cxn ang="0">
+                    <a:pos x="connsiteX3" y="connsiteY3"/>
+                  </a:cxn>
+                  <a:cxn ang="0">
+                    <a:pos x="connsiteX4" y="connsiteY4"/>
+                  </a:cxn>
+                  <a:cxn ang="0">
+                    <a:pos x="connsiteX5" y="connsiteY5"/>
+                  </a:cxn>
+                  <a:cxn ang="0">
+                    <a:pos x="connsiteX6" y="connsiteY6"/>
+                  </a:cxn>
+                </a:cxnLst>
+                <a:rect l="l" t="t" r="r" b="b"/>
+                <a:pathLst>
+                  <a:path w="3753370" h="1501348">
+                    <a:moveTo>
+                      <a:pt x="0" y="0"/>
+                    </a:moveTo>
+                    <a:lnTo>
+                      <a:pt x="3002696" y="0"/>
+                    </a:lnTo>
+                    <a:lnTo>
+                      <a:pt x="3753370" y="750674"/>
+                    </a:lnTo>
+                    <a:lnTo>
+                      <a:pt x="3002696" y="1501348"/>
+                    </a:lnTo>
+                    <a:lnTo>
+                      <a:pt x="0" y="1501348"/>
+                    </a:lnTo>
+                    <a:lnTo>
+                      <a:pt x="750674" y="750674"/>
+                    </a:lnTo>
+                    <a:lnTo>
+                      <a:pt x="0" y="0"/>
+                    </a:lnTo>
+                    <a:close/>
+                  </a:path>
+                </a:pathLst>
+              </a:custGeom>
+              <a:grpFill/>
+            </p:spPr>
+            <p:style>
+              <a:lnRef idx="2">
+                <a:schemeClr val="lt1">
+                  <a:hueOff val="0"/>
+                  <a:satOff val="0"/>
+                  <a:lumOff val="0"/>
+                  <a:alphaOff val="0"/>
+                </a:schemeClr>
+              </a:lnRef>
+              <a:fillRef idx="1">
+                <a:scrgbClr r="0" g="0" b="0"/>
+              </a:fillRef>
+              <a:effectRef idx="0">
+                <a:schemeClr val="accent1">
+                  <a:hueOff val="0"/>
+                  <a:satOff val="0"/>
+                  <a:lumOff val="0"/>
+                  <a:alphaOff val="0"/>
+                </a:schemeClr>
+              </a:effectRef>
+              <a:fontRef idx="minor">
+                <a:schemeClr val="lt1"/>
+              </a:fontRef>
+            </p:style>
+            <p:txBody>
+              <a:bodyPr spcFirstLastPara="0" vert="horz" wrap="square" lIns="882691" tIns="44006" rIns="794680" bIns="44006" numCol="1" spcCol="1270" anchor="ctr" anchorCtr="0">
+                <a:noAutofit/>
+              </a:bodyPr>
+              <a:lstStyle/>
+              <a:p>
+                <a:pPr marL="0" lvl="0" indent="0" algn="ctr" defTabSz="1466850">
+                  <a:lnSpc>
+                    <a:spcPct val="90000"/>
+                  </a:lnSpc>
+                  <a:spcBef>
+                    <a:spcPct val="0"/>
+                  </a:spcBef>
+                  <a:spcAft>
+                    <a:spcPct val="35000"/>
+                  </a:spcAft>
+                  <a:buNone/>
+                </a:pPr>
+                <a:r>
+                  <a:rPr lang="en-US" sz="3300" dirty="0">
+                    <a:solidFill>
+                      <a:schemeClr val="tx1"/>
+                    </a:solidFill>
+                  </a:rPr>
+                  <a:t>Differential Expression</a:t>
+                </a:r>
+                <a:endParaRPr lang="en-US" sz="3300" kern="1200" dirty="0">
                   <a:solidFill>
                     <a:schemeClr val="tx1"/>
                   </a:solidFill>
-                </a:rPr>
-                <a:t>equence QC</a:t>
-              </a:r>
-              <a:br>
-                <a:rPr lang="en-US" sz="2800" kern="1200" dirty="0">
-                  <a:solidFill>
-                    <a:schemeClr val="tx1"/>
-                  </a:solidFill>
-                </a:rPr>
-              </a:br>
-              <a:r>
-                <a:rPr lang="en-US" sz="2800" kern="1200" dirty="0">
-                  <a:solidFill>
-                    <a:schemeClr val="tx1"/>
-                  </a:solidFill>
-                </a:rPr>
-                <a:t>(FASTQs)</a:t>
-              </a:r>
-            </a:p>
-          </p:txBody>
-        </p:sp>
-        <p:sp>
-          <p:nvSpPr>
-            <p:cNvPr id="14" name="Freeform 13">
-              <a:extLst>
-                <a:ext uri="{FF2B5EF4-FFF2-40B4-BE49-F238E27FC236}">
-                  <a16:creationId xmlns:a16="http://schemas.microsoft.com/office/drawing/2014/main" id="{54A58763-7619-6248-8BEA-F8C01A2559C0}"/>
-                </a:ext>
-              </a:extLst>
-            </p:cNvPr>
-            <p:cNvSpPr/>
-            <p:nvPr/>
-          </p:nvSpPr>
-          <p:spPr>
-            <a:xfrm>
-              <a:off x="5886450" y="3556364"/>
-              <a:ext cx="5356267" cy="1080000"/>
-            </a:xfrm>
-            <a:custGeom>
-              <a:avLst/>
-              <a:gdLst>
-                <a:gd name="connsiteX0" fmla="*/ 0 w 3753370"/>
-                <a:gd name="connsiteY0" fmla="*/ 0 h 1501348"/>
-                <a:gd name="connsiteX1" fmla="*/ 3002696 w 3753370"/>
-                <a:gd name="connsiteY1" fmla="*/ 0 h 1501348"/>
-                <a:gd name="connsiteX2" fmla="*/ 3753370 w 3753370"/>
-                <a:gd name="connsiteY2" fmla="*/ 750674 h 1501348"/>
-                <a:gd name="connsiteX3" fmla="*/ 3002696 w 3753370"/>
-                <a:gd name="connsiteY3" fmla="*/ 1501348 h 1501348"/>
-                <a:gd name="connsiteX4" fmla="*/ 0 w 3753370"/>
-                <a:gd name="connsiteY4" fmla="*/ 1501348 h 1501348"/>
-                <a:gd name="connsiteX5" fmla="*/ 750674 w 3753370"/>
-                <a:gd name="connsiteY5" fmla="*/ 750674 h 1501348"/>
-                <a:gd name="connsiteX6" fmla="*/ 0 w 3753370"/>
-                <a:gd name="connsiteY6" fmla="*/ 0 h 1501348"/>
-              </a:gdLst>
-              <a:ahLst/>
-              <a:cxnLst>
-                <a:cxn ang="0">
-                  <a:pos x="connsiteX0" y="connsiteY0"/>
-                </a:cxn>
-                <a:cxn ang="0">
-                  <a:pos x="connsiteX1" y="connsiteY1"/>
-                </a:cxn>
-                <a:cxn ang="0">
-                  <a:pos x="connsiteX2" y="connsiteY2"/>
-                </a:cxn>
-                <a:cxn ang="0">
-                  <a:pos x="connsiteX3" y="connsiteY3"/>
-                </a:cxn>
-                <a:cxn ang="0">
-                  <a:pos x="connsiteX4" y="connsiteY4"/>
-                </a:cxn>
-                <a:cxn ang="0">
-                  <a:pos x="connsiteX5" y="connsiteY5"/>
-                </a:cxn>
-                <a:cxn ang="0">
-                  <a:pos x="connsiteX6" y="connsiteY6"/>
-                </a:cxn>
-              </a:cxnLst>
-              <a:rect l="l" t="t" r="r" b="b"/>
-              <a:pathLst>
-                <a:path w="3753370" h="1501348">
-                  <a:moveTo>
-                    <a:pt x="0" y="0"/>
-                  </a:moveTo>
-                  <a:lnTo>
-                    <a:pt x="3002696" y="0"/>
-                  </a:lnTo>
-                  <a:lnTo>
-                    <a:pt x="3753370" y="750674"/>
-                  </a:lnTo>
-                  <a:lnTo>
-                    <a:pt x="3002696" y="1501348"/>
-                  </a:lnTo>
-                  <a:lnTo>
-                    <a:pt x="0" y="1501348"/>
-                  </a:lnTo>
-                  <a:lnTo>
-                    <a:pt x="750674" y="750674"/>
-                  </a:lnTo>
-                  <a:lnTo>
-                    <a:pt x="0" y="0"/>
-                  </a:lnTo>
-                  <a:close/>
-                </a:path>
-              </a:pathLst>
-            </a:custGeom>
-            <a:solidFill>
-              <a:srgbClr val="9FD3BD"/>
-            </a:solidFill>
-          </p:spPr>
-          <p:style>
-            <a:lnRef idx="2">
-              <a:schemeClr val="lt1">
-                <a:hueOff val="0"/>
-                <a:satOff val="0"/>
-                <a:lumOff val="0"/>
-                <a:alphaOff val="0"/>
-              </a:schemeClr>
-            </a:lnRef>
-            <a:fillRef idx="1">
-              <a:scrgbClr r="0" g="0" b="0"/>
-            </a:fillRef>
-            <a:effectRef idx="0">
-              <a:schemeClr val="accent1">
-                <a:hueOff val="0"/>
-                <a:satOff val="0"/>
-                <a:lumOff val="0"/>
-                <a:alphaOff val="0"/>
-              </a:schemeClr>
-            </a:effectRef>
-            <a:fontRef idx="minor">
-              <a:schemeClr val="lt1"/>
-            </a:fontRef>
-          </p:style>
-          <p:txBody>
-            <a:bodyPr spcFirstLastPara="0" vert="horz" wrap="square" lIns="882691" tIns="44006" rIns="794680" bIns="44006" numCol="1" spcCol="1270" anchor="ctr" anchorCtr="0">
-              <a:noAutofit/>
-            </a:bodyPr>
-            <a:lstStyle/>
-            <a:p>
-              <a:pPr marL="0" lvl="0" indent="0" algn="ctr" defTabSz="1466850">
-                <a:lnSpc>
-                  <a:spcPct val="90000"/>
-                </a:lnSpc>
-                <a:spcBef>
-                  <a:spcPct val="0"/>
-                </a:spcBef>
-                <a:spcAft>
-                  <a:spcPct val="35000"/>
-                </a:spcAft>
-                <a:buNone/>
-              </a:pPr>
-              <a:r>
-                <a:rPr lang="en-US" sz="3300" dirty="0">
-                  <a:solidFill>
-                    <a:schemeClr val="tx1"/>
-                  </a:solidFill>
-                </a:rPr>
-                <a:t>A</a:t>
-              </a:r>
-              <a:r>
-                <a:rPr lang="en-US" sz="3300" kern="1200" dirty="0">
-                  <a:solidFill>
-                    <a:schemeClr val="tx1"/>
-                  </a:solidFill>
-                </a:rPr>
-                <a:t>lignment</a:t>
-              </a:r>
-            </a:p>
-            <a:p>
-              <a:pPr marL="0" lvl="0" indent="0" algn="ctr" defTabSz="1466850">
-                <a:lnSpc>
-                  <a:spcPct val="90000"/>
-                </a:lnSpc>
-                <a:spcBef>
-                  <a:spcPct val="0"/>
-                </a:spcBef>
-                <a:spcAft>
-                  <a:spcPct val="35000"/>
-                </a:spcAft>
-                <a:buNone/>
-              </a:pPr>
-              <a:r>
-                <a:rPr lang="en-US" sz="3300" kern="1200" dirty="0">
-                  <a:solidFill>
-                    <a:schemeClr val="tx1"/>
-                  </a:solidFill>
-                </a:rPr>
-                <a:t>(BAMs)</a:t>
-              </a:r>
-            </a:p>
-          </p:txBody>
-        </p:sp>
-      </p:grpSp>
-      <p:grpSp>
-        <p:nvGrpSpPr>
-          <p:cNvPr id="41" name="Group 40">
-            <a:extLst>
-              <a:ext uri="{FF2B5EF4-FFF2-40B4-BE49-F238E27FC236}">
-                <a16:creationId xmlns:a16="http://schemas.microsoft.com/office/drawing/2014/main" id="{2B14A426-7637-D04B-A331-8AD50814DCF5}"/>
-              </a:ext>
-            </a:extLst>
-          </p:cNvPr>
-          <p:cNvGrpSpPr/>
-          <p:nvPr/>
-        </p:nvGrpSpPr>
-        <p:grpSpPr>
-          <a:xfrm>
-            <a:off x="841280" y="4302067"/>
-            <a:ext cx="10401437" cy="1080000"/>
-            <a:chOff x="841280" y="3556364"/>
-            <a:chExt cx="10401437" cy="1080000"/>
-          </a:xfrm>
-          <a:solidFill>
-            <a:srgbClr val="D8D9D8"/>
-          </a:solidFill>
-        </p:grpSpPr>
-        <p:sp>
-          <p:nvSpPr>
-            <p:cNvPr id="43" name="Freeform 42">
-              <a:extLst>
-                <a:ext uri="{FF2B5EF4-FFF2-40B4-BE49-F238E27FC236}">
-                  <a16:creationId xmlns:a16="http://schemas.microsoft.com/office/drawing/2014/main" id="{481F339D-286E-9442-9F1B-61FC78476EEE}"/>
-                </a:ext>
-              </a:extLst>
-            </p:cNvPr>
-            <p:cNvSpPr/>
-            <p:nvPr/>
-          </p:nvSpPr>
-          <p:spPr>
-            <a:xfrm>
-              <a:off x="841280" y="3556364"/>
-              <a:ext cx="5730970" cy="1080000"/>
-            </a:xfrm>
-            <a:custGeom>
-              <a:avLst/>
-              <a:gdLst>
-                <a:gd name="connsiteX0" fmla="*/ 0 w 3753370"/>
-                <a:gd name="connsiteY0" fmla="*/ 0 h 1501348"/>
-                <a:gd name="connsiteX1" fmla="*/ 3002696 w 3753370"/>
-                <a:gd name="connsiteY1" fmla="*/ 0 h 1501348"/>
-                <a:gd name="connsiteX2" fmla="*/ 3753370 w 3753370"/>
-                <a:gd name="connsiteY2" fmla="*/ 750674 h 1501348"/>
-                <a:gd name="connsiteX3" fmla="*/ 3002696 w 3753370"/>
-                <a:gd name="connsiteY3" fmla="*/ 1501348 h 1501348"/>
-                <a:gd name="connsiteX4" fmla="*/ 0 w 3753370"/>
-                <a:gd name="connsiteY4" fmla="*/ 1501348 h 1501348"/>
-                <a:gd name="connsiteX5" fmla="*/ 750674 w 3753370"/>
-                <a:gd name="connsiteY5" fmla="*/ 750674 h 1501348"/>
-                <a:gd name="connsiteX6" fmla="*/ 0 w 3753370"/>
-                <a:gd name="connsiteY6" fmla="*/ 0 h 1501348"/>
-              </a:gdLst>
-              <a:ahLst/>
-              <a:cxnLst>
-                <a:cxn ang="0">
-                  <a:pos x="connsiteX0" y="connsiteY0"/>
-                </a:cxn>
-                <a:cxn ang="0">
-                  <a:pos x="connsiteX1" y="connsiteY1"/>
-                </a:cxn>
-                <a:cxn ang="0">
-                  <a:pos x="connsiteX2" y="connsiteY2"/>
-                </a:cxn>
-                <a:cxn ang="0">
-                  <a:pos x="connsiteX3" y="connsiteY3"/>
-                </a:cxn>
-                <a:cxn ang="0">
-                  <a:pos x="connsiteX4" y="connsiteY4"/>
-                </a:cxn>
-                <a:cxn ang="0">
-                  <a:pos x="connsiteX5" y="connsiteY5"/>
-                </a:cxn>
-                <a:cxn ang="0">
-                  <a:pos x="connsiteX6" y="connsiteY6"/>
-                </a:cxn>
-              </a:cxnLst>
-              <a:rect l="l" t="t" r="r" b="b"/>
-              <a:pathLst>
-                <a:path w="3753370" h="1501348">
-                  <a:moveTo>
-                    <a:pt x="0" y="0"/>
-                  </a:moveTo>
-                  <a:lnTo>
-                    <a:pt x="3002696" y="0"/>
-                  </a:lnTo>
-                  <a:lnTo>
-                    <a:pt x="3753370" y="750674"/>
-                  </a:lnTo>
-                  <a:lnTo>
-                    <a:pt x="3002696" y="1501348"/>
-                  </a:lnTo>
-                  <a:lnTo>
-                    <a:pt x="0" y="1501348"/>
-                  </a:lnTo>
-                  <a:lnTo>
-                    <a:pt x="750674" y="750674"/>
-                  </a:lnTo>
-                  <a:lnTo>
-                    <a:pt x="0" y="0"/>
-                  </a:lnTo>
-                  <a:close/>
-                </a:path>
-              </a:pathLst>
-            </a:custGeom>
-            <a:solidFill>
-              <a:srgbClr val="FFD7D7"/>
-            </a:solidFill>
-          </p:spPr>
-          <p:style>
-            <a:lnRef idx="2">
-              <a:schemeClr val="lt1">
-                <a:hueOff val="0"/>
-                <a:satOff val="0"/>
-                <a:lumOff val="0"/>
-                <a:alphaOff val="0"/>
-              </a:schemeClr>
-            </a:lnRef>
-            <a:fillRef idx="1">
-              <a:scrgbClr r="0" g="0" b="0"/>
-            </a:fillRef>
-            <a:effectRef idx="0">
-              <a:schemeClr val="accent1">
-                <a:hueOff val="0"/>
-                <a:satOff val="0"/>
-                <a:lumOff val="0"/>
-                <a:alphaOff val="0"/>
-              </a:schemeClr>
-            </a:effectRef>
-            <a:fontRef idx="minor">
-              <a:schemeClr val="lt1"/>
-            </a:fontRef>
-          </p:style>
-          <p:txBody>
-            <a:bodyPr spcFirstLastPara="0" vert="horz" wrap="square" lIns="882691" tIns="44006" rIns="794680" bIns="44006" numCol="1" spcCol="1270" anchor="ctr" anchorCtr="0">
-              <a:noAutofit/>
-            </a:bodyPr>
-            <a:lstStyle/>
-            <a:p>
-              <a:pPr marL="0" lvl="0" indent="0" algn="ctr" defTabSz="1466850">
-                <a:lnSpc>
-                  <a:spcPct val="90000"/>
-                </a:lnSpc>
-                <a:spcBef>
-                  <a:spcPct val="0"/>
-                </a:spcBef>
-                <a:spcAft>
-                  <a:spcPct val="35000"/>
-                </a:spcAft>
-                <a:buNone/>
-              </a:pPr>
-              <a:r>
-                <a:rPr lang="en-US" sz="2800" b="1" dirty="0">
-                  <a:solidFill>
-                    <a:schemeClr val="tx1"/>
-                  </a:solidFill>
-                </a:rPr>
-                <a:t>Quantification</a:t>
-              </a:r>
-            </a:p>
-            <a:p>
-              <a:pPr marL="0" lvl="0" indent="0" algn="ctr" defTabSz="1466850">
-                <a:lnSpc>
-                  <a:spcPct val="90000"/>
-                </a:lnSpc>
-                <a:spcBef>
-                  <a:spcPct val="0"/>
-                </a:spcBef>
-                <a:spcAft>
-                  <a:spcPct val="35000"/>
-                </a:spcAft>
-                <a:buNone/>
-              </a:pPr>
-              <a:r>
-                <a:rPr lang="en-US" sz="2800" b="1" kern="1200" dirty="0">
-                  <a:solidFill>
-                    <a:schemeClr val="tx1"/>
-                  </a:solidFill>
-                </a:rPr>
-                <a:t>(count matrix)</a:t>
-              </a:r>
-            </a:p>
-          </p:txBody>
-        </p:sp>
-        <p:sp>
-          <p:nvSpPr>
-            <p:cNvPr id="44" name="Freeform 43">
-              <a:extLst>
-                <a:ext uri="{FF2B5EF4-FFF2-40B4-BE49-F238E27FC236}">
-                  <a16:creationId xmlns:a16="http://schemas.microsoft.com/office/drawing/2014/main" id="{4B39E34C-8DEA-524B-A8DD-FEBA948606FD}"/>
-                </a:ext>
-              </a:extLst>
-            </p:cNvPr>
-            <p:cNvSpPr/>
-            <p:nvPr/>
-          </p:nvSpPr>
-          <p:spPr>
-            <a:xfrm>
-              <a:off x="5886450" y="3556364"/>
-              <a:ext cx="5356267" cy="1080000"/>
-            </a:xfrm>
-            <a:custGeom>
-              <a:avLst/>
-              <a:gdLst>
-                <a:gd name="connsiteX0" fmla="*/ 0 w 3753370"/>
-                <a:gd name="connsiteY0" fmla="*/ 0 h 1501348"/>
-                <a:gd name="connsiteX1" fmla="*/ 3002696 w 3753370"/>
-                <a:gd name="connsiteY1" fmla="*/ 0 h 1501348"/>
-                <a:gd name="connsiteX2" fmla="*/ 3753370 w 3753370"/>
-                <a:gd name="connsiteY2" fmla="*/ 750674 h 1501348"/>
-                <a:gd name="connsiteX3" fmla="*/ 3002696 w 3753370"/>
-                <a:gd name="connsiteY3" fmla="*/ 1501348 h 1501348"/>
-                <a:gd name="connsiteX4" fmla="*/ 0 w 3753370"/>
-                <a:gd name="connsiteY4" fmla="*/ 1501348 h 1501348"/>
-                <a:gd name="connsiteX5" fmla="*/ 750674 w 3753370"/>
-                <a:gd name="connsiteY5" fmla="*/ 750674 h 1501348"/>
-                <a:gd name="connsiteX6" fmla="*/ 0 w 3753370"/>
-                <a:gd name="connsiteY6" fmla="*/ 0 h 1501348"/>
-              </a:gdLst>
-              <a:ahLst/>
-              <a:cxnLst>
-                <a:cxn ang="0">
-                  <a:pos x="connsiteX0" y="connsiteY0"/>
-                </a:cxn>
-                <a:cxn ang="0">
-                  <a:pos x="connsiteX1" y="connsiteY1"/>
-                </a:cxn>
-                <a:cxn ang="0">
-                  <a:pos x="connsiteX2" y="connsiteY2"/>
-                </a:cxn>
-                <a:cxn ang="0">
-                  <a:pos x="connsiteX3" y="connsiteY3"/>
-                </a:cxn>
-                <a:cxn ang="0">
-                  <a:pos x="connsiteX4" y="connsiteY4"/>
-                </a:cxn>
-                <a:cxn ang="0">
-                  <a:pos x="connsiteX5" y="connsiteY5"/>
-                </a:cxn>
-                <a:cxn ang="0">
-                  <a:pos x="connsiteX6" y="connsiteY6"/>
-                </a:cxn>
-              </a:cxnLst>
-              <a:rect l="l" t="t" r="r" b="b"/>
-              <a:pathLst>
-                <a:path w="3753370" h="1501348">
-                  <a:moveTo>
-                    <a:pt x="0" y="0"/>
-                  </a:moveTo>
-                  <a:lnTo>
-                    <a:pt x="3002696" y="0"/>
-                  </a:lnTo>
-                  <a:lnTo>
-                    <a:pt x="3753370" y="750674"/>
-                  </a:lnTo>
-                  <a:lnTo>
-                    <a:pt x="3002696" y="1501348"/>
-                  </a:lnTo>
-                  <a:lnTo>
-                    <a:pt x="0" y="1501348"/>
-                  </a:lnTo>
-                  <a:lnTo>
-                    <a:pt x="750674" y="750674"/>
-                  </a:lnTo>
-                  <a:lnTo>
-                    <a:pt x="0" y="0"/>
-                  </a:lnTo>
-                  <a:close/>
-                </a:path>
-              </a:pathLst>
-            </a:custGeom>
-            <a:grpFill/>
-          </p:spPr>
-          <p:style>
-            <a:lnRef idx="2">
-              <a:schemeClr val="lt1">
-                <a:hueOff val="0"/>
-                <a:satOff val="0"/>
-                <a:lumOff val="0"/>
-                <a:alphaOff val="0"/>
-              </a:schemeClr>
-            </a:lnRef>
-            <a:fillRef idx="1">
-              <a:scrgbClr r="0" g="0" b="0"/>
-            </a:fillRef>
-            <a:effectRef idx="0">
-              <a:schemeClr val="accent1">
-                <a:hueOff val="0"/>
-                <a:satOff val="0"/>
-                <a:lumOff val="0"/>
-                <a:alphaOff val="0"/>
-              </a:schemeClr>
-            </a:effectRef>
-            <a:fontRef idx="minor">
-              <a:schemeClr val="lt1"/>
-            </a:fontRef>
-          </p:style>
-          <p:txBody>
-            <a:bodyPr spcFirstLastPara="0" vert="horz" wrap="square" lIns="882691" tIns="44006" rIns="794680" bIns="44006" numCol="1" spcCol="1270" anchor="ctr" anchorCtr="0">
-              <a:noAutofit/>
-            </a:bodyPr>
-            <a:lstStyle/>
-            <a:p>
-              <a:pPr marL="0" lvl="0" indent="0" algn="ctr" defTabSz="1466850">
-                <a:lnSpc>
-                  <a:spcPct val="90000"/>
-                </a:lnSpc>
-                <a:spcBef>
-                  <a:spcPct val="0"/>
-                </a:spcBef>
-                <a:spcAft>
-                  <a:spcPct val="35000"/>
-                </a:spcAft>
-                <a:buNone/>
-              </a:pPr>
-              <a:r>
-                <a:rPr lang="en-US" sz="3300" b="1" dirty="0">
-                  <a:solidFill>
-                    <a:schemeClr val="tx1"/>
-                  </a:solidFill>
-                </a:rPr>
-                <a:t>Define groups</a:t>
-              </a:r>
-              <a:br>
-                <a:rPr lang="en-US" sz="3300" b="1" dirty="0">
-                  <a:solidFill>
-                    <a:schemeClr val="tx1"/>
-                  </a:solidFill>
-                </a:rPr>
-              </a:br>
-              <a:r>
-                <a:rPr lang="en-US" sz="3300" b="1" dirty="0">
-                  <a:solidFill>
-                    <a:schemeClr val="tx1"/>
-                  </a:solidFill>
-                </a:rPr>
-                <a:t>&amp; fit model</a:t>
-              </a:r>
-              <a:endParaRPr lang="en-US" sz="3300" b="1" kern="1200" dirty="0">
-                <a:solidFill>
-                  <a:schemeClr val="tx1"/>
-                </a:solidFill>
-              </a:endParaRPr>
-            </a:p>
-          </p:txBody>
-        </p:sp>
-      </p:grpSp>
-      <p:grpSp>
-        <p:nvGrpSpPr>
-          <p:cNvPr id="46" name="Group 45">
-            <a:extLst>
-              <a:ext uri="{FF2B5EF4-FFF2-40B4-BE49-F238E27FC236}">
-                <a16:creationId xmlns:a16="http://schemas.microsoft.com/office/drawing/2014/main" id="{8B3EEF87-7C1F-6649-8C07-A0AC1F77C716}"/>
-              </a:ext>
-            </a:extLst>
-          </p:cNvPr>
-          <p:cNvGrpSpPr/>
-          <p:nvPr/>
-        </p:nvGrpSpPr>
-        <p:grpSpPr>
-          <a:xfrm>
-            <a:off x="841280" y="5559258"/>
-            <a:ext cx="10401437" cy="1080000"/>
-            <a:chOff x="841280" y="3556364"/>
-            <a:chExt cx="10401437" cy="1080000"/>
-          </a:xfrm>
-          <a:solidFill>
-            <a:srgbClr val="D8D9D8"/>
-          </a:solidFill>
-        </p:grpSpPr>
-        <p:sp>
-          <p:nvSpPr>
-            <p:cNvPr id="48" name="Freeform 47">
-              <a:extLst>
-                <a:ext uri="{FF2B5EF4-FFF2-40B4-BE49-F238E27FC236}">
-                  <a16:creationId xmlns:a16="http://schemas.microsoft.com/office/drawing/2014/main" id="{9B37D20B-301E-F143-B0C5-5790086F53A7}"/>
-                </a:ext>
-              </a:extLst>
-            </p:cNvPr>
-            <p:cNvSpPr/>
-            <p:nvPr/>
-          </p:nvSpPr>
-          <p:spPr>
-            <a:xfrm>
-              <a:off x="841280" y="3556364"/>
-              <a:ext cx="5730970" cy="1080000"/>
-            </a:xfrm>
-            <a:custGeom>
-              <a:avLst/>
-              <a:gdLst>
-                <a:gd name="connsiteX0" fmla="*/ 0 w 3753370"/>
-                <a:gd name="connsiteY0" fmla="*/ 0 h 1501348"/>
-                <a:gd name="connsiteX1" fmla="*/ 3002696 w 3753370"/>
-                <a:gd name="connsiteY1" fmla="*/ 0 h 1501348"/>
-                <a:gd name="connsiteX2" fmla="*/ 3753370 w 3753370"/>
-                <a:gd name="connsiteY2" fmla="*/ 750674 h 1501348"/>
-                <a:gd name="connsiteX3" fmla="*/ 3002696 w 3753370"/>
-                <a:gd name="connsiteY3" fmla="*/ 1501348 h 1501348"/>
-                <a:gd name="connsiteX4" fmla="*/ 0 w 3753370"/>
-                <a:gd name="connsiteY4" fmla="*/ 1501348 h 1501348"/>
-                <a:gd name="connsiteX5" fmla="*/ 750674 w 3753370"/>
-                <a:gd name="connsiteY5" fmla="*/ 750674 h 1501348"/>
-                <a:gd name="connsiteX6" fmla="*/ 0 w 3753370"/>
-                <a:gd name="connsiteY6" fmla="*/ 0 h 1501348"/>
-              </a:gdLst>
-              <a:ahLst/>
-              <a:cxnLst>
-                <a:cxn ang="0">
-                  <a:pos x="connsiteX0" y="connsiteY0"/>
-                </a:cxn>
-                <a:cxn ang="0">
-                  <a:pos x="connsiteX1" y="connsiteY1"/>
-                </a:cxn>
-                <a:cxn ang="0">
-                  <a:pos x="connsiteX2" y="connsiteY2"/>
-                </a:cxn>
-                <a:cxn ang="0">
-                  <a:pos x="connsiteX3" y="connsiteY3"/>
-                </a:cxn>
-                <a:cxn ang="0">
-                  <a:pos x="connsiteX4" y="connsiteY4"/>
-                </a:cxn>
-                <a:cxn ang="0">
-                  <a:pos x="connsiteX5" y="connsiteY5"/>
-                </a:cxn>
-                <a:cxn ang="0">
-                  <a:pos x="connsiteX6" y="connsiteY6"/>
-                </a:cxn>
-              </a:cxnLst>
-              <a:rect l="l" t="t" r="r" b="b"/>
-              <a:pathLst>
-                <a:path w="3753370" h="1501348">
-                  <a:moveTo>
-                    <a:pt x="0" y="0"/>
-                  </a:moveTo>
-                  <a:lnTo>
-                    <a:pt x="3002696" y="0"/>
-                  </a:lnTo>
-                  <a:lnTo>
-                    <a:pt x="3753370" y="750674"/>
-                  </a:lnTo>
-                  <a:lnTo>
-                    <a:pt x="3002696" y="1501348"/>
-                  </a:lnTo>
-                  <a:lnTo>
-                    <a:pt x="0" y="1501348"/>
-                  </a:lnTo>
-                  <a:lnTo>
-                    <a:pt x="750674" y="750674"/>
-                  </a:lnTo>
-                  <a:lnTo>
-                    <a:pt x="0" y="0"/>
-                  </a:lnTo>
-                  <a:close/>
-                </a:path>
-              </a:pathLst>
-            </a:custGeom>
-            <a:grpFill/>
-          </p:spPr>
-          <p:style>
-            <a:lnRef idx="2">
-              <a:schemeClr val="lt1">
-                <a:hueOff val="0"/>
-                <a:satOff val="0"/>
-                <a:lumOff val="0"/>
-                <a:alphaOff val="0"/>
-              </a:schemeClr>
-            </a:lnRef>
-            <a:fillRef idx="1">
-              <a:scrgbClr r="0" g="0" b="0"/>
-            </a:fillRef>
-            <a:effectRef idx="0">
-              <a:schemeClr val="accent1">
-                <a:hueOff val="0"/>
-                <a:satOff val="0"/>
-                <a:lumOff val="0"/>
-                <a:alphaOff val="0"/>
-              </a:schemeClr>
-            </a:effectRef>
-            <a:fontRef idx="minor">
-              <a:schemeClr val="lt1"/>
-            </a:fontRef>
-          </p:style>
-          <p:txBody>
-            <a:bodyPr spcFirstLastPara="0" vert="horz" wrap="square" lIns="882691" tIns="44006" rIns="794680" bIns="44006" numCol="1" spcCol="1270" anchor="ctr" anchorCtr="0">
-              <a:noAutofit/>
-            </a:bodyPr>
-            <a:lstStyle/>
-            <a:p>
-              <a:pPr marL="0" lvl="0" indent="0" algn="ctr" defTabSz="1466850">
-                <a:lnSpc>
-                  <a:spcPct val="90000"/>
-                </a:lnSpc>
-                <a:spcBef>
-                  <a:spcPct val="0"/>
-                </a:spcBef>
-                <a:spcAft>
-                  <a:spcPct val="35000"/>
-                </a:spcAft>
-                <a:buNone/>
-              </a:pPr>
-              <a:r>
-                <a:rPr lang="en-US" sz="2800" dirty="0">
-                  <a:solidFill>
-                    <a:schemeClr val="tx1"/>
-                  </a:solidFill>
-                </a:rPr>
-                <a:t>Expression plots</a:t>
-              </a:r>
-              <a:br>
-                <a:rPr lang="en-US" sz="2800" kern="1200" dirty="0">
-                  <a:solidFill>
-                    <a:schemeClr val="tx1"/>
-                  </a:solidFill>
-                </a:rPr>
-              </a:br>
-              <a:r>
-                <a:rPr lang="en-US" sz="2800" kern="1200" dirty="0">
-                  <a:solidFill>
-                    <a:schemeClr val="tx1"/>
-                  </a:solidFill>
-                </a:rPr>
-                <a:t>(Sample QC)</a:t>
-              </a:r>
-            </a:p>
-          </p:txBody>
-        </p:sp>
-        <p:sp>
-          <p:nvSpPr>
-            <p:cNvPr id="49" name="Freeform 48">
-              <a:extLst>
-                <a:ext uri="{FF2B5EF4-FFF2-40B4-BE49-F238E27FC236}">
-                  <a16:creationId xmlns:a16="http://schemas.microsoft.com/office/drawing/2014/main" id="{76C53BEA-0EB7-C74D-B8B9-CE042ECDD5A6}"/>
-                </a:ext>
-              </a:extLst>
-            </p:cNvPr>
-            <p:cNvSpPr/>
-            <p:nvPr/>
-          </p:nvSpPr>
-          <p:spPr>
-            <a:xfrm>
-              <a:off x="5886450" y="3556364"/>
-              <a:ext cx="5356267" cy="1080000"/>
-            </a:xfrm>
-            <a:custGeom>
-              <a:avLst/>
-              <a:gdLst>
-                <a:gd name="connsiteX0" fmla="*/ 0 w 3753370"/>
-                <a:gd name="connsiteY0" fmla="*/ 0 h 1501348"/>
-                <a:gd name="connsiteX1" fmla="*/ 3002696 w 3753370"/>
-                <a:gd name="connsiteY1" fmla="*/ 0 h 1501348"/>
-                <a:gd name="connsiteX2" fmla="*/ 3753370 w 3753370"/>
-                <a:gd name="connsiteY2" fmla="*/ 750674 h 1501348"/>
-                <a:gd name="connsiteX3" fmla="*/ 3002696 w 3753370"/>
-                <a:gd name="connsiteY3" fmla="*/ 1501348 h 1501348"/>
-                <a:gd name="connsiteX4" fmla="*/ 0 w 3753370"/>
-                <a:gd name="connsiteY4" fmla="*/ 1501348 h 1501348"/>
-                <a:gd name="connsiteX5" fmla="*/ 750674 w 3753370"/>
-                <a:gd name="connsiteY5" fmla="*/ 750674 h 1501348"/>
-                <a:gd name="connsiteX6" fmla="*/ 0 w 3753370"/>
-                <a:gd name="connsiteY6" fmla="*/ 0 h 1501348"/>
-              </a:gdLst>
-              <a:ahLst/>
-              <a:cxnLst>
-                <a:cxn ang="0">
-                  <a:pos x="connsiteX0" y="connsiteY0"/>
-                </a:cxn>
-                <a:cxn ang="0">
-                  <a:pos x="connsiteX1" y="connsiteY1"/>
-                </a:cxn>
-                <a:cxn ang="0">
-                  <a:pos x="connsiteX2" y="connsiteY2"/>
-                </a:cxn>
-                <a:cxn ang="0">
-                  <a:pos x="connsiteX3" y="connsiteY3"/>
-                </a:cxn>
-                <a:cxn ang="0">
-                  <a:pos x="connsiteX4" y="connsiteY4"/>
-                </a:cxn>
-                <a:cxn ang="0">
-                  <a:pos x="connsiteX5" y="connsiteY5"/>
-                </a:cxn>
-                <a:cxn ang="0">
-                  <a:pos x="connsiteX6" y="connsiteY6"/>
-                </a:cxn>
-              </a:cxnLst>
-              <a:rect l="l" t="t" r="r" b="b"/>
-              <a:pathLst>
-                <a:path w="3753370" h="1501348">
-                  <a:moveTo>
-                    <a:pt x="0" y="0"/>
-                  </a:moveTo>
-                  <a:lnTo>
-                    <a:pt x="3002696" y="0"/>
-                  </a:lnTo>
-                  <a:lnTo>
-                    <a:pt x="3753370" y="750674"/>
-                  </a:lnTo>
-                  <a:lnTo>
-                    <a:pt x="3002696" y="1501348"/>
-                  </a:lnTo>
-                  <a:lnTo>
-                    <a:pt x="0" y="1501348"/>
-                  </a:lnTo>
-                  <a:lnTo>
-                    <a:pt x="750674" y="750674"/>
-                  </a:lnTo>
-                  <a:lnTo>
-                    <a:pt x="0" y="0"/>
-                  </a:lnTo>
-                  <a:close/>
-                </a:path>
-              </a:pathLst>
-            </a:custGeom>
-            <a:grpFill/>
-          </p:spPr>
-          <p:style>
-            <a:lnRef idx="2">
-              <a:schemeClr val="lt1">
-                <a:hueOff val="0"/>
-                <a:satOff val="0"/>
-                <a:lumOff val="0"/>
-                <a:alphaOff val="0"/>
-              </a:schemeClr>
-            </a:lnRef>
-            <a:fillRef idx="1">
-              <a:scrgbClr r="0" g="0" b="0"/>
-            </a:fillRef>
-            <a:effectRef idx="0">
-              <a:schemeClr val="accent1">
-                <a:hueOff val="0"/>
-                <a:satOff val="0"/>
-                <a:lumOff val="0"/>
-                <a:alphaOff val="0"/>
-              </a:schemeClr>
-            </a:effectRef>
-            <a:fontRef idx="minor">
-              <a:schemeClr val="lt1"/>
-            </a:fontRef>
-          </p:style>
-          <p:txBody>
-            <a:bodyPr spcFirstLastPara="0" vert="horz" wrap="square" lIns="882691" tIns="44006" rIns="794680" bIns="44006" numCol="1" spcCol="1270" anchor="ctr" anchorCtr="0">
-              <a:noAutofit/>
-            </a:bodyPr>
-            <a:lstStyle/>
-            <a:p>
-              <a:pPr marL="0" lvl="0" indent="0" algn="ctr" defTabSz="1466850">
-                <a:lnSpc>
-                  <a:spcPct val="90000"/>
-                </a:lnSpc>
-                <a:spcBef>
-                  <a:spcPct val="0"/>
-                </a:spcBef>
-                <a:spcAft>
-                  <a:spcPct val="35000"/>
-                </a:spcAft>
-                <a:buNone/>
-              </a:pPr>
-              <a:r>
-                <a:rPr lang="en-US" sz="3300" dirty="0">
-                  <a:solidFill>
-                    <a:schemeClr val="tx1"/>
-                  </a:solidFill>
-                </a:rPr>
-                <a:t>Differential Expression</a:t>
-              </a:r>
-              <a:endParaRPr lang="en-US" sz="3300" kern="1200" dirty="0">
-                <a:solidFill>
-                  <a:schemeClr val="tx1"/>
-                </a:solidFill>
-              </a:endParaRPr>
-            </a:p>
-          </p:txBody>
-        </p:sp>
+                </a:endParaRPr>
+              </a:p>
+            </p:txBody>
+          </p:sp>
+        </p:grpSp>
       </p:grpSp>
     </p:spTree>
     <p:extLst>
@@ -11102,10 +11123,10 @@
       </p:grpSpPr>
       <p:grpSp>
         <p:nvGrpSpPr>
-          <p:cNvPr id="3" name="Group 2">
+          <p:cNvPr id="4" name="Group 3">
             <a:extLst>
               <a:ext uri="{FF2B5EF4-FFF2-40B4-BE49-F238E27FC236}">
-                <a16:creationId xmlns:a16="http://schemas.microsoft.com/office/drawing/2014/main" id="{0D39C650-2467-F340-83A9-297940213D4E}"/>
+                <a16:creationId xmlns:a16="http://schemas.microsoft.com/office/drawing/2014/main" id="{1EF9CDBA-6A0A-5D46-956C-FFCB0987E135}"/>
               </a:ext>
             </a:extLst>
           </p:cNvPr>
@@ -11115,1035 +11136,1056 @@
         <p:grpSpPr>
           <a:xfrm>
             <a:off x="841280" y="3042264"/>
-            <a:ext cx="10401437" cy="1080000"/>
-            <a:chOff x="841280" y="3556364"/>
-            <a:chExt cx="10401437" cy="1080000"/>
+            <a:ext cx="10401437" cy="3596994"/>
+            <a:chOff x="841280" y="3042264"/>
+            <a:chExt cx="10401437" cy="3596994"/>
           </a:xfrm>
-          <a:noFill/>
         </p:grpSpPr>
-        <p:sp>
-          <p:nvSpPr>
-            <p:cNvPr id="13" name="Freeform 12">
+        <p:grpSp>
+          <p:nvGrpSpPr>
+            <p:cNvPr id="3" name="Group 2">
               <a:extLst>
                 <a:ext uri="{FF2B5EF4-FFF2-40B4-BE49-F238E27FC236}">
-                  <a16:creationId xmlns:a16="http://schemas.microsoft.com/office/drawing/2014/main" id="{F4FFBE40-3D21-194E-9668-E4F31DDC86BD}"/>
+                  <a16:creationId xmlns:a16="http://schemas.microsoft.com/office/drawing/2014/main" id="{0D39C650-2467-F340-83A9-297940213D4E}"/>
                 </a:ext>
               </a:extLst>
             </p:cNvPr>
-            <p:cNvSpPr/>
+            <p:cNvGrpSpPr/>
             <p:nvPr/>
-          </p:nvSpPr>
-          <p:spPr>
+          </p:nvGrpSpPr>
+          <p:grpSpPr>
             <a:xfrm>
-              <a:off x="841280" y="3556364"/>
-              <a:ext cx="5730970" cy="1080000"/>
+              <a:off x="841280" y="3042264"/>
+              <a:ext cx="10401437" cy="1080000"/>
+              <a:chOff x="841280" y="3556364"/>
+              <a:chExt cx="10401437" cy="1080000"/>
             </a:xfrm>
-            <a:custGeom>
-              <a:avLst/>
-              <a:gdLst>
-                <a:gd name="connsiteX0" fmla="*/ 0 w 3753370"/>
-                <a:gd name="connsiteY0" fmla="*/ 0 h 1501348"/>
-                <a:gd name="connsiteX1" fmla="*/ 3002696 w 3753370"/>
-                <a:gd name="connsiteY1" fmla="*/ 0 h 1501348"/>
-                <a:gd name="connsiteX2" fmla="*/ 3753370 w 3753370"/>
-                <a:gd name="connsiteY2" fmla="*/ 750674 h 1501348"/>
-                <a:gd name="connsiteX3" fmla="*/ 3002696 w 3753370"/>
-                <a:gd name="connsiteY3" fmla="*/ 1501348 h 1501348"/>
-                <a:gd name="connsiteX4" fmla="*/ 0 w 3753370"/>
-                <a:gd name="connsiteY4" fmla="*/ 1501348 h 1501348"/>
-                <a:gd name="connsiteX5" fmla="*/ 750674 w 3753370"/>
-                <a:gd name="connsiteY5" fmla="*/ 750674 h 1501348"/>
-                <a:gd name="connsiteX6" fmla="*/ 0 w 3753370"/>
-                <a:gd name="connsiteY6" fmla="*/ 0 h 1501348"/>
-              </a:gdLst>
-              <a:ahLst/>
-              <a:cxnLst>
-                <a:cxn ang="0">
-                  <a:pos x="connsiteX0" y="connsiteY0"/>
-                </a:cxn>
-                <a:cxn ang="0">
-                  <a:pos x="connsiteX1" y="connsiteY1"/>
-                </a:cxn>
-                <a:cxn ang="0">
-                  <a:pos x="connsiteX2" y="connsiteY2"/>
-                </a:cxn>
-                <a:cxn ang="0">
-                  <a:pos x="connsiteX3" y="connsiteY3"/>
-                </a:cxn>
-                <a:cxn ang="0">
-                  <a:pos x="connsiteX4" y="connsiteY4"/>
-                </a:cxn>
-                <a:cxn ang="0">
-                  <a:pos x="connsiteX5" y="connsiteY5"/>
-                </a:cxn>
-                <a:cxn ang="0">
-                  <a:pos x="connsiteX6" y="connsiteY6"/>
-                </a:cxn>
-              </a:cxnLst>
-              <a:rect l="l" t="t" r="r" b="b"/>
-              <a:pathLst>
-                <a:path w="3753370" h="1501348">
-                  <a:moveTo>
-                    <a:pt x="0" y="0"/>
-                  </a:moveTo>
-                  <a:lnTo>
-                    <a:pt x="3002696" y="0"/>
-                  </a:lnTo>
-                  <a:lnTo>
-                    <a:pt x="3753370" y="750674"/>
-                  </a:lnTo>
-                  <a:lnTo>
-                    <a:pt x="3002696" y="1501348"/>
-                  </a:lnTo>
-                  <a:lnTo>
-                    <a:pt x="0" y="1501348"/>
-                  </a:lnTo>
-                  <a:lnTo>
-                    <a:pt x="750674" y="750674"/>
-                  </a:lnTo>
-                  <a:lnTo>
-                    <a:pt x="0" y="0"/>
-                  </a:lnTo>
-                  <a:close/>
-                </a:path>
-              </a:pathLst>
-            </a:custGeom>
+            <a:noFill/>
+          </p:grpSpPr>
+          <p:sp>
+            <p:nvSpPr>
+              <p:cNvPr id="13" name="Freeform 12">
+                <a:extLst>
+                  <a:ext uri="{FF2B5EF4-FFF2-40B4-BE49-F238E27FC236}">
+                    <a16:creationId xmlns:a16="http://schemas.microsoft.com/office/drawing/2014/main" id="{F4FFBE40-3D21-194E-9668-E4F31DDC86BD}"/>
+                  </a:ext>
+                </a:extLst>
+              </p:cNvPr>
+              <p:cNvSpPr/>
+              <p:nvPr/>
+            </p:nvSpPr>
+            <p:spPr>
+              <a:xfrm>
+                <a:off x="841280" y="3556364"/>
+                <a:ext cx="5730970" cy="1080000"/>
+              </a:xfrm>
+              <a:custGeom>
+                <a:avLst/>
+                <a:gdLst>
+                  <a:gd name="connsiteX0" fmla="*/ 0 w 3753370"/>
+                  <a:gd name="connsiteY0" fmla="*/ 0 h 1501348"/>
+                  <a:gd name="connsiteX1" fmla="*/ 3002696 w 3753370"/>
+                  <a:gd name="connsiteY1" fmla="*/ 0 h 1501348"/>
+                  <a:gd name="connsiteX2" fmla="*/ 3753370 w 3753370"/>
+                  <a:gd name="connsiteY2" fmla="*/ 750674 h 1501348"/>
+                  <a:gd name="connsiteX3" fmla="*/ 3002696 w 3753370"/>
+                  <a:gd name="connsiteY3" fmla="*/ 1501348 h 1501348"/>
+                  <a:gd name="connsiteX4" fmla="*/ 0 w 3753370"/>
+                  <a:gd name="connsiteY4" fmla="*/ 1501348 h 1501348"/>
+                  <a:gd name="connsiteX5" fmla="*/ 750674 w 3753370"/>
+                  <a:gd name="connsiteY5" fmla="*/ 750674 h 1501348"/>
+                  <a:gd name="connsiteX6" fmla="*/ 0 w 3753370"/>
+                  <a:gd name="connsiteY6" fmla="*/ 0 h 1501348"/>
+                </a:gdLst>
+                <a:ahLst/>
+                <a:cxnLst>
+                  <a:cxn ang="0">
+                    <a:pos x="connsiteX0" y="connsiteY0"/>
+                  </a:cxn>
+                  <a:cxn ang="0">
+                    <a:pos x="connsiteX1" y="connsiteY1"/>
+                  </a:cxn>
+                  <a:cxn ang="0">
+                    <a:pos x="connsiteX2" y="connsiteY2"/>
+                  </a:cxn>
+                  <a:cxn ang="0">
+                    <a:pos x="connsiteX3" y="connsiteY3"/>
+                  </a:cxn>
+                  <a:cxn ang="0">
+                    <a:pos x="connsiteX4" y="connsiteY4"/>
+                  </a:cxn>
+                  <a:cxn ang="0">
+                    <a:pos x="connsiteX5" y="connsiteY5"/>
+                  </a:cxn>
+                  <a:cxn ang="0">
+                    <a:pos x="connsiteX6" y="connsiteY6"/>
+                  </a:cxn>
+                </a:cxnLst>
+                <a:rect l="l" t="t" r="r" b="b"/>
+                <a:pathLst>
+                  <a:path w="3753370" h="1501348">
+                    <a:moveTo>
+                      <a:pt x="0" y="0"/>
+                    </a:moveTo>
+                    <a:lnTo>
+                      <a:pt x="3002696" y="0"/>
+                    </a:lnTo>
+                    <a:lnTo>
+                      <a:pt x="3753370" y="750674"/>
+                    </a:lnTo>
+                    <a:lnTo>
+                      <a:pt x="3002696" y="1501348"/>
+                    </a:lnTo>
+                    <a:lnTo>
+                      <a:pt x="0" y="1501348"/>
+                    </a:lnTo>
+                    <a:lnTo>
+                      <a:pt x="750674" y="750674"/>
+                    </a:lnTo>
+                    <a:lnTo>
+                      <a:pt x="0" y="0"/>
+                    </a:lnTo>
+                    <a:close/>
+                  </a:path>
+                </a:pathLst>
+              </a:custGeom>
+              <a:solidFill>
+                <a:srgbClr val="9FD3BD"/>
+              </a:solidFill>
+            </p:spPr>
+            <p:style>
+              <a:lnRef idx="2">
+                <a:schemeClr val="lt1">
+                  <a:hueOff val="0"/>
+                  <a:satOff val="0"/>
+                  <a:lumOff val="0"/>
+                  <a:alphaOff val="0"/>
+                </a:schemeClr>
+              </a:lnRef>
+              <a:fillRef idx="1">
+                <a:scrgbClr r="0" g="0" b="0"/>
+              </a:fillRef>
+              <a:effectRef idx="0">
+                <a:schemeClr val="accent1">
+                  <a:hueOff val="0"/>
+                  <a:satOff val="0"/>
+                  <a:lumOff val="0"/>
+                  <a:alphaOff val="0"/>
+                </a:schemeClr>
+              </a:effectRef>
+              <a:fontRef idx="minor">
+                <a:schemeClr val="lt1"/>
+              </a:fontRef>
+            </p:style>
+            <p:txBody>
+              <a:bodyPr spcFirstLastPara="0" vert="horz" wrap="square" lIns="882691" tIns="44006" rIns="794680" bIns="44006" numCol="1" spcCol="1270" anchor="ctr" anchorCtr="0">
+                <a:noAutofit/>
+              </a:bodyPr>
+              <a:lstStyle/>
+              <a:p>
+                <a:pPr marL="0" lvl="0" indent="0" algn="ctr" defTabSz="1466850">
+                  <a:lnSpc>
+                    <a:spcPct val="90000"/>
+                  </a:lnSpc>
+                  <a:spcBef>
+                    <a:spcPct val="0"/>
+                  </a:spcBef>
+                  <a:spcAft>
+                    <a:spcPct val="35000"/>
+                  </a:spcAft>
+                  <a:buNone/>
+                </a:pPr>
+                <a:r>
+                  <a:rPr lang="en-US" sz="2800" dirty="0">
+                    <a:solidFill>
+                      <a:schemeClr val="tx1"/>
+                    </a:solidFill>
+                  </a:rPr>
+                  <a:t>S</a:t>
+                </a:r>
+                <a:r>
+                  <a:rPr lang="en-US" sz="2800" kern="1200" dirty="0">
+                    <a:solidFill>
+                      <a:schemeClr val="tx1"/>
+                    </a:solidFill>
+                  </a:rPr>
+                  <a:t>equence QC</a:t>
+                </a:r>
+                <a:br>
+                  <a:rPr lang="en-US" sz="2800" kern="1200" dirty="0">
+                    <a:solidFill>
+                      <a:schemeClr val="tx1"/>
+                    </a:solidFill>
+                  </a:rPr>
+                </a:br>
+                <a:r>
+                  <a:rPr lang="en-US" sz="2800" kern="1200" dirty="0">
+                    <a:solidFill>
+                      <a:schemeClr val="tx1"/>
+                    </a:solidFill>
+                  </a:rPr>
+                  <a:t>(FASTQs)</a:t>
+                </a:r>
+              </a:p>
+            </p:txBody>
+          </p:sp>
+          <p:sp>
+            <p:nvSpPr>
+              <p:cNvPr id="14" name="Freeform 13">
+                <a:extLst>
+                  <a:ext uri="{FF2B5EF4-FFF2-40B4-BE49-F238E27FC236}">
+                    <a16:creationId xmlns:a16="http://schemas.microsoft.com/office/drawing/2014/main" id="{54A58763-7619-6248-8BEA-F8C01A2559C0}"/>
+                  </a:ext>
+                </a:extLst>
+              </p:cNvPr>
+              <p:cNvSpPr/>
+              <p:nvPr/>
+            </p:nvSpPr>
+            <p:spPr>
+              <a:xfrm>
+                <a:off x="5886450" y="3556364"/>
+                <a:ext cx="5356267" cy="1080000"/>
+              </a:xfrm>
+              <a:custGeom>
+                <a:avLst/>
+                <a:gdLst>
+                  <a:gd name="connsiteX0" fmla="*/ 0 w 3753370"/>
+                  <a:gd name="connsiteY0" fmla="*/ 0 h 1501348"/>
+                  <a:gd name="connsiteX1" fmla="*/ 3002696 w 3753370"/>
+                  <a:gd name="connsiteY1" fmla="*/ 0 h 1501348"/>
+                  <a:gd name="connsiteX2" fmla="*/ 3753370 w 3753370"/>
+                  <a:gd name="connsiteY2" fmla="*/ 750674 h 1501348"/>
+                  <a:gd name="connsiteX3" fmla="*/ 3002696 w 3753370"/>
+                  <a:gd name="connsiteY3" fmla="*/ 1501348 h 1501348"/>
+                  <a:gd name="connsiteX4" fmla="*/ 0 w 3753370"/>
+                  <a:gd name="connsiteY4" fmla="*/ 1501348 h 1501348"/>
+                  <a:gd name="connsiteX5" fmla="*/ 750674 w 3753370"/>
+                  <a:gd name="connsiteY5" fmla="*/ 750674 h 1501348"/>
+                  <a:gd name="connsiteX6" fmla="*/ 0 w 3753370"/>
+                  <a:gd name="connsiteY6" fmla="*/ 0 h 1501348"/>
+                </a:gdLst>
+                <a:ahLst/>
+                <a:cxnLst>
+                  <a:cxn ang="0">
+                    <a:pos x="connsiteX0" y="connsiteY0"/>
+                  </a:cxn>
+                  <a:cxn ang="0">
+                    <a:pos x="connsiteX1" y="connsiteY1"/>
+                  </a:cxn>
+                  <a:cxn ang="0">
+                    <a:pos x="connsiteX2" y="connsiteY2"/>
+                  </a:cxn>
+                  <a:cxn ang="0">
+                    <a:pos x="connsiteX3" y="connsiteY3"/>
+                  </a:cxn>
+                  <a:cxn ang="0">
+                    <a:pos x="connsiteX4" y="connsiteY4"/>
+                  </a:cxn>
+                  <a:cxn ang="0">
+                    <a:pos x="connsiteX5" y="connsiteY5"/>
+                  </a:cxn>
+                  <a:cxn ang="0">
+                    <a:pos x="connsiteX6" y="connsiteY6"/>
+                  </a:cxn>
+                </a:cxnLst>
+                <a:rect l="l" t="t" r="r" b="b"/>
+                <a:pathLst>
+                  <a:path w="3753370" h="1501348">
+                    <a:moveTo>
+                      <a:pt x="0" y="0"/>
+                    </a:moveTo>
+                    <a:lnTo>
+                      <a:pt x="3002696" y="0"/>
+                    </a:lnTo>
+                    <a:lnTo>
+                      <a:pt x="3753370" y="750674"/>
+                    </a:lnTo>
+                    <a:lnTo>
+                      <a:pt x="3002696" y="1501348"/>
+                    </a:lnTo>
+                    <a:lnTo>
+                      <a:pt x="0" y="1501348"/>
+                    </a:lnTo>
+                    <a:lnTo>
+                      <a:pt x="750674" y="750674"/>
+                    </a:lnTo>
+                    <a:lnTo>
+                      <a:pt x="0" y="0"/>
+                    </a:lnTo>
+                    <a:close/>
+                  </a:path>
+                </a:pathLst>
+              </a:custGeom>
+              <a:solidFill>
+                <a:srgbClr val="9FD3BD"/>
+              </a:solidFill>
+            </p:spPr>
+            <p:style>
+              <a:lnRef idx="2">
+                <a:schemeClr val="lt1">
+                  <a:hueOff val="0"/>
+                  <a:satOff val="0"/>
+                  <a:lumOff val="0"/>
+                  <a:alphaOff val="0"/>
+                </a:schemeClr>
+              </a:lnRef>
+              <a:fillRef idx="1">
+                <a:scrgbClr r="0" g="0" b="0"/>
+              </a:fillRef>
+              <a:effectRef idx="0">
+                <a:schemeClr val="accent1">
+                  <a:hueOff val="0"/>
+                  <a:satOff val="0"/>
+                  <a:lumOff val="0"/>
+                  <a:alphaOff val="0"/>
+                </a:schemeClr>
+              </a:effectRef>
+              <a:fontRef idx="minor">
+                <a:schemeClr val="lt1"/>
+              </a:fontRef>
+            </p:style>
+            <p:txBody>
+              <a:bodyPr spcFirstLastPara="0" vert="horz" wrap="square" lIns="882691" tIns="44006" rIns="794680" bIns="44006" numCol="1" spcCol="1270" anchor="ctr" anchorCtr="0">
+                <a:noAutofit/>
+              </a:bodyPr>
+              <a:lstStyle/>
+              <a:p>
+                <a:pPr marL="0" lvl="0" indent="0" algn="ctr" defTabSz="1466850">
+                  <a:lnSpc>
+                    <a:spcPct val="90000"/>
+                  </a:lnSpc>
+                  <a:spcBef>
+                    <a:spcPct val="0"/>
+                  </a:spcBef>
+                  <a:spcAft>
+                    <a:spcPct val="35000"/>
+                  </a:spcAft>
+                  <a:buNone/>
+                </a:pPr>
+                <a:r>
+                  <a:rPr lang="en-US" sz="3300" dirty="0">
+                    <a:solidFill>
+                      <a:schemeClr val="tx1"/>
+                    </a:solidFill>
+                  </a:rPr>
+                  <a:t>A</a:t>
+                </a:r>
+                <a:r>
+                  <a:rPr lang="en-US" sz="3300" kern="1200" dirty="0">
+                    <a:solidFill>
+                      <a:schemeClr val="tx1"/>
+                    </a:solidFill>
+                  </a:rPr>
+                  <a:t>lignment</a:t>
+                </a:r>
+              </a:p>
+              <a:p>
+                <a:pPr marL="0" lvl="0" indent="0" algn="ctr" defTabSz="1466850">
+                  <a:lnSpc>
+                    <a:spcPct val="90000"/>
+                  </a:lnSpc>
+                  <a:spcBef>
+                    <a:spcPct val="0"/>
+                  </a:spcBef>
+                  <a:spcAft>
+                    <a:spcPct val="35000"/>
+                  </a:spcAft>
+                  <a:buNone/>
+                </a:pPr>
+                <a:r>
+                  <a:rPr lang="en-US" sz="3300" kern="1200" dirty="0">
+                    <a:solidFill>
+                      <a:schemeClr val="tx1"/>
+                    </a:solidFill>
+                  </a:rPr>
+                  <a:t>(BAMs)</a:t>
+                </a:r>
+              </a:p>
+            </p:txBody>
+          </p:sp>
+        </p:grpSp>
+        <p:grpSp>
+          <p:nvGrpSpPr>
+            <p:cNvPr id="41" name="Group 40">
+              <a:extLst>
+                <a:ext uri="{FF2B5EF4-FFF2-40B4-BE49-F238E27FC236}">
+                  <a16:creationId xmlns:a16="http://schemas.microsoft.com/office/drawing/2014/main" id="{2B14A426-7637-D04B-A331-8AD50814DCF5}"/>
+                </a:ext>
+              </a:extLst>
+            </p:cNvPr>
+            <p:cNvGrpSpPr/>
+            <p:nvPr/>
+          </p:nvGrpSpPr>
+          <p:grpSpPr>
+            <a:xfrm>
+              <a:off x="841280" y="4302067"/>
+              <a:ext cx="10401437" cy="1080000"/>
+              <a:chOff x="841280" y="3556364"/>
+              <a:chExt cx="10401437" cy="1080000"/>
+            </a:xfrm>
             <a:solidFill>
-              <a:srgbClr val="9FD3BD"/>
+              <a:srgbClr val="D8D9D8"/>
             </a:solidFill>
-          </p:spPr>
-          <p:style>
-            <a:lnRef idx="2">
-              <a:schemeClr val="lt1">
-                <a:hueOff val="0"/>
-                <a:satOff val="0"/>
-                <a:lumOff val="0"/>
-                <a:alphaOff val="0"/>
-              </a:schemeClr>
-            </a:lnRef>
-            <a:fillRef idx="1">
-              <a:scrgbClr r="0" g="0" b="0"/>
-            </a:fillRef>
-            <a:effectRef idx="0">
-              <a:schemeClr val="accent1">
-                <a:hueOff val="0"/>
-                <a:satOff val="0"/>
-                <a:lumOff val="0"/>
-                <a:alphaOff val="0"/>
-              </a:schemeClr>
-            </a:effectRef>
-            <a:fontRef idx="minor">
-              <a:schemeClr val="lt1"/>
-            </a:fontRef>
-          </p:style>
-          <p:txBody>
-            <a:bodyPr spcFirstLastPara="0" vert="horz" wrap="square" lIns="882691" tIns="44006" rIns="794680" bIns="44006" numCol="1" spcCol="1270" anchor="ctr" anchorCtr="0">
-              <a:noAutofit/>
-            </a:bodyPr>
-            <a:lstStyle/>
-            <a:p>
-              <a:pPr marL="0" lvl="0" indent="0" algn="ctr" defTabSz="1466850">
-                <a:lnSpc>
-                  <a:spcPct val="90000"/>
-                </a:lnSpc>
-                <a:spcBef>
-                  <a:spcPct val="0"/>
-                </a:spcBef>
-                <a:spcAft>
-                  <a:spcPct val="35000"/>
-                </a:spcAft>
-                <a:buNone/>
-              </a:pPr>
-              <a:r>
-                <a:rPr lang="en-US" sz="2800" dirty="0">
+          </p:grpSpPr>
+          <p:sp>
+            <p:nvSpPr>
+              <p:cNvPr id="43" name="Freeform 42">
+                <a:extLst>
+                  <a:ext uri="{FF2B5EF4-FFF2-40B4-BE49-F238E27FC236}">
+                    <a16:creationId xmlns:a16="http://schemas.microsoft.com/office/drawing/2014/main" id="{481F339D-286E-9442-9F1B-61FC78476EEE}"/>
+                  </a:ext>
+                </a:extLst>
+              </p:cNvPr>
+              <p:cNvSpPr/>
+              <p:nvPr/>
+            </p:nvSpPr>
+            <p:spPr>
+              <a:xfrm>
+                <a:off x="841280" y="3556364"/>
+                <a:ext cx="5730970" cy="1080000"/>
+              </a:xfrm>
+              <a:custGeom>
+                <a:avLst/>
+                <a:gdLst>
+                  <a:gd name="connsiteX0" fmla="*/ 0 w 3753370"/>
+                  <a:gd name="connsiteY0" fmla="*/ 0 h 1501348"/>
+                  <a:gd name="connsiteX1" fmla="*/ 3002696 w 3753370"/>
+                  <a:gd name="connsiteY1" fmla="*/ 0 h 1501348"/>
+                  <a:gd name="connsiteX2" fmla="*/ 3753370 w 3753370"/>
+                  <a:gd name="connsiteY2" fmla="*/ 750674 h 1501348"/>
+                  <a:gd name="connsiteX3" fmla="*/ 3002696 w 3753370"/>
+                  <a:gd name="connsiteY3" fmla="*/ 1501348 h 1501348"/>
+                  <a:gd name="connsiteX4" fmla="*/ 0 w 3753370"/>
+                  <a:gd name="connsiteY4" fmla="*/ 1501348 h 1501348"/>
+                  <a:gd name="connsiteX5" fmla="*/ 750674 w 3753370"/>
+                  <a:gd name="connsiteY5" fmla="*/ 750674 h 1501348"/>
+                  <a:gd name="connsiteX6" fmla="*/ 0 w 3753370"/>
+                  <a:gd name="connsiteY6" fmla="*/ 0 h 1501348"/>
+                </a:gdLst>
+                <a:ahLst/>
+                <a:cxnLst>
+                  <a:cxn ang="0">
+                    <a:pos x="connsiteX0" y="connsiteY0"/>
+                  </a:cxn>
+                  <a:cxn ang="0">
+                    <a:pos x="connsiteX1" y="connsiteY1"/>
+                  </a:cxn>
+                  <a:cxn ang="0">
+                    <a:pos x="connsiteX2" y="connsiteY2"/>
+                  </a:cxn>
+                  <a:cxn ang="0">
+                    <a:pos x="connsiteX3" y="connsiteY3"/>
+                  </a:cxn>
+                  <a:cxn ang="0">
+                    <a:pos x="connsiteX4" y="connsiteY4"/>
+                  </a:cxn>
+                  <a:cxn ang="0">
+                    <a:pos x="connsiteX5" y="connsiteY5"/>
+                  </a:cxn>
+                  <a:cxn ang="0">
+                    <a:pos x="connsiteX6" y="connsiteY6"/>
+                  </a:cxn>
+                </a:cxnLst>
+                <a:rect l="l" t="t" r="r" b="b"/>
+                <a:pathLst>
+                  <a:path w="3753370" h="1501348">
+                    <a:moveTo>
+                      <a:pt x="0" y="0"/>
+                    </a:moveTo>
+                    <a:lnTo>
+                      <a:pt x="3002696" y="0"/>
+                    </a:lnTo>
+                    <a:lnTo>
+                      <a:pt x="3753370" y="750674"/>
+                    </a:lnTo>
+                    <a:lnTo>
+                      <a:pt x="3002696" y="1501348"/>
+                    </a:lnTo>
+                    <a:lnTo>
+                      <a:pt x="0" y="1501348"/>
+                    </a:lnTo>
+                    <a:lnTo>
+                      <a:pt x="750674" y="750674"/>
+                    </a:lnTo>
+                    <a:lnTo>
+                      <a:pt x="0" y="0"/>
+                    </a:lnTo>
+                    <a:close/>
+                  </a:path>
+                </a:pathLst>
+              </a:custGeom>
+              <a:solidFill>
+                <a:srgbClr val="3BA779"/>
+              </a:solidFill>
+            </p:spPr>
+            <p:style>
+              <a:lnRef idx="2">
+                <a:schemeClr val="lt1">
+                  <a:hueOff val="0"/>
+                  <a:satOff val="0"/>
+                  <a:lumOff val="0"/>
+                  <a:alphaOff val="0"/>
+                </a:schemeClr>
+              </a:lnRef>
+              <a:fillRef idx="1">
+                <a:scrgbClr r="0" g="0" b="0"/>
+              </a:fillRef>
+              <a:effectRef idx="0">
+                <a:schemeClr val="accent1">
+                  <a:hueOff val="0"/>
+                  <a:satOff val="0"/>
+                  <a:lumOff val="0"/>
+                  <a:alphaOff val="0"/>
+                </a:schemeClr>
+              </a:effectRef>
+              <a:fontRef idx="minor">
+                <a:schemeClr val="lt1"/>
+              </a:fontRef>
+            </p:style>
+            <p:txBody>
+              <a:bodyPr spcFirstLastPara="0" vert="horz" wrap="square" lIns="882691" tIns="44006" rIns="794680" bIns="44006" numCol="1" spcCol="1270" anchor="ctr" anchorCtr="0">
+                <a:noAutofit/>
+              </a:bodyPr>
+              <a:lstStyle/>
+              <a:p>
+                <a:pPr marL="0" lvl="0" indent="0" algn="ctr" defTabSz="1466850">
+                  <a:lnSpc>
+                    <a:spcPct val="90000"/>
+                  </a:lnSpc>
+                  <a:spcBef>
+                    <a:spcPct val="0"/>
+                  </a:spcBef>
+                  <a:spcAft>
+                    <a:spcPct val="35000"/>
+                  </a:spcAft>
+                  <a:buNone/>
+                </a:pPr>
+                <a:r>
+                  <a:rPr lang="en-US" sz="2800" b="1" dirty="0">
+                    <a:solidFill>
+                      <a:schemeClr val="tx1"/>
+                    </a:solidFill>
+                  </a:rPr>
+                  <a:t>Quantification</a:t>
+                </a:r>
+              </a:p>
+              <a:p>
+                <a:pPr marL="0" lvl="0" indent="0" algn="ctr" defTabSz="1466850">
+                  <a:lnSpc>
+                    <a:spcPct val="90000"/>
+                  </a:lnSpc>
+                  <a:spcBef>
+                    <a:spcPct val="0"/>
+                  </a:spcBef>
+                  <a:spcAft>
+                    <a:spcPct val="35000"/>
+                  </a:spcAft>
+                  <a:buNone/>
+                </a:pPr>
+                <a:r>
+                  <a:rPr lang="en-US" sz="2800" b="1" kern="1200" dirty="0">
+                    <a:solidFill>
+                      <a:schemeClr val="tx1"/>
+                    </a:solidFill>
+                  </a:rPr>
+                  <a:t>(count matrix)</a:t>
+                </a:r>
+              </a:p>
+            </p:txBody>
+          </p:sp>
+          <p:sp>
+            <p:nvSpPr>
+              <p:cNvPr id="44" name="Freeform 43">
+                <a:extLst>
+                  <a:ext uri="{FF2B5EF4-FFF2-40B4-BE49-F238E27FC236}">
+                    <a16:creationId xmlns:a16="http://schemas.microsoft.com/office/drawing/2014/main" id="{4B39E34C-8DEA-524B-A8DD-FEBA948606FD}"/>
+                  </a:ext>
+                </a:extLst>
+              </p:cNvPr>
+              <p:cNvSpPr/>
+              <p:nvPr/>
+            </p:nvSpPr>
+            <p:spPr>
+              <a:xfrm>
+                <a:off x="5886450" y="3556364"/>
+                <a:ext cx="5356267" cy="1080000"/>
+              </a:xfrm>
+              <a:custGeom>
+                <a:avLst/>
+                <a:gdLst>
+                  <a:gd name="connsiteX0" fmla="*/ 0 w 3753370"/>
+                  <a:gd name="connsiteY0" fmla="*/ 0 h 1501348"/>
+                  <a:gd name="connsiteX1" fmla="*/ 3002696 w 3753370"/>
+                  <a:gd name="connsiteY1" fmla="*/ 0 h 1501348"/>
+                  <a:gd name="connsiteX2" fmla="*/ 3753370 w 3753370"/>
+                  <a:gd name="connsiteY2" fmla="*/ 750674 h 1501348"/>
+                  <a:gd name="connsiteX3" fmla="*/ 3002696 w 3753370"/>
+                  <a:gd name="connsiteY3" fmla="*/ 1501348 h 1501348"/>
+                  <a:gd name="connsiteX4" fmla="*/ 0 w 3753370"/>
+                  <a:gd name="connsiteY4" fmla="*/ 1501348 h 1501348"/>
+                  <a:gd name="connsiteX5" fmla="*/ 750674 w 3753370"/>
+                  <a:gd name="connsiteY5" fmla="*/ 750674 h 1501348"/>
+                  <a:gd name="connsiteX6" fmla="*/ 0 w 3753370"/>
+                  <a:gd name="connsiteY6" fmla="*/ 0 h 1501348"/>
+                </a:gdLst>
+                <a:ahLst/>
+                <a:cxnLst>
+                  <a:cxn ang="0">
+                    <a:pos x="connsiteX0" y="connsiteY0"/>
+                  </a:cxn>
+                  <a:cxn ang="0">
+                    <a:pos x="connsiteX1" y="connsiteY1"/>
+                  </a:cxn>
+                  <a:cxn ang="0">
+                    <a:pos x="connsiteX2" y="connsiteY2"/>
+                  </a:cxn>
+                  <a:cxn ang="0">
+                    <a:pos x="connsiteX3" y="connsiteY3"/>
+                  </a:cxn>
+                  <a:cxn ang="0">
+                    <a:pos x="connsiteX4" y="connsiteY4"/>
+                  </a:cxn>
+                  <a:cxn ang="0">
+                    <a:pos x="connsiteX5" y="connsiteY5"/>
+                  </a:cxn>
+                  <a:cxn ang="0">
+                    <a:pos x="connsiteX6" y="connsiteY6"/>
+                  </a:cxn>
+                </a:cxnLst>
+                <a:rect l="l" t="t" r="r" b="b"/>
+                <a:pathLst>
+                  <a:path w="3753370" h="1501348">
+                    <a:moveTo>
+                      <a:pt x="0" y="0"/>
+                    </a:moveTo>
+                    <a:lnTo>
+                      <a:pt x="3002696" y="0"/>
+                    </a:lnTo>
+                    <a:lnTo>
+                      <a:pt x="3753370" y="750674"/>
+                    </a:lnTo>
+                    <a:lnTo>
+                      <a:pt x="3002696" y="1501348"/>
+                    </a:lnTo>
+                    <a:lnTo>
+                      <a:pt x="0" y="1501348"/>
+                    </a:lnTo>
+                    <a:lnTo>
+                      <a:pt x="750674" y="750674"/>
+                    </a:lnTo>
+                    <a:lnTo>
+                      <a:pt x="0" y="0"/>
+                    </a:lnTo>
+                    <a:close/>
+                  </a:path>
+                </a:pathLst>
+              </a:custGeom>
+              <a:solidFill>
+                <a:srgbClr val="FFD7D7"/>
+              </a:solidFill>
+            </p:spPr>
+            <p:style>
+              <a:lnRef idx="2">
+                <a:schemeClr val="lt1">
+                  <a:hueOff val="0"/>
+                  <a:satOff val="0"/>
+                  <a:lumOff val="0"/>
+                  <a:alphaOff val="0"/>
+                </a:schemeClr>
+              </a:lnRef>
+              <a:fillRef idx="1">
+                <a:scrgbClr r="0" g="0" b="0"/>
+              </a:fillRef>
+              <a:effectRef idx="0">
+                <a:schemeClr val="accent1">
+                  <a:hueOff val="0"/>
+                  <a:satOff val="0"/>
+                  <a:lumOff val="0"/>
+                  <a:alphaOff val="0"/>
+                </a:schemeClr>
+              </a:effectRef>
+              <a:fontRef idx="minor">
+                <a:schemeClr val="lt1"/>
+              </a:fontRef>
+            </p:style>
+            <p:txBody>
+              <a:bodyPr spcFirstLastPara="0" vert="horz" wrap="square" lIns="882691" tIns="44006" rIns="794680" bIns="44006" numCol="1" spcCol="1270" anchor="ctr" anchorCtr="0">
+                <a:noAutofit/>
+              </a:bodyPr>
+              <a:lstStyle/>
+              <a:p>
+                <a:pPr marL="0" lvl="0" indent="0" algn="ctr" defTabSz="1466850">
+                  <a:lnSpc>
+                    <a:spcPct val="90000"/>
+                  </a:lnSpc>
+                  <a:spcBef>
+                    <a:spcPct val="0"/>
+                  </a:spcBef>
+                  <a:spcAft>
+                    <a:spcPct val="35000"/>
+                  </a:spcAft>
+                  <a:buNone/>
+                </a:pPr>
+                <a:r>
+                  <a:rPr lang="en-US" sz="3300" b="1" dirty="0">
+                    <a:solidFill>
+                      <a:schemeClr val="tx1"/>
+                    </a:solidFill>
+                  </a:rPr>
+                  <a:t>Define groups</a:t>
+                </a:r>
+                <a:br>
+                  <a:rPr lang="en-US" sz="3300" b="1" dirty="0">
+                    <a:solidFill>
+                      <a:schemeClr val="tx1"/>
+                    </a:solidFill>
+                  </a:rPr>
+                </a:br>
+                <a:r>
+                  <a:rPr lang="en-US" sz="3300" b="1" dirty="0">
+                    <a:solidFill>
+                      <a:schemeClr val="tx1"/>
+                    </a:solidFill>
+                  </a:rPr>
+                  <a:t>&amp; fit model</a:t>
+                </a:r>
+                <a:endParaRPr lang="en-US" sz="3300" b="1" kern="1200" dirty="0">
                   <a:solidFill>
                     <a:schemeClr val="tx1"/>
                   </a:solidFill>
-                </a:rPr>
-                <a:t>S</a:t>
-              </a:r>
-              <a:r>
-                <a:rPr lang="en-US" sz="2800" kern="1200" dirty="0">
+                </a:endParaRPr>
+              </a:p>
+            </p:txBody>
+          </p:sp>
+        </p:grpSp>
+        <p:grpSp>
+          <p:nvGrpSpPr>
+            <p:cNvPr id="46" name="Group 45">
+              <a:extLst>
+                <a:ext uri="{FF2B5EF4-FFF2-40B4-BE49-F238E27FC236}">
+                  <a16:creationId xmlns:a16="http://schemas.microsoft.com/office/drawing/2014/main" id="{8B3EEF87-7C1F-6649-8C07-A0AC1F77C716}"/>
+                </a:ext>
+              </a:extLst>
+            </p:cNvPr>
+            <p:cNvGrpSpPr/>
+            <p:nvPr/>
+          </p:nvGrpSpPr>
+          <p:grpSpPr>
+            <a:xfrm>
+              <a:off x="841280" y="5559258"/>
+              <a:ext cx="10401437" cy="1080000"/>
+              <a:chOff x="841280" y="3556364"/>
+              <a:chExt cx="10401437" cy="1080000"/>
+            </a:xfrm>
+            <a:solidFill>
+              <a:srgbClr val="D8D9D8"/>
+            </a:solidFill>
+          </p:grpSpPr>
+          <p:sp>
+            <p:nvSpPr>
+              <p:cNvPr id="48" name="Freeform 47">
+                <a:extLst>
+                  <a:ext uri="{FF2B5EF4-FFF2-40B4-BE49-F238E27FC236}">
+                    <a16:creationId xmlns:a16="http://schemas.microsoft.com/office/drawing/2014/main" id="{9B37D20B-301E-F143-B0C5-5790086F53A7}"/>
+                  </a:ext>
+                </a:extLst>
+              </p:cNvPr>
+              <p:cNvSpPr/>
+              <p:nvPr/>
+            </p:nvSpPr>
+            <p:spPr>
+              <a:xfrm>
+                <a:off x="841280" y="3556364"/>
+                <a:ext cx="5730970" cy="1080000"/>
+              </a:xfrm>
+              <a:custGeom>
+                <a:avLst/>
+                <a:gdLst>
+                  <a:gd name="connsiteX0" fmla="*/ 0 w 3753370"/>
+                  <a:gd name="connsiteY0" fmla="*/ 0 h 1501348"/>
+                  <a:gd name="connsiteX1" fmla="*/ 3002696 w 3753370"/>
+                  <a:gd name="connsiteY1" fmla="*/ 0 h 1501348"/>
+                  <a:gd name="connsiteX2" fmla="*/ 3753370 w 3753370"/>
+                  <a:gd name="connsiteY2" fmla="*/ 750674 h 1501348"/>
+                  <a:gd name="connsiteX3" fmla="*/ 3002696 w 3753370"/>
+                  <a:gd name="connsiteY3" fmla="*/ 1501348 h 1501348"/>
+                  <a:gd name="connsiteX4" fmla="*/ 0 w 3753370"/>
+                  <a:gd name="connsiteY4" fmla="*/ 1501348 h 1501348"/>
+                  <a:gd name="connsiteX5" fmla="*/ 750674 w 3753370"/>
+                  <a:gd name="connsiteY5" fmla="*/ 750674 h 1501348"/>
+                  <a:gd name="connsiteX6" fmla="*/ 0 w 3753370"/>
+                  <a:gd name="connsiteY6" fmla="*/ 0 h 1501348"/>
+                </a:gdLst>
+                <a:ahLst/>
+                <a:cxnLst>
+                  <a:cxn ang="0">
+                    <a:pos x="connsiteX0" y="connsiteY0"/>
+                  </a:cxn>
+                  <a:cxn ang="0">
+                    <a:pos x="connsiteX1" y="connsiteY1"/>
+                  </a:cxn>
+                  <a:cxn ang="0">
+                    <a:pos x="connsiteX2" y="connsiteY2"/>
+                  </a:cxn>
+                  <a:cxn ang="0">
+                    <a:pos x="connsiteX3" y="connsiteY3"/>
+                  </a:cxn>
+                  <a:cxn ang="0">
+                    <a:pos x="connsiteX4" y="connsiteY4"/>
+                  </a:cxn>
+                  <a:cxn ang="0">
+                    <a:pos x="connsiteX5" y="connsiteY5"/>
+                  </a:cxn>
+                  <a:cxn ang="0">
+                    <a:pos x="connsiteX6" y="connsiteY6"/>
+                  </a:cxn>
+                </a:cxnLst>
+                <a:rect l="l" t="t" r="r" b="b"/>
+                <a:pathLst>
+                  <a:path w="3753370" h="1501348">
+                    <a:moveTo>
+                      <a:pt x="0" y="0"/>
+                    </a:moveTo>
+                    <a:lnTo>
+                      <a:pt x="3002696" y="0"/>
+                    </a:lnTo>
+                    <a:lnTo>
+                      <a:pt x="3753370" y="750674"/>
+                    </a:lnTo>
+                    <a:lnTo>
+                      <a:pt x="3002696" y="1501348"/>
+                    </a:lnTo>
+                    <a:lnTo>
+                      <a:pt x="0" y="1501348"/>
+                    </a:lnTo>
+                    <a:lnTo>
+                      <a:pt x="750674" y="750674"/>
+                    </a:lnTo>
+                    <a:lnTo>
+                      <a:pt x="0" y="0"/>
+                    </a:lnTo>
+                    <a:close/>
+                  </a:path>
+                </a:pathLst>
+              </a:custGeom>
+              <a:grpFill/>
+            </p:spPr>
+            <p:style>
+              <a:lnRef idx="2">
+                <a:schemeClr val="lt1">
+                  <a:hueOff val="0"/>
+                  <a:satOff val="0"/>
+                  <a:lumOff val="0"/>
+                  <a:alphaOff val="0"/>
+                </a:schemeClr>
+              </a:lnRef>
+              <a:fillRef idx="1">
+                <a:scrgbClr r="0" g="0" b="0"/>
+              </a:fillRef>
+              <a:effectRef idx="0">
+                <a:schemeClr val="accent1">
+                  <a:hueOff val="0"/>
+                  <a:satOff val="0"/>
+                  <a:lumOff val="0"/>
+                  <a:alphaOff val="0"/>
+                </a:schemeClr>
+              </a:effectRef>
+              <a:fontRef idx="minor">
+                <a:schemeClr val="lt1"/>
+              </a:fontRef>
+            </p:style>
+            <p:txBody>
+              <a:bodyPr spcFirstLastPara="0" vert="horz" wrap="square" lIns="882691" tIns="44006" rIns="794680" bIns="44006" numCol="1" spcCol="1270" anchor="ctr" anchorCtr="0">
+                <a:noAutofit/>
+              </a:bodyPr>
+              <a:lstStyle/>
+              <a:p>
+                <a:pPr marL="0" lvl="0" indent="0" algn="ctr" defTabSz="1466850">
+                  <a:lnSpc>
+                    <a:spcPct val="90000"/>
+                  </a:lnSpc>
+                  <a:spcBef>
+                    <a:spcPct val="0"/>
+                  </a:spcBef>
+                  <a:spcAft>
+                    <a:spcPct val="35000"/>
+                  </a:spcAft>
+                  <a:buNone/>
+                </a:pPr>
+                <a:r>
+                  <a:rPr lang="en-US" sz="2800" dirty="0">
+                    <a:solidFill>
+                      <a:schemeClr val="tx1"/>
+                    </a:solidFill>
+                  </a:rPr>
+                  <a:t>Expression plots</a:t>
+                </a:r>
+                <a:br>
+                  <a:rPr lang="en-US" sz="2800" kern="1200" dirty="0">
+                    <a:solidFill>
+                      <a:schemeClr val="tx1"/>
+                    </a:solidFill>
+                  </a:rPr>
+                </a:br>
+                <a:r>
+                  <a:rPr lang="en-US" sz="2800" kern="1200" dirty="0">
+                    <a:solidFill>
+                      <a:schemeClr val="tx1"/>
+                    </a:solidFill>
+                  </a:rPr>
+                  <a:t>(Sample QC)</a:t>
+                </a:r>
+              </a:p>
+            </p:txBody>
+          </p:sp>
+          <p:sp>
+            <p:nvSpPr>
+              <p:cNvPr id="49" name="Freeform 48">
+                <a:extLst>
+                  <a:ext uri="{FF2B5EF4-FFF2-40B4-BE49-F238E27FC236}">
+                    <a16:creationId xmlns:a16="http://schemas.microsoft.com/office/drawing/2014/main" id="{76C53BEA-0EB7-C74D-B8B9-CE042ECDD5A6}"/>
+                  </a:ext>
+                </a:extLst>
+              </p:cNvPr>
+              <p:cNvSpPr/>
+              <p:nvPr/>
+            </p:nvSpPr>
+            <p:spPr>
+              <a:xfrm>
+                <a:off x="5886450" y="3556364"/>
+                <a:ext cx="5356267" cy="1080000"/>
+              </a:xfrm>
+              <a:custGeom>
+                <a:avLst/>
+                <a:gdLst>
+                  <a:gd name="connsiteX0" fmla="*/ 0 w 3753370"/>
+                  <a:gd name="connsiteY0" fmla="*/ 0 h 1501348"/>
+                  <a:gd name="connsiteX1" fmla="*/ 3002696 w 3753370"/>
+                  <a:gd name="connsiteY1" fmla="*/ 0 h 1501348"/>
+                  <a:gd name="connsiteX2" fmla="*/ 3753370 w 3753370"/>
+                  <a:gd name="connsiteY2" fmla="*/ 750674 h 1501348"/>
+                  <a:gd name="connsiteX3" fmla="*/ 3002696 w 3753370"/>
+                  <a:gd name="connsiteY3" fmla="*/ 1501348 h 1501348"/>
+                  <a:gd name="connsiteX4" fmla="*/ 0 w 3753370"/>
+                  <a:gd name="connsiteY4" fmla="*/ 1501348 h 1501348"/>
+                  <a:gd name="connsiteX5" fmla="*/ 750674 w 3753370"/>
+                  <a:gd name="connsiteY5" fmla="*/ 750674 h 1501348"/>
+                  <a:gd name="connsiteX6" fmla="*/ 0 w 3753370"/>
+                  <a:gd name="connsiteY6" fmla="*/ 0 h 1501348"/>
+                </a:gdLst>
+                <a:ahLst/>
+                <a:cxnLst>
+                  <a:cxn ang="0">
+                    <a:pos x="connsiteX0" y="connsiteY0"/>
+                  </a:cxn>
+                  <a:cxn ang="0">
+                    <a:pos x="connsiteX1" y="connsiteY1"/>
+                  </a:cxn>
+                  <a:cxn ang="0">
+                    <a:pos x="connsiteX2" y="connsiteY2"/>
+                  </a:cxn>
+                  <a:cxn ang="0">
+                    <a:pos x="connsiteX3" y="connsiteY3"/>
+                  </a:cxn>
+                  <a:cxn ang="0">
+                    <a:pos x="connsiteX4" y="connsiteY4"/>
+                  </a:cxn>
+                  <a:cxn ang="0">
+                    <a:pos x="connsiteX5" y="connsiteY5"/>
+                  </a:cxn>
+                  <a:cxn ang="0">
+                    <a:pos x="connsiteX6" y="connsiteY6"/>
+                  </a:cxn>
+                </a:cxnLst>
+                <a:rect l="l" t="t" r="r" b="b"/>
+                <a:pathLst>
+                  <a:path w="3753370" h="1501348">
+                    <a:moveTo>
+                      <a:pt x="0" y="0"/>
+                    </a:moveTo>
+                    <a:lnTo>
+                      <a:pt x="3002696" y="0"/>
+                    </a:lnTo>
+                    <a:lnTo>
+                      <a:pt x="3753370" y="750674"/>
+                    </a:lnTo>
+                    <a:lnTo>
+                      <a:pt x="3002696" y="1501348"/>
+                    </a:lnTo>
+                    <a:lnTo>
+                      <a:pt x="0" y="1501348"/>
+                    </a:lnTo>
+                    <a:lnTo>
+                      <a:pt x="750674" y="750674"/>
+                    </a:lnTo>
+                    <a:lnTo>
+                      <a:pt x="0" y="0"/>
+                    </a:lnTo>
+                    <a:close/>
+                  </a:path>
+                </a:pathLst>
+              </a:custGeom>
+              <a:grpFill/>
+            </p:spPr>
+            <p:style>
+              <a:lnRef idx="2">
+                <a:schemeClr val="lt1">
+                  <a:hueOff val="0"/>
+                  <a:satOff val="0"/>
+                  <a:lumOff val="0"/>
+                  <a:alphaOff val="0"/>
+                </a:schemeClr>
+              </a:lnRef>
+              <a:fillRef idx="1">
+                <a:scrgbClr r="0" g="0" b="0"/>
+              </a:fillRef>
+              <a:effectRef idx="0">
+                <a:schemeClr val="accent1">
+                  <a:hueOff val="0"/>
+                  <a:satOff val="0"/>
+                  <a:lumOff val="0"/>
+                  <a:alphaOff val="0"/>
+                </a:schemeClr>
+              </a:effectRef>
+              <a:fontRef idx="minor">
+                <a:schemeClr val="lt1"/>
+              </a:fontRef>
+            </p:style>
+            <p:txBody>
+              <a:bodyPr spcFirstLastPara="0" vert="horz" wrap="square" lIns="882691" tIns="44006" rIns="794680" bIns="44006" numCol="1" spcCol="1270" anchor="ctr" anchorCtr="0">
+                <a:noAutofit/>
+              </a:bodyPr>
+              <a:lstStyle/>
+              <a:p>
+                <a:pPr marL="0" lvl="0" indent="0" algn="ctr" defTabSz="1466850">
+                  <a:lnSpc>
+                    <a:spcPct val="90000"/>
+                  </a:lnSpc>
+                  <a:spcBef>
+                    <a:spcPct val="0"/>
+                  </a:spcBef>
+                  <a:spcAft>
+                    <a:spcPct val="35000"/>
+                  </a:spcAft>
+                  <a:buNone/>
+                </a:pPr>
+                <a:r>
+                  <a:rPr lang="en-US" sz="3300" dirty="0">
+                    <a:solidFill>
+                      <a:schemeClr val="tx1"/>
+                    </a:solidFill>
+                  </a:rPr>
+                  <a:t>Differential Expression</a:t>
+                </a:r>
+                <a:endParaRPr lang="en-US" sz="3300" kern="1200" dirty="0">
                   <a:solidFill>
                     <a:schemeClr val="tx1"/>
                   </a:solidFill>
-                </a:rPr>
-                <a:t>equence QC</a:t>
-              </a:r>
-              <a:br>
-                <a:rPr lang="en-US" sz="2800" kern="1200" dirty="0">
-                  <a:solidFill>
-                    <a:schemeClr val="tx1"/>
-                  </a:solidFill>
-                </a:rPr>
-              </a:br>
-              <a:r>
-                <a:rPr lang="en-US" sz="2800" kern="1200" dirty="0">
-                  <a:solidFill>
-                    <a:schemeClr val="tx1"/>
-                  </a:solidFill>
-                </a:rPr>
-                <a:t>(FASTQs)</a:t>
-              </a:r>
-            </a:p>
-          </p:txBody>
-        </p:sp>
-        <p:sp>
-          <p:nvSpPr>
-            <p:cNvPr id="14" name="Freeform 13">
-              <a:extLst>
-                <a:ext uri="{FF2B5EF4-FFF2-40B4-BE49-F238E27FC236}">
-                  <a16:creationId xmlns:a16="http://schemas.microsoft.com/office/drawing/2014/main" id="{54A58763-7619-6248-8BEA-F8C01A2559C0}"/>
-                </a:ext>
-              </a:extLst>
-            </p:cNvPr>
-            <p:cNvSpPr/>
-            <p:nvPr/>
-          </p:nvSpPr>
-          <p:spPr>
-            <a:xfrm>
-              <a:off x="5886450" y="3556364"/>
-              <a:ext cx="5356267" cy="1080000"/>
-            </a:xfrm>
-            <a:custGeom>
-              <a:avLst/>
-              <a:gdLst>
-                <a:gd name="connsiteX0" fmla="*/ 0 w 3753370"/>
-                <a:gd name="connsiteY0" fmla="*/ 0 h 1501348"/>
-                <a:gd name="connsiteX1" fmla="*/ 3002696 w 3753370"/>
-                <a:gd name="connsiteY1" fmla="*/ 0 h 1501348"/>
-                <a:gd name="connsiteX2" fmla="*/ 3753370 w 3753370"/>
-                <a:gd name="connsiteY2" fmla="*/ 750674 h 1501348"/>
-                <a:gd name="connsiteX3" fmla="*/ 3002696 w 3753370"/>
-                <a:gd name="connsiteY3" fmla="*/ 1501348 h 1501348"/>
-                <a:gd name="connsiteX4" fmla="*/ 0 w 3753370"/>
-                <a:gd name="connsiteY4" fmla="*/ 1501348 h 1501348"/>
-                <a:gd name="connsiteX5" fmla="*/ 750674 w 3753370"/>
-                <a:gd name="connsiteY5" fmla="*/ 750674 h 1501348"/>
-                <a:gd name="connsiteX6" fmla="*/ 0 w 3753370"/>
-                <a:gd name="connsiteY6" fmla="*/ 0 h 1501348"/>
-              </a:gdLst>
-              <a:ahLst/>
-              <a:cxnLst>
-                <a:cxn ang="0">
-                  <a:pos x="connsiteX0" y="connsiteY0"/>
-                </a:cxn>
-                <a:cxn ang="0">
-                  <a:pos x="connsiteX1" y="connsiteY1"/>
-                </a:cxn>
-                <a:cxn ang="0">
-                  <a:pos x="connsiteX2" y="connsiteY2"/>
-                </a:cxn>
-                <a:cxn ang="0">
-                  <a:pos x="connsiteX3" y="connsiteY3"/>
-                </a:cxn>
-                <a:cxn ang="0">
-                  <a:pos x="connsiteX4" y="connsiteY4"/>
-                </a:cxn>
-                <a:cxn ang="0">
-                  <a:pos x="connsiteX5" y="connsiteY5"/>
-                </a:cxn>
-                <a:cxn ang="0">
-                  <a:pos x="connsiteX6" y="connsiteY6"/>
-                </a:cxn>
-              </a:cxnLst>
-              <a:rect l="l" t="t" r="r" b="b"/>
-              <a:pathLst>
-                <a:path w="3753370" h="1501348">
-                  <a:moveTo>
-                    <a:pt x="0" y="0"/>
-                  </a:moveTo>
-                  <a:lnTo>
-                    <a:pt x="3002696" y="0"/>
-                  </a:lnTo>
-                  <a:lnTo>
-                    <a:pt x="3753370" y="750674"/>
-                  </a:lnTo>
-                  <a:lnTo>
-                    <a:pt x="3002696" y="1501348"/>
-                  </a:lnTo>
-                  <a:lnTo>
-                    <a:pt x="0" y="1501348"/>
-                  </a:lnTo>
-                  <a:lnTo>
-                    <a:pt x="750674" y="750674"/>
-                  </a:lnTo>
-                  <a:lnTo>
-                    <a:pt x="0" y="0"/>
-                  </a:lnTo>
-                  <a:close/>
-                </a:path>
-              </a:pathLst>
-            </a:custGeom>
-            <a:solidFill>
-              <a:srgbClr val="9FD3BD"/>
-            </a:solidFill>
-          </p:spPr>
-          <p:style>
-            <a:lnRef idx="2">
-              <a:schemeClr val="lt1">
-                <a:hueOff val="0"/>
-                <a:satOff val="0"/>
-                <a:lumOff val="0"/>
-                <a:alphaOff val="0"/>
-              </a:schemeClr>
-            </a:lnRef>
-            <a:fillRef idx="1">
-              <a:scrgbClr r="0" g="0" b="0"/>
-            </a:fillRef>
-            <a:effectRef idx="0">
-              <a:schemeClr val="accent1">
-                <a:hueOff val="0"/>
-                <a:satOff val="0"/>
-                <a:lumOff val="0"/>
-                <a:alphaOff val="0"/>
-              </a:schemeClr>
-            </a:effectRef>
-            <a:fontRef idx="minor">
-              <a:schemeClr val="lt1"/>
-            </a:fontRef>
-          </p:style>
-          <p:txBody>
-            <a:bodyPr spcFirstLastPara="0" vert="horz" wrap="square" lIns="882691" tIns="44006" rIns="794680" bIns="44006" numCol="1" spcCol="1270" anchor="ctr" anchorCtr="0">
-              <a:noAutofit/>
-            </a:bodyPr>
-            <a:lstStyle/>
-            <a:p>
-              <a:pPr marL="0" lvl="0" indent="0" algn="ctr" defTabSz="1466850">
-                <a:lnSpc>
-                  <a:spcPct val="90000"/>
-                </a:lnSpc>
-                <a:spcBef>
-                  <a:spcPct val="0"/>
-                </a:spcBef>
-                <a:spcAft>
-                  <a:spcPct val="35000"/>
-                </a:spcAft>
-                <a:buNone/>
-              </a:pPr>
-              <a:r>
-                <a:rPr lang="en-US" sz="3300" dirty="0">
-                  <a:solidFill>
-                    <a:schemeClr val="tx1"/>
-                  </a:solidFill>
-                </a:rPr>
-                <a:t>A</a:t>
-              </a:r>
-              <a:r>
-                <a:rPr lang="en-US" sz="3300" kern="1200" dirty="0">
-                  <a:solidFill>
-                    <a:schemeClr val="tx1"/>
-                  </a:solidFill>
-                </a:rPr>
-                <a:t>lignment</a:t>
-              </a:r>
-            </a:p>
-            <a:p>
-              <a:pPr marL="0" lvl="0" indent="0" algn="ctr" defTabSz="1466850">
-                <a:lnSpc>
-                  <a:spcPct val="90000"/>
-                </a:lnSpc>
-                <a:spcBef>
-                  <a:spcPct val="0"/>
-                </a:spcBef>
-                <a:spcAft>
-                  <a:spcPct val="35000"/>
-                </a:spcAft>
-                <a:buNone/>
-              </a:pPr>
-              <a:r>
-                <a:rPr lang="en-US" sz="3300" kern="1200" dirty="0">
-                  <a:solidFill>
-                    <a:schemeClr val="tx1"/>
-                  </a:solidFill>
-                </a:rPr>
-                <a:t>(BAMs)</a:t>
-              </a:r>
-            </a:p>
-          </p:txBody>
-        </p:sp>
-      </p:grpSp>
-      <p:grpSp>
-        <p:nvGrpSpPr>
-          <p:cNvPr id="41" name="Group 40">
-            <a:extLst>
-              <a:ext uri="{FF2B5EF4-FFF2-40B4-BE49-F238E27FC236}">
-                <a16:creationId xmlns:a16="http://schemas.microsoft.com/office/drawing/2014/main" id="{2B14A426-7637-D04B-A331-8AD50814DCF5}"/>
-              </a:ext>
-            </a:extLst>
-          </p:cNvPr>
-          <p:cNvGrpSpPr/>
-          <p:nvPr/>
-        </p:nvGrpSpPr>
-        <p:grpSpPr>
-          <a:xfrm>
-            <a:off x="841280" y="4302067"/>
-            <a:ext cx="10401437" cy="1080000"/>
-            <a:chOff x="841280" y="3556364"/>
-            <a:chExt cx="10401437" cy="1080000"/>
-          </a:xfrm>
-          <a:solidFill>
-            <a:srgbClr val="D8D9D8"/>
-          </a:solidFill>
-        </p:grpSpPr>
-        <p:sp>
-          <p:nvSpPr>
-            <p:cNvPr id="43" name="Freeform 42">
-              <a:extLst>
-                <a:ext uri="{FF2B5EF4-FFF2-40B4-BE49-F238E27FC236}">
-                  <a16:creationId xmlns:a16="http://schemas.microsoft.com/office/drawing/2014/main" id="{481F339D-286E-9442-9F1B-61FC78476EEE}"/>
-                </a:ext>
-              </a:extLst>
-            </p:cNvPr>
-            <p:cNvSpPr/>
-            <p:nvPr/>
-          </p:nvSpPr>
-          <p:spPr>
-            <a:xfrm>
-              <a:off x="841280" y="3556364"/>
-              <a:ext cx="5730970" cy="1080000"/>
-            </a:xfrm>
-            <a:custGeom>
-              <a:avLst/>
-              <a:gdLst>
-                <a:gd name="connsiteX0" fmla="*/ 0 w 3753370"/>
-                <a:gd name="connsiteY0" fmla="*/ 0 h 1501348"/>
-                <a:gd name="connsiteX1" fmla="*/ 3002696 w 3753370"/>
-                <a:gd name="connsiteY1" fmla="*/ 0 h 1501348"/>
-                <a:gd name="connsiteX2" fmla="*/ 3753370 w 3753370"/>
-                <a:gd name="connsiteY2" fmla="*/ 750674 h 1501348"/>
-                <a:gd name="connsiteX3" fmla="*/ 3002696 w 3753370"/>
-                <a:gd name="connsiteY3" fmla="*/ 1501348 h 1501348"/>
-                <a:gd name="connsiteX4" fmla="*/ 0 w 3753370"/>
-                <a:gd name="connsiteY4" fmla="*/ 1501348 h 1501348"/>
-                <a:gd name="connsiteX5" fmla="*/ 750674 w 3753370"/>
-                <a:gd name="connsiteY5" fmla="*/ 750674 h 1501348"/>
-                <a:gd name="connsiteX6" fmla="*/ 0 w 3753370"/>
-                <a:gd name="connsiteY6" fmla="*/ 0 h 1501348"/>
-              </a:gdLst>
-              <a:ahLst/>
-              <a:cxnLst>
-                <a:cxn ang="0">
-                  <a:pos x="connsiteX0" y="connsiteY0"/>
-                </a:cxn>
-                <a:cxn ang="0">
-                  <a:pos x="connsiteX1" y="connsiteY1"/>
-                </a:cxn>
-                <a:cxn ang="0">
-                  <a:pos x="connsiteX2" y="connsiteY2"/>
-                </a:cxn>
-                <a:cxn ang="0">
-                  <a:pos x="connsiteX3" y="connsiteY3"/>
-                </a:cxn>
-                <a:cxn ang="0">
-                  <a:pos x="connsiteX4" y="connsiteY4"/>
-                </a:cxn>
-                <a:cxn ang="0">
-                  <a:pos x="connsiteX5" y="connsiteY5"/>
-                </a:cxn>
-                <a:cxn ang="0">
-                  <a:pos x="connsiteX6" y="connsiteY6"/>
-                </a:cxn>
-              </a:cxnLst>
-              <a:rect l="l" t="t" r="r" b="b"/>
-              <a:pathLst>
-                <a:path w="3753370" h="1501348">
-                  <a:moveTo>
-                    <a:pt x="0" y="0"/>
-                  </a:moveTo>
-                  <a:lnTo>
-                    <a:pt x="3002696" y="0"/>
-                  </a:lnTo>
-                  <a:lnTo>
-                    <a:pt x="3753370" y="750674"/>
-                  </a:lnTo>
-                  <a:lnTo>
-                    <a:pt x="3002696" y="1501348"/>
-                  </a:lnTo>
-                  <a:lnTo>
-                    <a:pt x="0" y="1501348"/>
-                  </a:lnTo>
-                  <a:lnTo>
-                    <a:pt x="750674" y="750674"/>
-                  </a:lnTo>
-                  <a:lnTo>
-                    <a:pt x="0" y="0"/>
-                  </a:lnTo>
-                  <a:close/>
-                </a:path>
-              </a:pathLst>
-            </a:custGeom>
-            <a:solidFill>
-              <a:srgbClr val="3BA779"/>
-            </a:solidFill>
-          </p:spPr>
-          <p:style>
-            <a:lnRef idx="2">
-              <a:schemeClr val="lt1">
-                <a:hueOff val="0"/>
-                <a:satOff val="0"/>
-                <a:lumOff val="0"/>
-                <a:alphaOff val="0"/>
-              </a:schemeClr>
-            </a:lnRef>
-            <a:fillRef idx="1">
-              <a:scrgbClr r="0" g="0" b="0"/>
-            </a:fillRef>
-            <a:effectRef idx="0">
-              <a:schemeClr val="accent1">
-                <a:hueOff val="0"/>
-                <a:satOff val="0"/>
-                <a:lumOff val="0"/>
-                <a:alphaOff val="0"/>
-              </a:schemeClr>
-            </a:effectRef>
-            <a:fontRef idx="minor">
-              <a:schemeClr val="lt1"/>
-            </a:fontRef>
-          </p:style>
-          <p:txBody>
-            <a:bodyPr spcFirstLastPara="0" vert="horz" wrap="square" lIns="882691" tIns="44006" rIns="794680" bIns="44006" numCol="1" spcCol="1270" anchor="ctr" anchorCtr="0">
-              <a:noAutofit/>
-            </a:bodyPr>
-            <a:lstStyle/>
-            <a:p>
-              <a:pPr marL="0" lvl="0" indent="0" algn="ctr" defTabSz="1466850">
-                <a:lnSpc>
-                  <a:spcPct val="90000"/>
-                </a:lnSpc>
-                <a:spcBef>
-                  <a:spcPct val="0"/>
-                </a:spcBef>
-                <a:spcAft>
-                  <a:spcPct val="35000"/>
-                </a:spcAft>
-                <a:buNone/>
-              </a:pPr>
-              <a:r>
-                <a:rPr lang="en-US" sz="2800" b="1" dirty="0">
-                  <a:solidFill>
-                    <a:schemeClr val="tx1"/>
-                  </a:solidFill>
-                </a:rPr>
-                <a:t>Quantification</a:t>
-              </a:r>
-            </a:p>
-            <a:p>
-              <a:pPr marL="0" lvl="0" indent="0" algn="ctr" defTabSz="1466850">
-                <a:lnSpc>
-                  <a:spcPct val="90000"/>
-                </a:lnSpc>
-                <a:spcBef>
-                  <a:spcPct val="0"/>
-                </a:spcBef>
-                <a:spcAft>
-                  <a:spcPct val="35000"/>
-                </a:spcAft>
-                <a:buNone/>
-              </a:pPr>
-              <a:r>
-                <a:rPr lang="en-US" sz="2800" b="1" kern="1200" dirty="0">
-                  <a:solidFill>
-                    <a:schemeClr val="tx1"/>
-                  </a:solidFill>
-                </a:rPr>
-                <a:t>(count matrix)</a:t>
-              </a:r>
-            </a:p>
-          </p:txBody>
-        </p:sp>
-        <p:sp>
-          <p:nvSpPr>
-            <p:cNvPr id="44" name="Freeform 43">
-              <a:extLst>
-                <a:ext uri="{FF2B5EF4-FFF2-40B4-BE49-F238E27FC236}">
-                  <a16:creationId xmlns:a16="http://schemas.microsoft.com/office/drawing/2014/main" id="{4B39E34C-8DEA-524B-A8DD-FEBA948606FD}"/>
-                </a:ext>
-              </a:extLst>
-            </p:cNvPr>
-            <p:cNvSpPr/>
-            <p:nvPr/>
-          </p:nvSpPr>
-          <p:spPr>
-            <a:xfrm>
-              <a:off x="5886450" y="3556364"/>
-              <a:ext cx="5356267" cy="1080000"/>
-            </a:xfrm>
-            <a:custGeom>
-              <a:avLst/>
-              <a:gdLst>
-                <a:gd name="connsiteX0" fmla="*/ 0 w 3753370"/>
-                <a:gd name="connsiteY0" fmla="*/ 0 h 1501348"/>
-                <a:gd name="connsiteX1" fmla="*/ 3002696 w 3753370"/>
-                <a:gd name="connsiteY1" fmla="*/ 0 h 1501348"/>
-                <a:gd name="connsiteX2" fmla="*/ 3753370 w 3753370"/>
-                <a:gd name="connsiteY2" fmla="*/ 750674 h 1501348"/>
-                <a:gd name="connsiteX3" fmla="*/ 3002696 w 3753370"/>
-                <a:gd name="connsiteY3" fmla="*/ 1501348 h 1501348"/>
-                <a:gd name="connsiteX4" fmla="*/ 0 w 3753370"/>
-                <a:gd name="connsiteY4" fmla="*/ 1501348 h 1501348"/>
-                <a:gd name="connsiteX5" fmla="*/ 750674 w 3753370"/>
-                <a:gd name="connsiteY5" fmla="*/ 750674 h 1501348"/>
-                <a:gd name="connsiteX6" fmla="*/ 0 w 3753370"/>
-                <a:gd name="connsiteY6" fmla="*/ 0 h 1501348"/>
-              </a:gdLst>
-              <a:ahLst/>
-              <a:cxnLst>
-                <a:cxn ang="0">
-                  <a:pos x="connsiteX0" y="connsiteY0"/>
-                </a:cxn>
-                <a:cxn ang="0">
-                  <a:pos x="connsiteX1" y="connsiteY1"/>
-                </a:cxn>
-                <a:cxn ang="0">
-                  <a:pos x="connsiteX2" y="connsiteY2"/>
-                </a:cxn>
-                <a:cxn ang="0">
-                  <a:pos x="connsiteX3" y="connsiteY3"/>
-                </a:cxn>
-                <a:cxn ang="0">
-                  <a:pos x="connsiteX4" y="connsiteY4"/>
-                </a:cxn>
-                <a:cxn ang="0">
-                  <a:pos x="connsiteX5" y="connsiteY5"/>
-                </a:cxn>
-                <a:cxn ang="0">
-                  <a:pos x="connsiteX6" y="connsiteY6"/>
-                </a:cxn>
-              </a:cxnLst>
-              <a:rect l="l" t="t" r="r" b="b"/>
-              <a:pathLst>
-                <a:path w="3753370" h="1501348">
-                  <a:moveTo>
-                    <a:pt x="0" y="0"/>
-                  </a:moveTo>
-                  <a:lnTo>
-                    <a:pt x="3002696" y="0"/>
-                  </a:lnTo>
-                  <a:lnTo>
-                    <a:pt x="3753370" y="750674"/>
-                  </a:lnTo>
-                  <a:lnTo>
-                    <a:pt x="3002696" y="1501348"/>
-                  </a:lnTo>
-                  <a:lnTo>
-                    <a:pt x="0" y="1501348"/>
-                  </a:lnTo>
-                  <a:lnTo>
-                    <a:pt x="750674" y="750674"/>
-                  </a:lnTo>
-                  <a:lnTo>
-                    <a:pt x="0" y="0"/>
-                  </a:lnTo>
-                  <a:close/>
-                </a:path>
-              </a:pathLst>
-            </a:custGeom>
-            <a:solidFill>
-              <a:srgbClr val="FFD7D7"/>
-            </a:solidFill>
-          </p:spPr>
-          <p:style>
-            <a:lnRef idx="2">
-              <a:schemeClr val="lt1">
-                <a:hueOff val="0"/>
-                <a:satOff val="0"/>
-                <a:lumOff val="0"/>
-                <a:alphaOff val="0"/>
-              </a:schemeClr>
-            </a:lnRef>
-            <a:fillRef idx="1">
-              <a:scrgbClr r="0" g="0" b="0"/>
-            </a:fillRef>
-            <a:effectRef idx="0">
-              <a:schemeClr val="accent1">
-                <a:hueOff val="0"/>
-                <a:satOff val="0"/>
-                <a:lumOff val="0"/>
-                <a:alphaOff val="0"/>
-              </a:schemeClr>
-            </a:effectRef>
-            <a:fontRef idx="minor">
-              <a:schemeClr val="lt1"/>
-            </a:fontRef>
-          </p:style>
-          <p:txBody>
-            <a:bodyPr spcFirstLastPara="0" vert="horz" wrap="square" lIns="882691" tIns="44006" rIns="794680" bIns="44006" numCol="1" spcCol="1270" anchor="ctr" anchorCtr="0">
-              <a:noAutofit/>
-            </a:bodyPr>
-            <a:lstStyle/>
-            <a:p>
-              <a:pPr marL="0" lvl="0" indent="0" algn="ctr" defTabSz="1466850">
-                <a:lnSpc>
-                  <a:spcPct val="90000"/>
-                </a:lnSpc>
-                <a:spcBef>
-                  <a:spcPct val="0"/>
-                </a:spcBef>
-                <a:spcAft>
-                  <a:spcPct val="35000"/>
-                </a:spcAft>
-                <a:buNone/>
-              </a:pPr>
-              <a:r>
-                <a:rPr lang="en-US" sz="3300" b="1" dirty="0">
-                  <a:solidFill>
-                    <a:schemeClr val="tx1"/>
-                  </a:solidFill>
-                </a:rPr>
-                <a:t>Define groups</a:t>
-              </a:r>
-              <a:br>
-                <a:rPr lang="en-US" sz="3300" b="1" dirty="0">
-                  <a:solidFill>
-                    <a:schemeClr val="tx1"/>
-                  </a:solidFill>
-                </a:rPr>
-              </a:br>
-              <a:r>
-                <a:rPr lang="en-US" sz="3300" b="1" dirty="0">
-                  <a:solidFill>
-                    <a:schemeClr val="tx1"/>
-                  </a:solidFill>
-                </a:rPr>
-                <a:t>&amp; fit model</a:t>
-              </a:r>
-              <a:endParaRPr lang="en-US" sz="3300" b="1" kern="1200" dirty="0">
-                <a:solidFill>
-                  <a:schemeClr val="tx1"/>
-                </a:solidFill>
-              </a:endParaRPr>
-            </a:p>
-          </p:txBody>
-        </p:sp>
-      </p:grpSp>
-      <p:grpSp>
-        <p:nvGrpSpPr>
-          <p:cNvPr id="46" name="Group 45">
-            <a:extLst>
-              <a:ext uri="{FF2B5EF4-FFF2-40B4-BE49-F238E27FC236}">
-                <a16:creationId xmlns:a16="http://schemas.microsoft.com/office/drawing/2014/main" id="{8B3EEF87-7C1F-6649-8C07-A0AC1F77C716}"/>
-              </a:ext>
-            </a:extLst>
-          </p:cNvPr>
-          <p:cNvGrpSpPr/>
-          <p:nvPr/>
-        </p:nvGrpSpPr>
-        <p:grpSpPr>
-          <a:xfrm>
-            <a:off x="841280" y="5559258"/>
-            <a:ext cx="10401437" cy="1080000"/>
-            <a:chOff x="841280" y="3556364"/>
-            <a:chExt cx="10401437" cy="1080000"/>
-          </a:xfrm>
-          <a:solidFill>
-            <a:srgbClr val="D8D9D8"/>
-          </a:solidFill>
-        </p:grpSpPr>
-        <p:sp>
-          <p:nvSpPr>
-            <p:cNvPr id="48" name="Freeform 47">
-              <a:extLst>
-                <a:ext uri="{FF2B5EF4-FFF2-40B4-BE49-F238E27FC236}">
-                  <a16:creationId xmlns:a16="http://schemas.microsoft.com/office/drawing/2014/main" id="{9B37D20B-301E-F143-B0C5-5790086F53A7}"/>
-                </a:ext>
-              </a:extLst>
-            </p:cNvPr>
-            <p:cNvSpPr/>
-            <p:nvPr/>
-          </p:nvSpPr>
-          <p:spPr>
-            <a:xfrm>
-              <a:off x="841280" y="3556364"/>
-              <a:ext cx="5730970" cy="1080000"/>
-            </a:xfrm>
-            <a:custGeom>
-              <a:avLst/>
-              <a:gdLst>
-                <a:gd name="connsiteX0" fmla="*/ 0 w 3753370"/>
-                <a:gd name="connsiteY0" fmla="*/ 0 h 1501348"/>
-                <a:gd name="connsiteX1" fmla="*/ 3002696 w 3753370"/>
-                <a:gd name="connsiteY1" fmla="*/ 0 h 1501348"/>
-                <a:gd name="connsiteX2" fmla="*/ 3753370 w 3753370"/>
-                <a:gd name="connsiteY2" fmla="*/ 750674 h 1501348"/>
-                <a:gd name="connsiteX3" fmla="*/ 3002696 w 3753370"/>
-                <a:gd name="connsiteY3" fmla="*/ 1501348 h 1501348"/>
-                <a:gd name="connsiteX4" fmla="*/ 0 w 3753370"/>
-                <a:gd name="connsiteY4" fmla="*/ 1501348 h 1501348"/>
-                <a:gd name="connsiteX5" fmla="*/ 750674 w 3753370"/>
-                <a:gd name="connsiteY5" fmla="*/ 750674 h 1501348"/>
-                <a:gd name="connsiteX6" fmla="*/ 0 w 3753370"/>
-                <a:gd name="connsiteY6" fmla="*/ 0 h 1501348"/>
-              </a:gdLst>
-              <a:ahLst/>
-              <a:cxnLst>
-                <a:cxn ang="0">
-                  <a:pos x="connsiteX0" y="connsiteY0"/>
-                </a:cxn>
-                <a:cxn ang="0">
-                  <a:pos x="connsiteX1" y="connsiteY1"/>
-                </a:cxn>
-                <a:cxn ang="0">
-                  <a:pos x="connsiteX2" y="connsiteY2"/>
-                </a:cxn>
-                <a:cxn ang="0">
-                  <a:pos x="connsiteX3" y="connsiteY3"/>
-                </a:cxn>
-                <a:cxn ang="0">
-                  <a:pos x="connsiteX4" y="connsiteY4"/>
-                </a:cxn>
-                <a:cxn ang="0">
-                  <a:pos x="connsiteX5" y="connsiteY5"/>
-                </a:cxn>
-                <a:cxn ang="0">
-                  <a:pos x="connsiteX6" y="connsiteY6"/>
-                </a:cxn>
-              </a:cxnLst>
-              <a:rect l="l" t="t" r="r" b="b"/>
-              <a:pathLst>
-                <a:path w="3753370" h="1501348">
-                  <a:moveTo>
-                    <a:pt x="0" y="0"/>
-                  </a:moveTo>
-                  <a:lnTo>
-                    <a:pt x="3002696" y="0"/>
-                  </a:lnTo>
-                  <a:lnTo>
-                    <a:pt x="3753370" y="750674"/>
-                  </a:lnTo>
-                  <a:lnTo>
-                    <a:pt x="3002696" y="1501348"/>
-                  </a:lnTo>
-                  <a:lnTo>
-                    <a:pt x="0" y="1501348"/>
-                  </a:lnTo>
-                  <a:lnTo>
-                    <a:pt x="750674" y="750674"/>
-                  </a:lnTo>
-                  <a:lnTo>
-                    <a:pt x="0" y="0"/>
-                  </a:lnTo>
-                  <a:close/>
-                </a:path>
-              </a:pathLst>
-            </a:custGeom>
-            <a:grpFill/>
-          </p:spPr>
-          <p:style>
-            <a:lnRef idx="2">
-              <a:schemeClr val="lt1">
-                <a:hueOff val="0"/>
-                <a:satOff val="0"/>
-                <a:lumOff val="0"/>
-                <a:alphaOff val="0"/>
-              </a:schemeClr>
-            </a:lnRef>
-            <a:fillRef idx="1">
-              <a:scrgbClr r="0" g="0" b="0"/>
-            </a:fillRef>
-            <a:effectRef idx="0">
-              <a:schemeClr val="accent1">
-                <a:hueOff val="0"/>
-                <a:satOff val="0"/>
-                <a:lumOff val="0"/>
-                <a:alphaOff val="0"/>
-              </a:schemeClr>
-            </a:effectRef>
-            <a:fontRef idx="minor">
-              <a:schemeClr val="lt1"/>
-            </a:fontRef>
-          </p:style>
-          <p:txBody>
-            <a:bodyPr spcFirstLastPara="0" vert="horz" wrap="square" lIns="882691" tIns="44006" rIns="794680" bIns="44006" numCol="1" spcCol="1270" anchor="ctr" anchorCtr="0">
-              <a:noAutofit/>
-            </a:bodyPr>
-            <a:lstStyle/>
-            <a:p>
-              <a:pPr marL="0" lvl="0" indent="0" algn="ctr" defTabSz="1466850">
-                <a:lnSpc>
-                  <a:spcPct val="90000"/>
-                </a:lnSpc>
-                <a:spcBef>
-                  <a:spcPct val="0"/>
-                </a:spcBef>
-                <a:spcAft>
-                  <a:spcPct val="35000"/>
-                </a:spcAft>
-                <a:buNone/>
-              </a:pPr>
-              <a:r>
-                <a:rPr lang="en-US" sz="2800" dirty="0">
-                  <a:solidFill>
-                    <a:schemeClr val="tx1"/>
-                  </a:solidFill>
-                </a:rPr>
-                <a:t>Expression plots</a:t>
-              </a:r>
-              <a:br>
-                <a:rPr lang="en-US" sz="2800" kern="1200" dirty="0">
-                  <a:solidFill>
-                    <a:schemeClr val="tx1"/>
-                  </a:solidFill>
-                </a:rPr>
-              </a:br>
-              <a:r>
-                <a:rPr lang="en-US" sz="2800" kern="1200" dirty="0">
-                  <a:solidFill>
-                    <a:schemeClr val="tx1"/>
-                  </a:solidFill>
-                </a:rPr>
-                <a:t>(Sample QC)</a:t>
-              </a:r>
-            </a:p>
-          </p:txBody>
-        </p:sp>
-        <p:sp>
-          <p:nvSpPr>
-            <p:cNvPr id="49" name="Freeform 48">
-              <a:extLst>
-                <a:ext uri="{FF2B5EF4-FFF2-40B4-BE49-F238E27FC236}">
-                  <a16:creationId xmlns:a16="http://schemas.microsoft.com/office/drawing/2014/main" id="{76C53BEA-0EB7-C74D-B8B9-CE042ECDD5A6}"/>
-                </a:ext>
-              </a:extLst>
-            </p:cNvPr>
-            <p:cNvSpPr/>
-            <p:nvPr/>
-          </p:nvSpPr>
-          <p:spPr>
-            <a:xfrm>
-              <a:off x="5886450" y="3556364"/>
-              <a:ext cx="5356267" cy="1080000"/>
-            </a:xfrm>
-            <a:custGeom>
-              <a:avLst/>
-              <a:gdLst>
-                <a:gd name="connsiteX0" fmla="*/ 0 w 3753370"/>
-                <a:gd name="connsiteY0" fmla="*/ 0 h 1501348"/>
-                <a:gd name="connsiteX1" fmla="*/ 3002696 w 3753370"/>
-                <a:gd name="connsiteY1" fmla="*/ 0 h 1501348"/>
-                <a:gd name="connsiteX2" fmla="*/ 3753370 w 3753370"/>
-                <a:gd name="connsiteY2" fmla="*/ 750674 h 1501348"/>
-                <a:gd name="connsiteX3" fmla="*/ 3002696 w 3753370"/>
-                <a:gd name="connsiteY3" fmla="*/ 1501348 h 1501348"/>
-                <a:gd name="connsiteX4" fmla="*/ 0 w 3753370"/>
-                <a:gd name="connsiteY4" fmla="*/ 1501348 h 1501348"/>
-                <a:gd name="connsiteX5" fmla="*/ 750674 w 3753370"/>
-                <a:gd name="connsiteY5" fmla="*/ 750674 h 1501348"/>
-                <a:gd name="connsiteX6" fmla="*/ 0 w 3753370"/>
-                <a:gd name="connsiteY6" fmla="*/ 0 h 1501348"/>
-              </a:gdLst>
-              <a:ahLst/>
-              <a:cxnLst>
-                <a:cxn ang="0">
-                  <a:pos x="connsiteX0" y="connsiteY0"/>
-                </a:cxn>
-                <a:cxn ang="0">
-                  <a:pos x="connsiteX1" y="connsiteY1"/>
-                </a:cxn>
-                <a:cxn ang="0">
-                  <a:pos x="connsiteX2" y="connsiteY2"/>
-                </a:cxn>
-                <a:cxn ang="0">
-                  <a:pos x="connsiteX3" y="connsiteY3"/>
-                </a:cxn>
-                <a:cxn ang="0">
-                  <a:pos x="connsiteX4" y="connsiteY4"/>
-                </a:cxn>
-                <a:cxn ang="0">
-                  <a:pos x="connsiteX5" y="connsiteY5"/>
-                </a:cxn>
-                <a:cxn ang="0">
-                  <a:pos x="connsiteX6" y="connsiteY6"/>
-                </a:cxn>
-              </a:cxnLst>
-              <a:rect l="l" t="t" r="r" b="b"/>
-              <a:pathLst>
-                <a:path w="3753370" h="1501348">
-                  <a:moveTo>
-                    <a:pt x="0" y="0"/>
-                  </a:moveTo>
-                  <a:lnTo>
-                    <a:pt x="3002696" y="0"/>
-                  </a:lnTo>
-                  <a:lnTo>
-                    <a:pt x="3753370" y="750674"/>
-                  </a:lnTo>
-                  <a:lnTo>
-                    <a:pt x="3002696" y="1501348"/>
-                  </a:lnTo>
-                  <a:lnTo>
-                    <a:pt x="0" y="1501348"/>
-                  </a:lnTo>
-                  <a:lnTo>
-                    <a:pt x="750674" y="750674"/>
-                  </a:lnTo>
-                  <a:lnTo>
-                    <a:pt x="0" y="0"/>
-                  </a:lnTo>
-                  <a:close/>
-                </a:path>
-              </a:pathLst>
-            </a:custGeom>
-            <a:grpFill/>
-          </p:spPr>
-          <p:style>
-            <a:lnRef idx="2">
-              <a:schemeClr val="lt1">
-                <a:hueOff val="0"/>
-                <a:satOff val="0"/>
-                <a:lumOff val="0"/>
-                <a:alphaOff val="0"/>
-              </a:schemeClr>
-            </a:lnRef>
-            <a:fillRef idx="1">
-              <a:scrgbClr r="0" g="0" b="0"/>
-            </a:fillRef>
-            <a:effectRef idx="0">
-              <a:schemeClr val="accent1">
-                <a:hueOff val="0"/>
-                <a:satOff val="0"/>
-                <a:lumOff val="0"/>
-                <a:alphaOff val="0"/>
-              </a:schemeClr>
-            </a:effectRef>
-            <a:fontRef idx="minor">
-              <a:schemeClr val="lt1"/>
-            </a:fontRef>
-          </p:style>
-          <p:txBody>
-            <a:bodyPr spcFirstLastPara="0" vert="horz" wrap="square" lIns="882691" tIns="44006" rIns="794680" bIns="44006" numCol="1" spcCol="1270" anchor="ctr" anchorCtr="0">
-              <a:noAutofit/>
-            </a:bodyPr>
-            <a:lstStyle/>
-            <a:p>
-              <a:pPr marL="0" lvl="0" indent="0" algn="ctr" defTabSz="1466850">
-                <a:lnSpc>
-                  <a:spcPct val="90000"/>
-                </a:lnSpc>
-                <a:spcBef>
-                  <a:spcPct val="0"/>
-                </a:spcBef>
-                <a:spcAft>
-                  <a:spcPct val="35000"/>
-                </a:spcAft>
-                <a:buNone/>
-              </a:pPr>
-              <a:r>
-                <a:rPr lang="en-US" sz="3300" dirty="0">
-                  <a:solidFill>
-                    <a:schemeClr val="tx1"/>
-                  </a:solidFill>
-                </a:rPr>
-                <a:t>Differential Expression</a:t>
-              </a:r>
-              <a:endParaRPr lang="en-US" sz="3300" kern="1200" dirty="0">
-                <a:solidFill>
-                  <a:schemeClr val="tx1"/>
-                </a:solidFill>
-              </a:endParaRPr>
-            </a:p>
-          </p:txBody>
-        </p:sp>
+                </a:endParaRPr>
+              </a:p>
+            </p:txBody>
+          </p:sp>
+        </p:grpSp>
       </p:grpSp>
     </p:spTree>
     <p:extLst>
@@ -12177,10 +12219,10 @@
       </p:grpSpPr>
       <p:grpSp>
         <p:nvGrpSpPr>
-          <p:cNvPr id="3" name="Group 2">
+          <p:cNvPr id="4" name="Group 3">
             <a:extLst>
               <a:ext uri="{FF2B5EF4-FFF2-40B4-BE49-F238E27FC236}">
-                <a16:creationId xmlns:a16="http://schemas.microsoft.com/office/drawing/2014/main" id="{0D39C650-2467-F340-83A9-297940213D4E}"/>
+                <a16:creationId xmlns:a16="http://schemas.microsoft.com/office/drawing/2014/main" id="{DD2E51B3-0568-6347-B739-CA88F1C4896B}"/>
               </a:ext>
             </a:extLst>
           </p:cNvPr>
@@ -12190,1037 +12232,1058 @@
         <p:grpSpPr>
           <a:xfrm>
             <a:off x="841280" y="3042264"/>
-            <a:ext cx="10401437" cy="1080000"/>
-            <a:chOff x="841280" y="3556364"/>
-            <a:chExt cx="10401437" cy="1080000"/>
+            <a:ext cx="10401437" cy="3596994"/>
+            <a:chOff x="841280" y="3042264"/>
+            <a:chExt cx="10401437" cy="3596994"/>
           </a:xfrm>
-          <a:noFill/>
         </p:grpSpPr>
-        <p:sp>
-          <p:nvSpPr>
-            <p:cNvPr id="13" name="Freeform 12">
+        <p:grpSp>
+          <p:nvGrpSpPr>
+            <p:cNvPr id="3" name="Group 2">
               <a:extLst>
                 <a:ext uri="{FF2B5EF4-FFF2-40B4-BE49-F238E27FC236}">
-                  <a16:creationId xmlns:a16="http://schemas.microsoft.com/office/drawing/2014/main" id="{F4FFBE40-3D21-194E-9668-E4F31DDC86BD}"/>
+                  <a16:creationId xmlns:a16="http://schemas.microsoft.com/office/drawing/2014/main" id="{0D39C650-2467-F340-83A9-297940213D4E}"/>
                 </a:ext>
               </a:extLst>
             </p:cNvPr>
-            <p:cNvSpPr/>
+            <p:cNvGrpSpPr/>
             <p:nvPr/>
-          </p:nvSpPr>
-          <p:spPr>
+          </p:nvGrpSpPr>
+          <p:grpSpPr>
             <a:xfrm>
-              <a:off x="841280" y="3556364"/>
-              <a:ext cx="5730970" cy="1080000"/>
+              <a:off x="841280" y="3042264"/>
+              <a:ext cx="10401437" cy="1080000"/>
+              <a:chOff x="841280" y="3556364"/>
+              <a:chExt cx="10401437" cy="1080000"/>
             </a:xfrm>
-            <a:custGeom>
-              <a:avLst/>
-              <a:gdLst>
-                <a:gd name="connsiteX0" fmla="*/ 0 w 3753370"/>
-                <a:gd name="connsiteY0" fmla="*/ 0 h 1501348"/>
-                <a:gd name="connsiteX1" fmla="*/ 3002696 w 3753370"/>
-                <a:gd name="connsiteY1" fmla="*/ 0 h 1501348"/>
-                <a:gd name="connsiteX2" fmla="*/ 3753370 w 3753370"/>
-                <a:gd name="connsiteY2" fmla="*/ 750674 h 1501348"/>
-                <a:gd name="connsiteX3" fmla="*/ 3002696 w 3753370"/>
-                <a:gd name="connsiteY3" fmla="*/ 1501348 h 1501348"/>
-                <a:gd name="connsiteX4" fmla="*/ 0 w 3753370"/>
-                <a:gd name="connsiteY4" fmla="*/ 1501348 h 1501348"/>
-                <a:gd name="connsiteX5" fmla="*/ 750674 w 3753370"/>
-                <a:gd name="connsiteY5" fmla="*/ 750674 h 1501348"/>
-                <a:gd name="connsiteX6" fmla="*/ 0 w 3753370"/>
-                <a:gd name="connsiteY6" fmla="*/ 0 h 1501348"/>
-              </a:gdLst>
-              <a:ahLst/>
-              <a:cxnLst>
-                <a:cxn ang="0">
-                  <a:pos x="connsiteX0" y="connsiteY0"/>
-                </a:cxn>
-                <a:cxn ang="0">
-                  <a:pos x="connsiteX1" y="connsiteY1"/>
-                </a:cxn>
-                <a:cxn ang="0">
-                  <a:pos x="connsiteX2" y="connsiteY2"/>
-                </a:cxn>
-                <a:cxn ang="0">
-                  <a:pos x="connsiteX3" y="connsiteY3"/>
-                </a:cxn>
-                <a:cxn ang="0">
-                  <a:pos x="connsiteX4" y="connsiteY4"/>
-                </a:cxn>
-                <a:cxn ang="0">
-                  <a:pos x="connsiteX5" y="connsiteY5"/>
-                </a:cxn>
-                <a:cxn ang="0">
-                  <a:pos x="connsiteX6" y="connsiteY6"/>
-                </a:cxn>
-              </a:cxnLst>
-              <a:rect l="l" t="t" r="r" b="b"/>
-              <a:pathLst>
-                <a:path w="3753370" h="1501348">
-                  <a:moveTo>
-                    <a:pt x="0" y="0"/>
-                  </a:moveTo>
-                  <a:lnTo>
-                    <a:pt x="3002696" y="0"/>
-                  </a:lnTo>
-                  <a:lnTo>
-                    <a:pt x="3753370" y="750674"/>
-                  </a:lnTo>
-                  <a:lnTo>
-                    <a:pt x="3002696" y="1501348"/>
-                  </a:lnTo>
-                  <a:lnTo>
-                    <a:pt x="0" y="1501348"/>
-                  </a:lnTo>
-                  <a:lnTo>
-                    <a:pt x="750674" y="750674"/>
-                  </a:lnTo>
-                  <a:lnTo>
-                    <a:pt x="0" y="0"/>
-                  </a:lnTo>
-                  <a:close/>
-                </a:path>
-              </a:pathLst>
-            </a:custGeom>
+            <a:noFill/>
+          </p:grpSpPr>
+          <p:sp>
+            <p:nvSpPr>
+              <p:cNvPr id="13" name="Freeform 12">
+                <a:extLst>
+                  <a:ext uri="{FF2B5EF4-FFF2-40B4-BE49-F238E27FC236}">
+                    <a16:creationId xmlns:a16="http://schemas.microsoft.com/office/drawing/2014/main" id="{F4FFBE40-3D21-194E-9668-E4F31DDC86BD}"/>
+                  </a:ext>
+                </a:extLst>
+              </p:cNvPr>
+              <p:cNvSpPr/>
+              <p:nvPr/>
+            </p:nvSpPr>
+            <p:spPr>
+              <a:xfrm>
+                <a:off x="841280" y="3556364"/>
+                <a:ext cx="5730970" cy="1080000"/>
+              </a:xfrm>
+              <a:custGeom>
+                <a:avLst/>
+                <a:gdLst>
+                  <a:gd name="connsiteX0" fmla="*/ 0 w 3753370"/>
+                  <a:gd name="connsiteY0" fmla="*/ 0 h 1501348"/>
+                  <a:gd name="connsiteX1" fmla="*/ 3002696 w 3753370"/>
+                  <a:gd name="connsiteY1" fmla="*/ 0 h 1501348"/>
+                  <a:gd name="connsiteX2" fmla="*/ 3753370 w 3753370"/>
+                  <a:gd name="connsiteY2" fmla="*/ 750674 h 1501348"/>
+                  <a:gd name="connsiteX3" fmla="*/ 3002696 w 3753370"/>
+                  <a:gd name="connsiteY3" fmla="*/ 1501348 h 1501348"/>
+                  <a:gd name="connsiteX4" fmla="*/ 0 w 3753370"/>
+                  <a:gd name="connsiteY4" fmla="*/ 1501348 h 1501348"/>
+                  <a:gd name="connsiteX5" fmla="*/ 750674 w 3753370"/>
+                  <a:gd name="connsiteY5" fmla="*/ 750674 h 1501348"/>
+                  <a:gd name="connsiteX6" fmla="*/ 0 w 3753370"/>
+                  <a:gd name="connsiteY6" fmla="*/ 0 h 1501348"/>
+                </a:gdLst>
+                <a:ahLst/>
+                <a:cxnLst>
+                  <a:cxn ang="0">
+                    <a:pos x="connsiteX0" y="connsiteY0"/>
+                  </a:cxn>
+                  <a:cxn ang="0">
+                    <a:pos x="connsiteX1" y="connsiteY1"/>
+                  </a:cxn>
+                  <a:cxn ang="0">
+                    <a:pos x="connsiteX2" y="connsiteY2"/>
+                  </a:cxn>
+                  <a:cxn ang="0">
+                    <a:pos x="connsiteX3" y="connsiteY3"/>
+                  </a:cxn>
+                  <a:cxn ang="0">
+                    <a:pos x="connsiteX4" y="connsiteY4"/>
+                  </a:cxn>
+                  <a:cxn ang="0">
+                    <a:pos x="connsiteX5" y="connsiteY5"/>
+                  </a:cxn>
+                  <a:cxn ang="0">
+                    <a:pos x="connsiteX6" y="connsiteY6"/>
+                  </a:cxn>
+                </a:cxnLst>
+                <a:rect l="l" t="t" r="r" b="b"/>
+                <a:pathLst>
+                  <a:path w="3753370" h="1501348">
+                    <a:moveTo>
+                      <a:pt x="0" y="0"/>
+                    </a:moveTo>
+                    <a:lnTo>
+                      <a:pt x="3002696" y="0"/>
+                    </a:lnTo>
+                    <a:lnTo>
+                      <a:pt x="3753370" y="750674"/>
+                    </a:lnTo>
+                    <a:lnTo>
+                      <a:pt x="3002696" y="1501348"/>
+                    </a:lnTo>
+                    <a:lnTo>
+                      <a:pt x="0" y="1501348"/>
+                    </a:lnTo>
+                    <a:lnTo>
+                      <a:pt x="750674" y="750674"/>
+                    </a:lnTo>
+                    <a:lnTo>
+                      <a:pt x="0" y="0"/>
+                    </a:lnTo>
+                    <a:close/>
+                  </a:path>
+                </a:pathLst>
+              </a:custGeom>
+              <a:solidFill>
+                <a:srgbClr val="9FD3BD"/>
+              </a:solidFill>
+            </p:spPr>
+            <p:style>
+              <a:lnRef idx="2">
+                <a:schemeClr val="lt1">
+                  <a:hueOff val="0"/>
+                  <a:satOff val="0"/>
+                  <a:lumOff val="0"/>
+                  <a:alphaOff val="0"/>
+                </a:schemeClr>
+              </a:lnRef>
+              <a:fillRef idx="1">
+                <a:scrgbClr r="0" g="0" b="0"/>
+              </a:fillRef>
+              <a:effectRef idx="0">
+                <a:schemeClr val="accent1">
+                  <a:hueOff val="0"/>
+                  <a:satOff val="0"/>
+                  <a:lumOff val="0"/>
+                  <a:alphaOff val="0"/>
+                </a:schemeClr>
+              </a:effectRef>
+              <a:fontRef idx="minor">
+                <a:schemeClr val="lt1"/>
+              </a:fontRef>
+            </p:style>
+            <p:txBody>
+              <a:bodyPr spcFirstLastPara="0" vert="horz" wrap="square" lIns="882691" tIns="44006" rIns="794680" bIns="44006" numCol="1" spcCol="1270" anchor="ctr" anchorCtr="0">
+                <a:noAutofit/>
+              </a:bodyPr>
+              <a:lstStyle/>
+              <a:p>
+                <a:pPr marL="0" lvl="0" indent="0" algn="ctr" defTabSz="1466850">
+                  <a:lnSpc>
+                    <a:spcPct val="90000"/>
+                  </a:lnSpc>
+                  <a:spcBef>
+                    <a:spcPct val="0"/>
+                  </a:spcBef>
+                  <a:spcAft>
+                    <a:spcPct val="35000"/>
+                  </a:spcAft>
+                  <a:buNone/>
+                </a:pPr>
+                <a:r>
+                  <a:rPr lang="en-US" sz="2800" dirty="0">
+                    <a:solidFill>
+                      <a:schemeClr val="tx1"/>
+                    </a:solidFill>
+                  </a:rPr>
+                  <a:t>S</a:t>
+                </a:r>
+                <a:r>
+                  <a:rPr lang="en-US" sz="2800" kern="1200" dirty="0">
+                    <a:solidFill>
+                      <a:schemeClr val="tx1"/>
+                    </a:solidFill>
+                  </a:rPr>
+                  <a:t>equence QC</a:t>
+                </a:r>
+                <a:br>
+                  <a:rPr lang="en-US" sz="2800" kern="1200" dirty="0">
+                    <a:solidFill>
+                      <a:schemeClr val="tx1"/>
+                    </a:solidFill>
+                  </a:rPr>
+                </a:br>
+                <a:r>
+                  <a:rPr lang="en-US" sz="2800" kern="1200" dirty="0">
+                    <a:solidFill>
+                      <a:schemeClr val="tx1"/>
+                    </a:solidFill>
+                  </a:rPr>
+                  <a:t>(FASTQs)</a:t>
+                </a:r>
+              </a:p>
+            </p:txBody>
+          </p:sp>
+          <p:sp>
+            <p:nvSpPr>
+              <p:cNvPr id="14" name="Freeform 13">
+                <a:extLst>
+                  <a:ext uri="{FF2B5EF4-FFF2-40B4-BE49-F238E27FC236}">
+                    <a16:creationId xmlns:a16="http://schemas.microsoft.com/office/drawing/2014/main" id="{54A58763-7619-6248-8BEA-F8C01A2559C0}"/>
+                  </a:ext>
+                </a:extLst>
+              </p:cNvPr>
+              <p:cNvSpPr/>
+              <p:nvPr/>
+            </p:nvSpPr>
+            <p:spPr>
+              <a:xfrm>
+                <a:off x="5886450" y="3556364"/>
+                <a:ext cx="5356267" cy="1080000"/>
+              </a:xfrm>
+              <a:custGeom>
+                <a:avLst/>
+                <a:gdLst>
+                  <a:gd name="connsiteX0" fmla="*/ 0 w 3753370"/>
+                  <a:gd name="connsiteY0" fmla="*/ 0 h 1501348"/>
+                  <a:gd name="connsiteX1" fmla="*/ 3002696 w 3753370"/>
+                  <a:gd name="connsiteY1" fmla="*/ 0 h 1501348"/>
+                  <a:gd name="connsiteX2" fmla="*/ 3753370 w 3753370"/>
+                  <a:gd name="connsiteY2" fmla="*/ 750674 h 1501348"/>
+                  <a:gd name="connsiteX3" fmla="*/ 3002696 w 3753370"/>
+                  <a:gd name="connsiteY3" fmla="*/ 1501348 h 1501348"/>
+                  <a:gd name="connsiteX4" fmla="*/ 0 w 3753370"/>
+                  <a:gd name="connsiteY4" fmla="*/ 1501348 h 1501348"/>
+                  <a:gd name="connsiteX5" fmla="*/ 750674 w 3753370"/>
+                  <a:gd name="connsiteY5" fmla="*/ 750674 h 1501348"/>
+                  <a:gd name="connsiteX6" fmla="*/ 0 w 3753370"/>
+                  <a:gd name="connsiteY6" fmla="*/ 0 h 1501348"/>
+                </a:gdLst>
+                <a:ahLst/>
+                <a:cxnLst>
+                  <a:cxn ang="0">
+                    <a:pos x="connsiteX0" y="connsiteY0"/>
+                  </a:cxn>
+                  <a:cxn ang="0">
+                    <a:pos x="connsiteX1" y="connsiteY1"/>
+                  </a:cxn>
+                  <a:cxn ang="0">
+                    <a:pos x="connsiteX2" y="connsiteY2"/>
+                  </a:cxn>
+                  <a:cxn ang="0">
+                    <a:pos x="connsiteX3" y="connsiteY3"/>
+                  </a:cxn>
+                  <a:cxn ang="0">
+                    <a:pos x="connsiteX4" y="connsiteY4"/>
+                  </a:cxn>
+                  <a:cxn ang="0">
+                    <a:pos x="connsiteX5" y="connsiteY5"/>
+                  </a:cxn>
+                  <a:cxn ang="0">
+                    <a:pos x="connsiteX6" y="connsiteY6"/>
+                  </a:cxn>
+                </a:cxnLst>
+                <a:rect l="l" t="t" r="r" b="b"/>
+                <a:pathLst>
+                  <a:path w="3753370" h="1501348">
+                    <a:moveTo>
+                      <a:pt x="0" y="0"/>
+                    </a:moveTo>
+                    <a:lnTo>
+                      <a:pt x="3002696" y="0"/>
+                    </a:lnTo>
+                    <a:lnTo>
+                      <a:pt x="3753370" y="750674"/>
+                    </a:lnTo>
+                    <a:lnTo>
+                      <a:pt x="3002696" y="1501348"/>
+                    </a:lnTo>
+                    <a:lnTo>
+                      <a:pt x="0" y="1501348"/>
+                    </a:lnTo>
+                    <a:lnTo>
+                      <a:pt x="750674" y="750674"/>
+                    </a:lnTo>
+                    <a:lnTo>
+                      <a:pt x="0" y="0"/>
+                    </a:lnTo>
+                    <a:close/>
+                  </a:path>
+                </a:pathLst>
+              </a:custGeom>
+              <a:solidFill>
+                <a:srgbClr val="9FD3BD"/>
+              </a:solidFill>
+            </p:spPr>
+            <p:style>
+              <a:lnRef idx="2">
+                <a:schemeClr val="lt1">
+                  <a:hueOff val="0"/>
+                  <a:satOff val="0"/>
+                  <a:lumOff val="0"/>
+                  <a:alphaOff val="0"/>
+                </a:schemeClr>
+              </a:lnRef>
+              <a:fillRef idx="1">
+                <a:scrgbClr r="0" g="0" b="0"/>
+              </a:fillRef>
+              <a:effectRef idx="0">
+                <a:schemeClr val="accent1">
+                  <a:hueOff val="0"/>
+                  <a:satOff val="0"/>
+                  <a:lumOff val="0"/>
+                  <a:alphaOff val="0"/>
+                </a:schemeClr>
+              </a:effectRef>
+              <a:fontRef idx="minor">
+                <a:schemeClr val="lt1"/>
+              </a:fontRef>
+            </p:style>
+            <p:txBody>
+              <a:bodyPr spcFirstLastPara="0" vert="horz" wrap="square" lIns="882691" tIns="44006" rIns="794680" bIns="44006" numCol="1" spcCol="1270" anchor="ctr" anchorCtr="0">
+                <a:noAutofit/>
+              </a:bodyPr>
+              <a:lstStyle/>
+              <a:p>
+                <a:pPr marL="0" lvl="0" indent="0" algn="ctr" defTabSz="1466850">
+                  <a:lnSpc>
+                    <a:spcPct val="90000"/>
+                  </a:lnSpc>
+                  <a:spcBef>
+                    <a:spcPct val="0"/>
+                  </a:spcBef>
+                  <a:spcAft>
+                    <a:spcPct val="35000"/>
+                  </a:spcAft>
+                  <a:buNone/>
+                </a:pPr>
+                <a:r>
+                  <a:rPr lang="en-US" sz="3300" dirty="0">
+                    <a:solidFill>
+                      <a:schemeClr val="tx1"/>
+                    </a:solidFill>
+                  </a:rPr>
+                  <a:t>A</a:t>
+                </a:r>
+                <a:r>
+                  <a:rPr lang="en-US" sz="3300" kern="1200" dirty="0">
+                    <a:solidFill>
+                      <a:schemeClr val="tx1"/>
+                    </a:solidFill>
+                  </a:rPr>
+                  <a:t>lignment</a:t>
+                </a:r>
+              </a:p>
+              <a:p>
+                <a:pPr marL="0" lvl="0" indent="0" algn="ctr" defTabSz="1466850">
+                  <a:lnSpc>
+                    <a:spcPct val="90000"/>
+                  </a:lnSpc>
+                  <a:spcBef>
+                    <a:spcPct val="0"/>
+                  </a:spcBef>
+                  <a:spcAft>
+                    <a:spcPct val="35000"/>
+                  </a:spcAft>
+                  <a:buNone/>
+                </a:pPr>
+                <a:r>
+                  <a:rPr lang="en-US" sz="3300" kern="1200" dirty="0">
+                    <a:solidFill>
+                      <a:schemeClr val="tx1"/>
+                    </a:solidFill>
+                  </a:rPr>
+                  <a:t>(BAMs)</a:t>
+                </a:r>
+              </a:p>
+            </p:txBody>
+          </p:sp>
+        </p:grpSp>
+        <p:grpSp>
+          <p:nvGrpSpPr>
+            <p:cNvPr id="41" name="Group 40">
+              <a:extLst>
+                <a:ext uri="{FF2B5EF4-FFF2-40B4-BE49-F238E27FC236}">
+                  <a16:creationId xmlns:a16="http://schemas.microsoft.com/office/drawing/2014/main" id="{2B14A426-7637-D04B-A331-8AD50814DCF5}"/>
+                </a:ext>
+              </a:extLst>
+            </p:cNvPr>
+            <p:cNvGrpSpPr/>
+            <p:nvPr/>
+          </p:nvGrpSpPr>
+          <p:grpSpPr>
+            <a:xfrm>
+              <a:off x="841280" y="4302067"/>
+              <a:ext cx="10401437" cy="1080000"/>
+              <a:chOff x="841280" y="3556364"/>
+              <a:chExt cx="10401437" cy="1080000"/>
+            </a:xfrm>
             <a:solidFill>
-              <a:srgbClr val="9FD3BD"/>
+              <a:srgbClr val="D8D9D8"/>
             </a:solidFill>
-          </p:spPr>
-          <p:style>
-            <a:lnRef idx="2">
-              <a:schemeClr val="lt1">
-                <a:hueOff val="0"/>
-                <a:satOff val="0"/>
-                <a:lumOff val="0"/>
-                <a:alphaOff val="0"/>
-              </a:schemeClr>
-            </a:lnRef>
-            <a:fillRef idx="1">
-              <a:scrgbClr r="0" g="0" b="0"/>
-            </a:fillRef>
-            <a:effectRef idx="0">
-              <a:schemeClr val="accent1">
-                <a:hueOff val="0"/>
-                <a:satOff val="0"/>
-                <a:lumOff val="0"/>
-                <a:alphaOff val="0"/>
-              </a:schemeClr>
-            </a:effectRef>
-            <a:fontRef idx="minor">
-              <a:schemeClr val="lt1"/>
-            </a:fontRef>
-          </p:style>
-          <p:txBody>
-            <a:bodyPr spcFirstLastPara="0" vert="horz" wrap="square" lIns="882691" tIns="44006" rIns="794680" bIns="44006" numCol="1" spcCol="1270" anchor="ctr" anchorCtr="0">
-              <a:noAutofit/>
-            </a:bodyPr>
-            <a:lstStyle/>
-            <a:p>
-              <a:pPr marL="0" lvl="0" indent="0" algn="ctr" defTabSz="1466850">
-                <a:lnSpc>
-                  <a:spcPct val="90000"/>
-                </a:lnSpc>
-                <a:spcBef>
-                  <a:spcPct val="0"/>
-                </a:spcBef>
-                <a:spcAft>
-                  <a:spcPct val="35000"/>
-                </a:spcAft>
-                <a:buNone/>
-              </a:pPr>
-              <a:r>
-                <a:rPr lang="en-US" sz="2800" dirty="0">
+          </p:grpSpPr>
+          <p:sp>
+            <p:nvSpPr>
+              <p:cNvPr id="43" name="Freeform 42">
+                <a:extLst>
+                  <a:ext uri="{FF2B5EF4-FFF2-40B4-BE49-F238E27FC236}">
+                    <a16:creationId xmlns:a16="http://schemas.microsoft.com/office/drawing/2014/main" id="{481F339D-286E-9442-9F1B-61FC78476EEE}"/>
+                  </a:ext>
+                </a:extLst>
+              </p:cNvPr>
+              <p:cNvSpPr/>
+              <p:nvPr/>
+            </p:nvSpPr>
+            <p:spPr>
+              <a:xfrm>
+                <a:off x="841280" y="3556364"/>
+                <a:ext cx="5730970" cy="1080000"/>
+              </a:xfrm>
+              <a:custGeom>
+                <a:avLst/>
+                <a:gdLst>
+                  <a:gd name="connsiteX0" fmla="*/ 0 w 3753370"/>
+                  <a:gd name="connsiteY0" fmla="*/ 0 h 1501348"/>
+                  <a:gd name="connsiteX1" fmla="*/ 3002696 w 3753370"/>
+                  <a:gd name="connsiteY1" fmla="*/ 0 h 1501348"/>
+                  <a:gd name="connsiteX2" fmla="*/ 3753370 w 3753370"/>
+                  <a:gd name="connsiteY2" fmla="*/ 750674 h 1501348"/>
+                  <a:gd name="connsiteX3" fmla="*/ 3002696 w 3753370"/>
+                  <a:gd name="connsiteY3" fmla="*/ 1501348 h 1501348"/>
+                  <a:gd name="connsiteX4" fmla="*/ 0 w 3753370"/>
+                  <a:gd name="connsiteY4" fmla="*/ 1501348 h 1501348"/>
+                  <a:gd name="connsiteX5" fmla="*/ 750674 w 3753370"/>
+                  <a:gd name="connsiteY5" fmla="*/ 750674 h 1501348"/>
+                  <a:gd name="connsiteX6" fmla="*/ 0 w 3753370"/>
+                  <a:gd name="connsiteY6" fmla="*/ 0 h 1501348"/>
+                </a:gdLst>
+                <a:ahLst/>
+                <a:cxnLst>
+                  <a:cxn ang="0">
+                    <a:pos x="connsiteX0" y="connsiteY0"/>
+                  </a:cxn>
+                  <a:cxn ang="0">
+                    <a:pos x="connsiteX1" y="connsiteY1"/>
+                  </a:cxn>
+                  <a:cxn ang="0">
+                    <a:pos x="connsiteX2" y="connsiteY2"/>
+                  </a:cxn>
+                  <a:cxn ang="0">
+                    <a:pos x="connsiteX3" y="connsiteY3"/>
+                  </a:cxn>
+                  <a:cxn ang="0">
+                    <a:pos x="connsiteX4" y="connsiteY4"/>
+                  </a:cxn>
+                  <a:cxn ang="0">
+                    <a:pos x="connsiteX5" y="connsiteY5"/>
+                  </a:cxn>
+                  <a:cxn ang="0">
+                    <a:pos x="connsiteX6" y="connsiteY6"/>
+                  </a:cxn>
+                </a:cxnLst>
+                <a:rect l="l" t="t" r="r" b="b"/>
+                <a:pathLst>
+                  <a:path w="3753370" h="1501348">
+                    <a:moveTo>
+                      <a:pt x="0" y="0"/>
+                    </a:moveTo>
+                    <a:lnTo>
+                      <a:pt x="3002696" y="0"/>
+                    </a:lnTo>
+                    <a:lnTo>
+                      <a:pt x="3753370" y="750674"/>
+                    </a:lnTo>
+                    <a:lnTo>
+                      <a:pt x="3002696" y="1501348"/>
+                    </a:lnTo>
+                    <a:lnTo>
+                      <a:pt x="0" y="1501348"/>
+                    </a:lnTo>
+                    <a:lnTo>
+                      <a:pt x="750674" y="750674"/>
+                    </a:lnTo>
+                    <a:lnTo>
+                      <a:pt x="0" y="0"/>
+                    </a:lnTo>
+                    <a:close/>
+                  </a:path>
+                </a:pathLst>
+              </a:custGeom>
+              <a:solidFill>
+                <a:srgbClr val="9FD3BD"/>
+              </a:solidFill>
+            </p:spPr>
+            <p:style>
+              <a:lnRef idx="2">
+                <a:schemeClr val="lt1">
+                  <a:hueOff val="0"/>
+                  <a:satOff val="0"/>
+                  <a:lumOff val="0"/>
+                  <a:alphaOff val="0"/>
+                </a:schemeClr>
+              </a:lnRef>
+              <a:fillRef idx="1">
+                <a:scrgbClr r="0" g="0" b="0"/>
+              </a:fillRef>
+              <a:effectRef idx="0">
+                <a:schemeClr val="accent1">
+                  <a:hueOff val="0"/>
+                  <a:satOff val="0"/>
+                  <a:lumOff val="0"/>
+                  <a:alphaOff val="0"/>
+                </a:schemeClr>
+              </a:effectRef>
+              <a:fontRef idx="minor">
+                <a:schemeClr val="lt1"/>
+              </a:fontRef>
+            </p:style>
+            <p:txBody>
+              <a:bodyPr spcFirstLastPara="0" vert="horz" wrap="square" lIns="882691" tIns="44006" rIns="794680" bIns="44006" numCol="1" spcCol="1270" anchor="ctr" anchorCtr="0">
+                <a:noAutofit/>
+              </a:bodyPr>
+              <a:lstStyle/>
+              <a:p>
+                <a:pPr marL="0" lvl="0" indent="0" algn="ctr" defTabSz="1466850">
+                  <a:lnSpc>
+                    <a:spcPct val="90000"/>
+                  </a:lnSpc>
+                  <a:spcBef>
+                    <a:spcPct val="0"/>
+                  </a:spcBef>
+                  <a:spcAft>
+                    <a:spcPct val="35000"/>
+                  </a:spcAft>
+                  <a:buNone/>
+                </a:pPr>
+                <a:r>
+                  <a:rPr lang="en-US" sz="2800" dirty="0">
+                    <a:solidFill>
+                      <a:schemeClr val="tx1"/>
+                    </a:solidFill>
+                  </a:rPr>
+                  <a:t>Quantification</a:t>
+                </a:r>
+              </a:p>
+              <a:p>
+                <a:pPr marL="0" lvl="0" indent="0" algn="ctr" defTabSz="1466850">
+                  <a:lnSpc>
+                    <a:spcPct val="90000"/>
+                  </a:lnSpc>
+                  <a:spcBef>
+                    <a:spcPct val="0"/>
+                  </a:spcBef>
+                  <a:spcAft>
+                    <a:spcPct val="35000"/>
+                  </a:spcAft>
+                  <a:buNone/>
+                </a:pPr>
+                <a:r>
+                  <a:rPr lang="en-US" sz="2800" kern="1200" dirty="0">
+                    <a:solidFill>
+                      <a:schemeClr val="tx1"/>
+                    </a:solidFill>
+                  </a:rPr>
+                  <a:t>(count matrix)</a:t>
+                </a:r>
+              </a:p>
+            </p:txBody>
+          </p:sp>
+          <p:sp>
+            <p:nvSpPr>
+              <p:cNvPr id="44" name="Freeform 43">
+                <a:extLst>
+                  <a:ext uri="{FF2B5EF4-FFF2-40B4-BE49-F238E27FC236}">
+                    <a16:creationId xmlns:a16="http://schemas.microsoft.com/office/drawing/2014/main" id="{4B39E34C-8DEA-524B-A8DD-FEBA948606FD}"/>
+                  </a:ext>
+                </a:extLst>
+              </p:cNvPr>
+              <p:cNvSpPr/>
+              <p:nvPr/>
+            </p:nvSpPr>
+            <p:spPr>
+              <a:xfrm>
+                <a:off x="5886450" y="3556364"/>
+                <a:ext cx="5356267" cy="1080000"/>
+              </a:xfrm>
+              <a:custGeom>
+                <a:avLst/>
+                <a:gdLst>
+                  <a:gd name="connsiteX0" fmla="*/ 0 w 3753370"/>
+                  <a:gd name="connsiteY0" fmla="*/ 0 h 1501348"/>
+                  <a:gd name="connsiteX1" fmla="*/ 3002696 w 3753370"/>
+                  <a:gd name="connsiteY1" fmla="*/ 0 h 1501348"/>
+                  <a:gd name="connsiteX2" fmla="*/ 3753370 w 3753370"/>
+                  <a:gd name="connsiteY2" fmla="*/ 750674 h 1501348"/>
+                  <a:gd name="connsiteX3" fmla="*/ 3002696 w 3753370"/>
+                  <a:gd name="connsiteY3" fmla="*/ 1501348 h 1501348"/>
+                  <a:gd name="connsiteX4" fmla="*/ 0 w 3753370"/>
+                  <a:gd name="connsiteY4" fmla="*/ 1501348 h 1501348"/>
+                  <a:gd name="connsiteX5" fmla="*/ 750674 w 3753370"/>
+                  <a:gd name="connsiteY5" fmla="*/ 750674 h 1501348"/>
+                  <a:gd name="connsiteX6" fmla="*/ 0 w 3753370"/>
+                  <a:gd name="connsiteY6" fmla="*/ 0 h 1501348"/>
+                </a:gdLst>
+                <a:ahLst/>
+                <a:cxnLst>
+                  <a:cxn ang="0">
+                    <a:pos x="connsiteX0" y="connsiteY0"/>
+                  </a:cxn>
+                  <a:cxn ang="0">
+                    <a:pos x="connsiteX1" y="connsiteY1"/>
+                  </a:cxn>
+                  <a:cxn ang="0">
+                    <a:pos x="connsiteX2" y="connsiteY2"/>
+                  </a:cxn>
+                  <a:cxn ang="0">
+                    <a:pos x="connsiteX3" y="connsiteY3"/>
+                  </a:cxn>
+                  <a:cxn ang="0">
+                    <a:pos x="connsiteX4" y="connsiteY4"/>
+                  </a:cxn>
+                  <a:cxn ang="0">
+                    <a:pos x="connsiteX5" y="connsiteY5"/>
+                  </a:cxn>
+                  <a:cxn ang="0">
+                    <a:pos x="connsiteX6" y="connsiteY6"/>
+                  </a:cxn>
+                </a:cxnLst>
+                <a:rect l="l" t="t" r="r" b="b"/>
+                <a:pathLst>
+                  <a:path w="3753370" h="1501348">
+                    <a:moveTo>
+                      <a:pt x="0" y="0"/>
+                    </a:moveTo>
+                    <a:lnTo>
+                      <a:pt x="3002696" y="0"/>
+                    </a:lnTo>
+                    <a:lnTo>
+                      <a:pt x="3753370" y="750674"/>
+                    </a:lnTo>
+                    <a:lnTo>
+                      <a:pt x="3002696" y="1501348"/>
+                    </a:lnTo>
+                    <a:lnTo>
+                      <a:pt x="0" y="1501348"/>
+                    </a:lnTo>
+                    <a:lnTo>
+                      <a:pt x="750674" y="750674"/>
+                    </a:lnTo>
+                    <a:lnTo>
+                      <a:pt x="0" y="0"/>
+                    </a:lnTo>
+                    <a:close/>
+                  </a:path>
+                </a:pathLst>
+              </a:custGeom>
+              <a:solidFill>
+                <a:srgbClr val="9FD3BD"/>
+              </a:solidFill>
+            </p:spPr>
+            <p:style>
+              <a:lnRef idx="2">
+                <a:schemeClr val="lt1">
+                  <a:hueOff val="0"/>
+                  <a:satOff val="0"/>
+                  <a:lumOff val="0"/>
+                  <a:alphaOff val="0"/>
+                </a:schemeClr>
+              </a:lnRef>
+              <a:fillRef idx="1">
+                <a:scrgbClr r="0" g="0" b="0"/>
+              </a:fillRef>
+              <a:effectRef idx="0">
+                <a:schemeClr val="accent1">
+                  <a:hueOff val="0"/>
+                  <a:satOff val="0"/>
+                  <a:lumOff val="0"/>
+                  <a:alphaOff val="0"/>
+                </a:schemeClr>
+              </a:effectRef>
+              <a:fontRef idx="minor">
+                <a:schemeClr val="lt1"/>
+              </a:fontRef>
+            </p:style>
+            <p:txBody>
+              <a:bodyPr spcFirstLastPara="0" vert="horz" wrap="square" lIns="882691" tIns="44006" rIns="794680" bIns="44006" numCol="1" spcCol="1270" anchor="ctr" anchorCtr="0">
+                <a:noAutofit/>
+              </a:bodyPr>
+              <a:lstStyle/>
+              <a:p>
+                <a:pPr marL="0" lvl="0" indent="0" algn="ctr" defTabSz="1466850">
+                  <a:lnSpc>
+                    <a:spcPct val="90000"/>
+                  </a:lnSpc>
+                  <a:spcBef>
+                    <a:spcPct val="0"/>
+                  </a:spcBef>
+                  <a:spcAft>
+                    <a:spcPct val="35000"/>
+                  </a:spcAft>
+                  <a:buNone/>
+                </a:pPr>
+                <a:r>
+                  <a:rPr lang="en-US" sz="3300" dirty="0">
+                    <a:solidFill>
+                      <a:schemeClr val="tx1"/>
+                    </a:solidFill>
+                  </a:rPr>
+                  <a:t>Define groups</a:t>
+                </a:r>
+                <a:br>
+                  <a:rPr lang="en-US" sz="3300" dirty="0">
+                    <a:solidFill>
+                      <a:schemeClr val="tx1"/>
+                    </a:solidFill>
+                  </a:rPr>
+                </a:br>
+                <a:r>
+                  <a:rPr lang="en-US" sz="3300" dirty="0">
+                    <a:solidFill>
+                      <a:schemeClr val="tx1"/>
+                    </a:solidFill>
+                  </a:rPr>
+                  <a:t>&amp; fit model</a:t>
+                </a:r>
+                <a:endParaRPr lang="en-US" sz="3300" kern="1200" dirty="0">
                   <a:solidFill>
                     <a:schemeClr val="tx1"/>
                   </a:solidFill>
-                </a:rPr>
-                <a:t>S</a:t>
-              </a:r>
-              <a:r>
-                <a:rPr lang="en-US" sz="2800" kern="1200" dirty="0">
+                </a:endParaRPr>
+              </a:p>
+            </p:txBody>
+          </p:sp>
+        </p:grpSp>
+        <p:grpSp>
+          <p:nvGrpSpPr>
+            <p:cNvPr id="46" name="Group 45">
+              <a:extLst>
+                <a:ext uri="{FF2B5EF4-FFF2-40B4-BE49-F238E27FC236}">
+                  <a16:creationId xmlns:a16="http://schemas.microsoft.com/office/drawing/2014/main" id="{8B3EEF87-7C1F-6649-8C07-A0AC1F77C716}"/>
+                </a:ext>
+              </a:extLst>
+            </p:cNvPr>
+            <p:cNvGrpSpPr/>
+            <p:nvPr/>
+          </p:nvGrpSpPr>
+          <p:grpSpPr>
+            <a:xfrm>
+              <a:off x="841280" y="5559258"/>
+              <a:ext cx="10401437" cy="1080000"/>
+              <a:chOff x="841280" y="3556364"/>
+              <a:chExt cx="10401437" cy="1080000"/>
+            </a:xfrm>
+            <a:solidFill>
+              <a:srgbClr val="D8D9D8"/>
+            </a:solidFill>
+          </p:grpSpPr>
+          <p:sp>
+            <p:nvSpPr>
+              <p:cNvPr id="48" name="Freeform 47">
+                <a:extLst>
+                  <a:ext uri="{FF2B5EF4-FFF2-40B4-BE49-F238E27FC236}">
+                    <a16:creationId xmlns:a16="http://schemas.microsoft.com/office/drawing/2014/main" id="{9B37D20B-301E-F143-B0C5-5790086F53A7}"/>
+                  </a:ext>
+                </a:extLst>
+              </p:cNvPr>
+              <p:cNvSpPr/>
+              <p:nvPr/>
+            </p:nvSpPr>
+            <p:spPr>
+              <a:xfrm>
+                <a:off x="841280" y="3556364"/>
+                <a:ext cx="5730970" cy="1080000"/>
+              </a:xfrm>
+              <a:custGeom>
+                <a:avLst/>
+                <a:gdLst>
+                  <a:gd name="connsiteX0" fmla="*/ 0 w 3753370"/>
+                  <a:gd name="connsiteY0" fmla="*/ 0 h 1501348"/>
+                  <a:gd name="connsiteX1" fmla="*/ 3002696 w 3753370"/>
+                  <a:gd name="connsiteY1" fmla="*/ 0 h 1501348"/>
+                  <a:gd name="connsiteX2" fmla="*/ 3753370 w 3753370"/>
+                  <a:gd name="connsiteY2" fmla="*/ 750674 h 1501348"/>
+                  <a:gd name="connsiteX3" fmla="*/ 3002696 w 3753370"/>
+                  <a:gd name="connsiteY3" fmla="*/ 1501348 h 1501348"/>
+                  <a:gd name="connsiteX4" fmla="*/ 0 w 3753370"/>
+                  <a:gd name="connsiteY4" fmla="*/ 1501348 h 1501348"/>
+                  <a:gd name="connsiteX5" fmla="*/ 750674 w 3753370"/>
+                  <a:gd name="connsiteY5" fmla="*/ 750674 h 1501348"/>
+                  <a:gd name="connsiteX6" fmla="*/ 0 w 3753370"/>
+                  <a:gd name="connsiteY6" fmla="*/ 0 h 1501348"/>
+                </a:gdLst>
+                <a:ahLst/>
+                <a:cxnLst>
+                  <a:cxn ang="0">
+                    <a:pos x="connsiteX0" y="connsiteY0"/>
+                  </a:cxn>
+                  <a:cxn ang="0">
+                    <a:pos x="connsiteX1" y="connsiteY1"/>
+                  </a:cxn>
+                  <a:cxn ang="0">
+                    <a:pos x="connsiteX2" y="connsiteY2"/>
+                  </a:cxn>
+                  <a:cxn ang="0">
+                    <a:pos x="connsiteX3" y="connsiteY3"/>
+                  </a:cxn>
+                  <a:cxn ang="0">
+                    <a:pos x="connsiteX4" y="connsiteY4"/>
+                  </a:cxn>
+                  <a:cxn ang="0">
+                    <a:pos x="connsiteX5" y="connsiteY5"/>
+                  </a:cxn>
+                  <a:cxn ang="0">
+                    <a:pos x="connsiteX6" y="connsiteY6"/>
+                  </a:cxn>
+                </a:cxnLst>
+                <a:rect l="l" t="t" r="r" b="b"/>
+                <a:pathLst>
+                  <a:path w="3753370" h="1501348">
+                    <a:moveTo>
+                      <a:pt x="0" y="0"/>
+                    </a:moveTo>
+                    <a:lnTo>
+                      <a:pt x="3002696" y="0"/>
+                    </a:lnTo>
+                    <a:lnTo>
+                      <a:pt x="3753370" y="750674"/>
+                    </a:lnTo>
+                    <a:lnTo>
+                      <a:pt x="3002696" y="1501348"/>
+                    </a:lnTo>
+                    <a:lnTo>
+                      <a:pt x="0" y="1501348"/>
+                    </a:lnTo>
+                    <a:lnTo>
+                      <a:pt x="750674" y="750674"/>
+                    </a:lnTo>
+                    <a:lnTo>
+                      <a:pt x="0" y="0"/>
+                    </a:lnTo>
+                    <a:close/>
+                  </a:path>
+                </a:pathLst>
+              </a:custGeom>
+              <a:solidFill>
+                <a:srgbClr val="FFD7D7"/>
+              </a:solidFill>
+            </p:spPr>
+            <p:style>
+              <a:lnRef idx="2">
+                <a:schemeClr val="lt1">
+                  <a:hueOff val="0"/>
+                  <a:satOff val="0"/>
+                  <a:lumOff val="0"/>
+                  <a:alphaOff val="0"/>
+                </a:schemeClr>
+              </a:lnRef>
+              <a:fillRef idx="1">
+                <a:scrgbClr r="0" g="0" b="0"/>
+              </a:fillRef>
+              <a:effectRef idx="0">
+                <a:schemeClr val="accent1">
+                  <a:hueOff val="0"/>
+                  <a:satOff val="0"/>
+                  <a:lumOff val="0"/>
+                  <a:alphaOff val="0"/>
+                </a:schemeClr>
+              </a:effectRef>
+              <a:fontRef idx="minor">
+                <a:schemeClr val="lt1"/>
+              </a:fontRef>
+            </p:style>
+            <p:txBody>
+              <a:bodyPr spcFirstLastPara="0" vert="horz" wrap="square" lIns="882691" tIns="44006" rIns="794680" bIns="44006" numCol="1" spcCol="1270" anchor="ctr" anchorCtr="0">
+                <a:noAutofit/>
+              </a:bodyPr>
+              <a:lstStyle/>
+              <a:p>
+                <a:pPr marL="0" lvl="0" indent="0" algn="ctr" defTabSz="1466850">
+                  <a:lnSpc>
+                    <a:spcPct val="90000"/>
+                  </a:lnSpc>
+                  <a:spcBef>
+                    <a:spcPct val="0"/>
+                  </a:spcBef>
+                  <a:spcAft>
+                    <a:spcPct val="35000"/>
+                  </a:spcAft>
+                  <a:buNone/>
+                </a:pPr>
+                <a:r>
+                  <a:rPr lang="en-US" sz="2800" b="1" dirty="0">
+                    <a:solidFill>
+                      <a:schemeClr val="tx1"/>
+                    </a:solidFill>
+                  </a:rPr>
+                  <a:t>Expression plots</a:t>
+                </a:r>
+                <a:br>
+                  <a:rPr lang="en-US" sz="2800" b="1" kern="1200" dirty="0">
+                    <a:solidFill>
+                      <a:schemeClr val="tx1"/>
+                    </a:solidFill>
+                  </a:rPr>
+                </a:br>
+                <a:r>
+                  <a:rPr lang="en-US" sz="2800" b="1" kern="1200" dirty="0">
+                    <a:solidFill>
+                      <a:schemeClr val="tx1"/>
+                    </a:solidFill>
+                  </a:rPr>
+                  <a:t>(Sample QC)</a:t>
+                </a:r>
+              </a:p>
+            </p:txBody>
+          </p:sp>
+          <p:sp>
+            <p:nvSpPr>
+              <p:cNvPr id="49" name="Freeform 48">
+                <a:extLst>
+                  <a:ext uri="{FF2B5EF4-FFF2-40B4-BE49-F238E27FC236}">
+                    <a16:creationId xmlns:a16="http://schemas.microsoft.com/office/drawing/2014/main" id="{76C53BEA-0EB7-C74D-B8B9-CE042ECDD5A6}"/>
+                  </a:ext>
+                </a:extLst>
+              </p:cNvPr>
+              <p:cNvSpPr/>
+              <p:nvPr/>
+            </p:nvSpPr>
+            <p:spPr>
+              <a:xfrm>
+                <a:off x="5886450" y="3556364"/>
+                <a:ext cx="5356267" cy="1080000"/>
+              </a:xfrm>
+              <a:custGeom>
+                <a:avLst/>
+                <a:gdLst>
+                  <a:gd name="connsiteX0" fmla="*/ 0 w 3753370"/>
+                  <a:gd name="connsiteY0" fmla="*/ 0 h 1501348"/>
+                  <a:gd name="connsiteX1" fmla="*/ 3002696 w 3753370"/>
+                  <a:gd name="connsiteY1" fmla="*/ 0 h 1501348"/>
+                  <a:gd name="connsiteX2" fmla="*/ 3753370 w 3753370"/>
+                  <a:gd name="connsiteY2" fmla="*/ 750674 h 1501348"/>
+                  <a:gd name="connsiteX3" fmla="*/ 3002696 w 3753370"/>
+                  <a:gd name="connsiteY3" fmla="*/ 1501348 h 1501348"/>
+                  <a:gd name="connsiteX4" fmla="*/ 0 w 3753370"/>
+                  <a:gd name="connsiteY4" fmla="*/ 1501348 h 1501348"/>
+                  <a:gd name="connsiteX5" fmla="*/ 750674 w 3753370"/>
+                  <a:gd name="connsiteY5" fmla="*/ 750674 h 1501348"/>
+                  <a:gd name="connsiteX6" fmla="*/ 0 w 3753370"/>
+                  <a:gd name="connsiteY6" fmla="*/ 0 h 1501348"/>
+                </a:gdLst>
+                <a:ahLst/>
+                <a:cxnLst>
+                  <a:cxn ang="0">
+                    <a:pos x="connsiteX0" y="connsiteY0"/>
+                  </a:cxn>
+                  <a:cxn ang="0">
+                    <a:pos x="connsiteX1" y="connsiteY1"/>
+                  </a:cxn>
+                  <a:cxn ang="0">
+                    <a:pos x="connsiteX2" y="connsiteY2"/>
+                  </a:cxn>
+                  <a:cxn ang="0">
+                    <a:pos x="connsiteX3" y="connsiteY3"/>
+                  </a:cxn>
+                  <a:cxn ang="0">
+                    <a:pos x="connsiteX4" y="connsiteY4"/>
+                  </a:cxn>
+                  <a:cxn ang="0">
+                    <a:pos x="connsiteX5" y="connsiteY5"/>
+                  </a:cxn>
+                  <a:cxn ang="0">
+                    <a:pos x="connsiteX6" y="connsiteY6"/>
+                  </a:cxn>
+                </a:cxnLst>
+                <a:rect l="l" t="t" r="r" b="b"/>
+                <a:pathLst>
+                  <a:path w="3753370" h="1501348">
+                    <a:moveTo>
+                      <a:pt x="0" y="0"/>
+                    </a:moveTo>
+                    <a:lnTo>
+                      <a:pt x="3002696" y="0"/>
+                    </a:lnTo>
+                    <a:lnTo>
+                      <a:pt x="3753370" y="750674"/>
+                    </a:lnTo>
+                    <a:lnTo>
+                      <a:pt x="3002696" y="1501348"/>
+                    </a:lnTo>
+                    <a:lnTo>
+                      <a:pt x="0" y="1501348"/>
+                    </a:lnTo>
+                    <a:lnTo>
+                      <a:pt x="750674" y="750674"/>
+                    </a:lnTo>
+                    <a:lnTo>
+                      <a:pt x="0" y="0"/>
+                    </a:lnTo>
+                    <a:close/>
+                  </a:path>
+                </a:pathLst>
+              </a:custGeom>
+              <a:grpFill/>
+            </p:spPr>
+            <p:style>
+              <a:lnRef idx="2">
+                <a:schemeClr val="lt1">
+                  <a:hueOff val="0"/>
+                  <a:satOff val="0"/>
+                  <a:lumOff val="0"/>
+                  <a:alphaOff val="0"/>
+                </a:schemeClr>
+              </a:lnRef>
+              <a:fillRef idx="1">
+                <a:scrgbClr r="0" g="0" b="0"/>
+              </a:fillRef>
+              <a:effectRef idx="0">
+                <a:schemeClr val="accent1">
+                  <a:hueOff val="0"/>
+                  <a:satOff val="0"/>
+                  <a:lumOff val="0"/>
+                  <a:alphaOff val="0"/>
+                </a:schemeClr>
+              </a:effectRef>
+              <a:fontRef idx="minor">
+                <a:schemeClr val="lt1"/>
+              </a:fontRef>
+            </p:style>
+            <p:txBody>
+              <a:bodyPr spcFirstLastPara="0" vert="horz" wrap="square" lIns="882691" tIns="44006" rIns="794680" bIns="44006" numCol="1" spcCol="1270" anchor="ctr" anchorCtr="0">
+                <a:noAutofit/>
+              </a:bodyPr>
+              <a:lstStyle/>
+              <a:p>
+                <a:pPr marL="0" lvl="0" indent="0" algn="ctr" defTabSz="1466850">
+                  <a:lnSpc>
+                    <a:spcPct val="90000"/>
+                  </a:lnSpc>
+                  <a:spcBef>
+                    <a:spcPct val="0"/>
+                  </a:spcBef>
+                  <a:spcAft>
+                    <a:spcPct val="35000"/>
+                  </a:spcAft>
+                  <a:buNone/>
+                </a:pPr>
+                <a:r>
+                  <a:rPr lang="en-US" sz="3300" b="1" dirty="0">
+                    <a:solidFill>
+                      <a:schemeClr val="tx1"/>
+                    </a:solidFill>
+                  </a:rPr>
+                  <a:t>Differential Expression</a:t>
+                </a:r>
+                <a:endParaRPr lang="en-US" sz="3300" b="1" kern="1200" dirty="0">
                   <a:solidFill>
                     <a:schemeClr val="tx1"/>
                   </a:solidFill>
-                </a:rPr>
-                <a:t>equence QC</a:t>
-              </a:r>
-              <a:br>
-                <a:rPr lang="en-US" sz="2800" kern="1200" dirty="0">
-                  <a:solidFill>
-                    <a:schemeClr val="tx1"/>
-                  </a:solidFill>
-                </a:rPr>
-              </a:br>
-              <a:r>
-                <a:rPr lang="en-US" sz="2800" kern="1200" dirty="0">
-                  <a:solidFill>
-                    <a:schemeClr val="tx1"/>
-                  </a:solidFill>
-                </a:rPr>
-                <a:t>(FASTQs)</a:t>
-              </a:r>
-            </a:p>
-          </p:txBody>
-        </p:sp>
-        <p:sp>
-          <p:nvSpPr>
-            <p:cNvPr id="14" name="Freeform 13">
-              <a:extLst>
-                <a:ext uri="{FF2B5EF4-FFF2-40B4-BE49-F238E27FC236}">
-                  <a16:creationId xmlns:a16="http://schemas.microsoft.com/office/drawing/2014/main" id="{54A58763-7619-6248-8BEA-F8C01A2559C0}"/>
-                </a:ext>
-              </a:extLst>
-            </p:cNvPr>
-            <p:cNvSpPr/>
-            <p:nvPr/>
-          </p:nvSpPr>
-          <p:spPr>
-            <a:xfrm>
-              <a:off x="5886450" y="3556364"/>
-              <a:ext cx="5356267" cy="1080000"/>
-            </a:xfrm>
-            <a:custGeom>
-              <a:avLst/>
-              <a:gdLst>
-                <a:gd name="connsiteX0" fmla="*/ 0 w 3753370"/>
-                <a:gd name="connsiteY0" fmla="*/ 0 h 1501348"/>
-                <a:gd name="connsiteX1" fmla="*/ 3002696 w 3753370"/>
-                <a:gd name="connsiteY1" fmla="*/ 0 h 1501348"/>
-                <a:gd name="connsiteX2" fmla="*/ 3753370 w 3753370"/>
-                <a:gd name="connsiteY2" fmla="*/ 750674 h 1501348"/>
-                <a:gd name="connsiteX3" fmla="*/ 3002696 w 3753370"/>
-                <a:gd name="connsiteY3" fmla="*/ 1501348 h 1501348"/>
-                <a:gd name="connsiteX4" fmla="*/ 0 w 3753370"/>
-                <a:gd name="connsiteY4" fmla="*/ 1501348 h 1501348"/>
-                <a:gd name="connsiteX5" fmla="*/ 750674 w 3753370"/>
-                <a:gd name="connsiteY5" fmla="*/ 750674 h 1501348"/>
-                <a:gd name="connsiteX6" fmla="*/ 0 w 3753370"/>
-                <a:gd name="connsiteY6" fmla="*/ 0 h 1501348"/>
-              </a:gdLst>
-              <a:ahLst/>
-              <a:cxnLst>
-                <a:cxn ang="0">
-                  <a:pos x="connsiteX0" y="connsiteY0"/>
-                </a:cxn>
-                <a:cxn ang="0">
-                  <a:pos x="connsiteX1" y="connsiteY1"/>
-                </a:cxn>
-                <a:cxn ang="0">
-                  <a:pos x="connsiteX2" y="connsiteY2"/>
-                </a:cxn>
-                <a:cxn ang="0">
-                  <a:pos x="connsiteX3" y="connsiteY3"/>
-                </a:cxn>
-                <a:cxn ang="0">
-                  <a:pos x="connsiteX4" y="connsiteY4"/>
-                </a:cxn>
-                <a:cxn ang="0">
-                  <a:pos x="connsiteX5" y="connsiteY5"/>
-                </a:cxn>
-                <a:cxn ang="0">
-                  <a:pos x="connsiteX6" y="connsiteY6"/>
-                </a:cxn>
-              </a:cxnLst>
-              <a:rect l="l" t="t" r="r" b="b"/>
-              <a:pathLst>
-                <a:path w="3753370" h="1501348">
-                  <a:moveTo>
-                    <a:pt x="0" y="0"/>
-                  </a:moveTo>
-                  <a:lnTo>
-                    <a:pt x="3002696" y="0"/>
-                  </a:lnTo>
-                  <a:lnTo>
-                    <a:pt x="3753370" y="750674"/>
-                  </a:lnTo>
-                  <a:lnTo>
-                    <a:pt x="3002696" y="1501348"/>
-                  </a:lnTo>
-                  <a:lnTo>
-                    <a:pt x="0" y="1501348"/>
-                  </a:lnTo>
-                  <a:lnTo>
-                    <a:pt x="750674" y="750674"/>
-                  </a:lnTo>
-                  <a:lnTo>
-                    <a:pt x="0" y="0"/>
-                  </a:lnTo>
-                  <a:close/>
-                </a:path>
-              </a:pathLst>
-            </a:custGeom>
-            <a:solidFill>
-              <a:srgbClr val="9FD3BD"/>
-            </a:solidFill>
-          </p:spPr>
-          <p:style>
-            <a:lnRef idx="2">
-              <a:schemeClr val="lt1">
-                <a:hueOff val="0"/>
-                <a:satOff val="0"/>
-                <a:lumOff val="0"/>
-                <a:alphaOff val="0"/>
-              </a:schemeClr>
-            </a:lnRef>
-            <a:fillRef idx="1">
-              <a:scrgbClr r="0" g="0" b="0"/>
-            </a:fillRef>
-            <a:effectRef idx="0">
-              <a:schemeClr val="accent1">
-                <a:hueOff val="0"/>
-                <a:satOff val="0"/>
-                <a:lumOff val="0"/>
-                <a:alphaOff val="0"/>
-              </a:schemeClr>
-            </a:effectRef>
-            <a:fontRef idx="minor">
-              <a:schemeClr val="lt1"/>
-            </a:fontRef>
-          </p:style>
-          <p:txBody>
-            <a:bodyPr spcFirstLastPara="0" vert="horz" wrap="square" lIns="882691" tIns="44006" rIns="794680" bIns="44006" numCol="1" spcCol="1270" anchor="ctr" anchorCtr="0">
-              <a:noAutofit/>
-            </a:bodyPr>
-            <a:lstStyle/>
-            <a:p>
-              <a:pPr marL="0" lvl="0" indent="0" algn="ctr" defTabSz="1466850">
-                <a:lnSpc>
-                  <a:spcPct val="90000"/>
-                </a:lnSpc>
-                <a:spcBef>
-                  <a:spcPct val="0"/>
-                </a:spcBef>
-                <a:spcAft>
-                  <a:spcPct val="35000"/>
-                </a:spcAft>
-                <a:buNone/>
-              </a:pPr>
-              <a:r>
-                <a:rPr lang="en-US" sz="3300" dirty="0">
-                  <a:solidFill>
-                    <a:schemeClr val="tx1"/>
-                  </a:solidFill>
-                </a:rPr>
-                <a:t>A</a:t>
-              </a:r>
-              <a:r>
-                <a:rPr lang="en-US" sz="3300" kern="1200" dirty="0">
-                  <a:solidFill>
-                    <a:schemeClr val="tx1"/>
-                  </a:solidFill>
-                </a:rPr>
-                <a:t>lignment</a:t>
-              </a:r>
-            </a:p>
-            <a:p>
-              <a:pPr marL="0" lvl="0" indent="0" algn="ctr" defTabSz="1466850">
-                <a:lnSpc>
-                  <a:spcPct val="90000"/>
-                </a:lnSpc>
-                <a:spcBef>
-                  <a:spcPct val="0"/>
-                </a:spcBef>
-                <a:spcAft>
-                  <a:spcPct val="35000"/>
-                </a:spcAft>
-                <a:buNone/>
-              </a:pPr>
-              <a:r>
-                <a:rPr lang="en-US" sz="3300" kern="1200" dirty="0">
-                  <a:solidFill>
-                    <a:schemeClr val="tx1"/>
-                  </a:solidFill>
-                </a:rPr>
-                <a:t>(BAMs)</a:t>
-              </a:r>
-            </a:p>
-          </p:txBody>
-        </p:sp>
-      </p:grpSp>
-      <p:grpSp>
-        <p:nvGrpSpPr>
-          <p:cNvPr id="41" name="Group 40">
-            <a:extLst>
-              <a:ext uri="{FF2B5EF4-FFF2-40B4-BE49-F238E27FC236}">
-                <a16:creationId xmlns:a16="http://schemas.microsoft.com/office/drawing/2014/main" id="{2B14A426-7637-D04B-A331-8AD50814DCF5}"/>
-              </a:ext>
-            </a:extLst>
-          </p:cNvPr>
-          <p:cNvGrpSpPr/>
-          <p:nvPr/>
-        </p:nvGrpSpPr>
-        <p:grpSpPr>
-          <a:xfrm>
-            <a:off x="841280" y="4302067"/>
-            <a:ext cx="10401437" cy="1080000"/>
-            <a:chOff x="841280" y="3556364"/>
-            <a:chExt cx="10401437" cy="1080000"/>
-          </a:xfrm>
-          <a:solidFill>
-            <a:srgbClr val="D8D9D8"/>
-          </a:solidFill>
-        </p:grpSpPr>
-        <p:sp>
-          <p:nvSpPr>
-            <p:cNvPr id="43" name="Freeform 42">
-              <a:extLst>
-                <a:ext uri="{FF2B5EF4-FFF2-40B4-BE49-F238E27FC236}">
-                  <a16:creationId xmlns:a16="http://schemas.microsoft.com/office/drawing/2014/main" id="{481F339D-286E-9442-9F1B-61FC78476EEE}"/>
-                </a:ext>
-              </a:extLst>
-            </p:cNvPr>
-            <p:cNvSpPr/>
-            <p:nvPr/>
-          </p:nvSpPr>
-          <p:spPr>
-            <a:xfrm>
-              <a:off x="841280" y="3556364"/>
-              <a:ext cx="5730970" cy="1080000"/>
-            </a:xfrm>
-            <a:custGeom>
-              <a:avLst/>
-              <a:gdLst>
-                <a:gd name="connsiteX0" fmla="*/ 0 w 3753370"/>
-                <a:gd name="connsiteY0" fmla="*/ 0 h 1501348"/>
-                <a:gd name="connsiteX1" fmla="*/ 3002696 w 3753370"/>
-                <a:gd name="connsiteY1" fmla="*/ 0 h 1501348"/>
-                <a:gd name="connsiteX2" fmla="*/ 3753370 w 3753370"/>
-                <a:gd name="connsiteY2" fmla="*/ 750674 h 1501348"/>
-                <a:gd name="connsiteX3" fmla="*/ 3002696 w 3753370"/>
-                <a:gd name="connsiteY3" fmla="*/ 1501348 h 1501348"/>
-                <a:gd name="connsiteX4" fmla="*/ 0 w 3753370"/>
-                <a:gd name="connsiteY4" fmla="*/ 1501348 h 1501348"/>
-                <a:gd name="connsiteX5" fmla="*/ 750674 w 3753370"/>
-                <a:gd name="connsiteY5" fmla="*/ 750674 h 1501348"/>
-                <a:gd name="connsiteX6" fmla="*/ 0 w 3753370"/>
-                <a:gd name="connsiteY6" fmla="*/ 0 h 1501348"/>
-              </a:gdLst>
-              <a:ahLst/>
-              <a:cxnLst>
-                <a:cxn ang="0">
-                  <a:pos x="connsiteX0" y="connsiteY0"/>
-                </a:cxn>
-                <a:cxn ang="0">
-                  <a:pos x="connsiteX1" y="connsiteY1"/>
-                </a:cxn>
-                <a:cxn ang="0">
-                  <a:pos x="connsiteX2" y="connsiteY2"/>
-                </a:cxn>
-                <a:cxn ang="0">
-                  <a:pos x="connsiteX3" y="connsiteY3"/>
-                </a:cxn>
-                <a:cxn ang="0">
-                  <a:pos x="connsiteX4" y="connsiteY4"/>
-                </a:cxn>
-                <a:cxn ang="0">
-                  <a:pos x="connsiteX5" y="connsiteY5"/>
-                </a:cxn>
-                <a:cxn ang="0">
-                  <a:pos x="connsiteX6" y="connsiteY6"/>
-                </a:cxn>
-              </a:cxnLst>
-              <a:rect l="l" t="t" r="r" b="b"/>
-              <a:pathLst>
-                <a:path w="3753370" h="1501348">
-                  <a:moveTo>
-                    <a:pt x="0" y="0"/>
-                  </a:moveTo>
-                  <a:lnTo>
-                    <a:pt x="3002696" y="0"/>
-                  </a:lnTo>
-                  <a:lnTo>
-                    <a:pt x="3753370" y="750674"/>
-                  </a:lnTo>
-                  <a:lnTo>
-                    <a:pt x="3002696" y="1501348"/>
-                  </a:lnTo>
-                  <a:lnTo>
-                    <a:pt x="0" y="1501348"/>
-                  </a:lnTo>
-                  <a:lnTo>
-                    <a:pt x="750674" y="750674"/>
-                  </a:lnTo>
-                  <a:lnTo>
-                    <a:pt x="0" y="0"/>
-                  </a:lnTo>
-                  <a:close/>
-                </a:path>
-              </a:pathLst>
-            </a:custGeom>
-            <a:solidFill>
-              <a:srgbClr val="9FD3BD"/>
-            </a:solidFill>
-          </p:spPr>
-          <p:style>
-            <a:lnRef idx="2">
-              <a:schemeClr val="lt1">
-                <a:hueOff val="0"/>
-                <a:satOff val="0"/>
-                <a:lumOff val="0"/>
-                <a:alphaOff val="0"/>
-              </a:schemeClr>
-            </a:lnRef>
-            <a:fillRef idx="1">
-              <a:scrgbClr r="0" g="0" b="0"/>
-            </a:fillRef>
-            <a:effectRef idx="0">
-              <a:schemeClr val="accent1">
-                <a:hueOff val="0"/>
-                <a:satOff val="0"/>
-                <a:lumOff val="0"/>
-                <a:alphaOff val="0"/>
-              </a:schemeClr>
-            </a:effectRef>
-            <a:fontRef idx="minor">
-              <a:schemeClr val="lt1"/>
-            </a:fontRef>
-          </p:style>
-          <p:txBody>
-            <a:bodyPr spcFirstLastPara="0" vert="horz" wrap="square" lIns="882691" tIns="44006" rIns="794680" bIns="44006" numCol="1" spcCol="1270" anchor="ctr" anchorCtr="0">
-              <a:noAutofit/>
-            </a:bodyPr>
-            <a:lstStyle/>
-            <a:p>
-              <a:pPr marL="0" lvl="0" indent="0" algn="ctr" defTabSz="1466850">
-                <a:lnSpc>
-                  <a:spcPct val="90000"/>
-                </a:lnSpc>
-                <a:spcBef>
-                  <a:spcPct val="0"/>
-                </a:spcBef>
-                <a:spcAft>
-                  <a:spcPct val="35000"/>
-                </a:spcAft>
-                <a:buNone/>
-              </a:pPr>
-              <a:r>
-                <a:rPr lang="en-US" sz="2800" dirty="0">
-                  <a:solidFill>
-                    <a:schemeClr val="tx1"/>
-                  </a:solidFill>
-                </a:rPr>
-                <a:t>Quantification</a:t>
-              </a:r>
-            </a:p>
-            <a:p>
-              <a:pPr marL="0" lvl="0" indent="0" algn="ctr" defTabSz="1466850">
-                <a:lnSpc>
-                  <a:spcPct val="90000"/>
-                </a:lnSpc>
-                <a:spcBef>
-                  <a:spcPct val="0"/>
-                </a:spcBef>
-                <a:spcAft>
-                  <a:spcPct val="35000"/>
-                </a:spcAft>
-                <a:buNone/>
-              </a:pPr>
-              <a:r>
-                <a:rPr lang="en-US" sz="2800" kern="1200" dirty="0">
-                  <a:solidFill>
-                    <a:schemeClr val="tx1"/>
-                  </a:solidFill>
-                </a:rPr>
-                <a:t>(count matrix)</a:t>
-              </a:r>
-            </a:p>
-          </p:txBody>
-        </p:sp>
-        <p:sp>
-          <p:nvSpPr>
-            <p:cNvPr id="44" name="Freeform 43">
-              <a:extLst>
-                <a:ext uri="{FF2B5EF4-FFF2-40B4-BE49-F238E27FC236}">
-                  <a16:creationId xmlns:a16="http://schemas.microsoft.com/office/drawing/2014/main" id="{4B39E34C-8DEA-524B-A8DD-FEBA948606FD}"/>
-                </a:ext>
-              </a:extLst>
-            </p:cNvPr>
-            <p:cNvSpPr/>
-            <p:nvPr/>
-          </p:nvSpPr>
-          <p:spPr>
-            <a:xfrm>
-              <a:off x="5886450" y="3556364"/>
-              <a:ext cx="5356267" cy="1080000"/>
-            </a:xfrm>
-            <a:custGeom>
-              <a:avLst/>
-              <a:gdLst>
-                <a:gd name="connsiteX0" fmla="*/ 0 w 3753370"/>
-                <a:gd name="connsiteY0" fmla="*/ 0 h 1501348"/>
-                <a:gd name="connsiteX1" fmla="*/ 3002696 w 3753370"/>
-                <a:gd name="connsiteY1" fmla="*/ 0 h 1501348"/>
-                <a:gd name="connsiteX2" fmla="*/ 3753370 w 3753370"/>
-                <a:gd name="connsiteY2" fmla="*/ 750674 h 1501348"/>
-                <a:gd name="connsiteX3" fmla="*/ 3002696 w 3753370"/>
-                <a:gd name="connsiteY3" fmla="*/ 1501348 h 1501348"/>
-                <a:gd name="connsiteX4" fmla="*/ 0 w 3753370"/>
-                <a:gd name="connsiteY4" fmla="*/ 1501348 h 1501348"/>
-                <a:gd name="connsiteX5" fmla="*/ 750674 w 3753370"/>
-                <a:gd name="connsiteY5" fmla="*/ 750674 h 1501348"/>
-                <a:gd name="connsiteX6" fmla="*/ 0 w 3753370"/>
-                <a:gd name="connsiteY6" fmla="*/ 0 h 1501348"/>
-              </a:gdLst>
-              <a:ahLst/>
-              <a:cxnLst>
-                <a:cxn ang="0">
-                  <a:pos x="connsiteX0" y="connsiteY0"/>
-                </a:cxn>
-                <a:cxn ang="0">
-                  <a:pos x="connsiteX1" y="connsiteY1"/>
-                </a:cxn>
-                <a:cxn ang="0">
-                  <a:pos x="connsiteX2" y="connsiteY2"/>
-                </a:cxn>
-                <a:cxn ang="0">
-                  <a:pos x="connsiteX3" y="connsiteY3"/>
-                </a:cxn>
-                <a:cxn ang="0">
-                  <a:pos x="connsiteX4" y="connsiteY4"/>
-                </a:cxn>
-                <a:cxn ang="0">
-                  <a:pos x="connsiteX5" y="connsiteY5"/>
-                </a:cxn>
-                <a:cxn ang="0">
-                  <a:pos x="connsiteX6" y="connsiteY6"/>
-                </a:cxn>
-              </a:cxnLst>
-              <a:rect l="l" t="t" r="r" b="b"/>
-              <a:pathLst>
-                <a:path w="3753370" h="1501348">
-                  <a:moveTo>
-                    <a:pt x="0" y="0"/>
-                  </a:moveTo>
-                  <a:lnTo>
-                    <a:pt x="3002696" y="0"/>
-                  </a:lnTo>
-                  <a:lnTo>
-                    <a:pt x="3753370" y="750674"/>
-                  </a:lnTo>
-                  <a:lnTo>
-                    <a:pt x="3002696" y="1501348"/>
-                  </a:lnTo>
-                  <a:lnTo>
-                    <a:pt x="0" y="1501348"/>
-                  </a:lnTo>
-                  <a:lnTo>
-                    <a:pt x="750674" y="750674"/>
-                  </a:lnTo>
-                  <a:lnTo>
-                    <a:pt x="0" y="0"/>
-                  </a:lnTo>
-                  <a:close/>
-                </a:path>
-              </a:pathLst>
-            </a:custGeom>
-            <a:solidFill>
-              <a:srgbClr val="9FD3BD"/>
-            </a:solidFill>
-          </p:spPr>
-          <p:style>
-            <a:lnRef idx="2">
-              <a:schemeClr val="lt1">
-                <a:hueOff val="0"/>
-                <a:satOff val="0"/>
-                <a:lumOff val="0"/>
-                <a:alphaOff val="0"/>
-              </a:schemeClr>
-            </a:lnRef>
-            <a:fillRef idx="1">
-              <a:scrgbClr r="0" g="0" b="0"/>
-            </a:fillRef>
-            <a:effectRef idx="0">
-              <a:schemeClr val="accent1">
-                <a:hueOff val="0"/>
-                <a:satOff val="0"/>
-                <a:lumOff val="0"/>
-                <a:alphaOff val="0"/>
-              </a:schemeClr>
-            </a:effectRef>
-            <a:fontRef idx="minor">
-              <a:schemeClr val="lt1"/>
-            </a:fontRef>
-          </p:style>
-          <p:txBody>
-            <a:bodyPr spcFirstLastPara="0" vert="horz" wrap="square" lIns="882691" tIns="44006" rIns="794680" bIns="44006" numCol="1" spcCol="1270" anchor="ctr" anchorCtr="0">
-              <a:noAutofit/>
-            </a:bodyPr>
-            <a:lstStyle/>
-            <a:p>
-              <a:pPr marL="0" lvl="0" indent="0" algn="ctr" defTabSz="1466850">
-                <a:lnSpc>
-                  <a:spcPct val="90000"/>
-                </a:lnSpc>
-                <a:spcBef>
-                  <a:spcPct val="0"/>
-                </a:spcBef>
-                <a:spcAft>
-                  <a:spcPct val="35000"/>
-                </a:spcAft>
-                <a:buNone/>
-              </a:pPr>
-              <a:r>
-                <a:rPr lang="en-US" sz="3300" dirty="0">
-                  <a:solidFill>
-                    <a:schemeClr val="tx1"/>
-                  </a:solidFill>
-                </a:rPr>
-                <a:t>Define groups</a:t>
-              </a:r>
-              <a:br>
-                <a:rPr lang="en-US" sz="3300" dirty="0">
-                  <a:solidFill>
-                    <a:schemeClr val="tx1"/>
-                  </a:solidFill>
-                </a:rPr>
-              </a:br>
-              <a:r>
-                <a:rPr lang="en-US" sz="3300" dirty="0">
-                  <a:solidFill>
-                    <a:schemeClr val="tx1"/>
-                  </a:solidFill>
-                </a:rPr>
-                <a:t>&amp; fit model</a:t>
-              </a:r>
-              <a:endParaRPr lang="en-US" sz="3300" kern="1200" dirty="0">
-                <a:solidFill>
-                  <a:schemeClr val="tx1"/>
-                </a:solidFill>
-              </a:endParaRPr>
-            </a:p>
-          </p:txBody>
-        </p:sp>
-      </p:grpSp>
-      <p:grpSp>
-        <p:nvGrpSpPr>
-          <p:cNvPr id="46" name="Group 45">
-            <a:extLst>
-              <a:ext uri="{FF2B5EF4-FFF2-40B4-BE49-F238E27FC236}">
-                <a16:creationId xmlns:a16="http://schemas.microsoft.com/office/drawing/2014/main" id="{8B3EEF87-7C1F-6649-8C07-A0AC1F77C716}"/>
-              </a:ext>
-            </a:extLst>
-          </p:cNvPr>
-          <p:cNvGrpSpPr/>
-          <p:nvPr/>
-        </p:nvGrpSpPr>
-        <p:grpSpPr>
-          <a:xfrm>
-            <a:off x="841280" y="5559258"/>
-            <a:ext cx="10401437" cy="1080000"/>
-            <a:chOff x="841280" y="3556364"/>
-            <a:chExt cx="10401437" cy="1080000"/>
-          </a:xfrm>
-          <a:solidFill>
-            <a:srgbClr val="D8D9D8"/>
-          </a:solidFill>
-        </p:grpSpPr>
-        <p:sp>
-          <p:nvSpPr>
-            <p:cNvPr id="48" name="Freeform 47">
-              <a:extLst>
-                <a:ext uri="{FF2B5EF4-FFF2-40B4-BE49-F238E27FC236}">
-                  <a16:creationId xmlns:a16="http://schemas.microsoft.com/office/drawing/2014/main" id="{9B37D20B-301E-F143-B0C5-5790086F53A7}"/>
-                </a:ext>
-              </a:extLst>
-            </p:cNvPr>
-            <p:cNvSpPr/>
-            <p:nvPr/>
-          </p:nvSpPr>
-          <p:spPr>
-            <a:xfrm>
-              <a:off x="841280" y="3556364"/>
-              <a:ext cx="5730970" cy="1080000"/>
-            </a:xfrm>
-            <a:custGeom>
-              <a:avLst/>
-              <a:gdLst>
-                <a:gd name="connsiteX0" fmla="*/ 0 w 3753370"/>
-                <a:gd name="connsiteY0" fmla="*/ 0 h 1501348"/>
-                <a:gd name="connsiteX1" fmla="*/ 3002696 w 3753370"/>
-                <a:gd name="connsiteY1" fmla="*/ 0 h 1501348"/>
-                <a:gd name="connsiteX2" fmla="*/ 3753370 w 3753370"/>
-                <a:gd name="connsiteY2" fmla="*/ 750674 h 1501348"/>
-                <a:gd name="connsiteX3" fmla="*/ 3002696 w 3753370"/>
-                <a:gd name="connsiteY3" fmla="*/ 1501348 h 1501348"/>
-                <a:gd name="connsiteX4" fmla="*/ 0 w 3753370"/>
-                <a:gd name="connsiteY4" fmla="*/ 1501348 h 1501348"/>
-                <a:gd name="connsiteX5" fmla="*/ 750674 w 3753370"/>
-                <a:gd name="connsiteY5" fmla="*/ 750674 h 1501348"/>
-                <a:gd name="connsiteX6" fmla="*/ 0 w 3753370"/>
-                <a:gd name="connsiteY6" fmla="*/ 0 h 1501348"/>
-              </a:gdLst>
-              <a:ahLst/>
-              <a:cxnLst>
-                <a:cxn ang="0">
-                  <a:pos x="connsiteX0" y="connsiteY0"/>
-                </a:cxn>
-                <a:cxn ang="0">
-                  <a:pos x="connsiteX1" y="connsiteY1"/>
-                </a:cxn>
-                <a:cxn ang="0">
-                  <a:pos x="connsiteX2" y="connsiteY2"/>
-                </a:cxn>
-                <a:cxn ang="0">
-                  <a:pos x="connsiteX3" y="connsiteY3"/>
-                </a:cxn>
-                <a:cxn ang="0">
-                  <a:pos x="connsiteX4" y="connsiteY4"/>
-                </a:cxn>
-                <a:cxn ang="0">
-                  <a:pos x="connsiteX5" y="connsiteY5"/>
-                </a:cxn>
-                <a:cxn ang="0">
-                  <a:pos x="connsiteX6" y="connsiteY6"/>
-                </a:cxn>
-              </a:cxnLst>
-              <a:rect l="l" t="t" r="r" b="b"/>
-              <a:pathLst>
-                <a:path w="3753370" h="1501348">
-                  <a:moveTo>
-                    <a:pt x="0" y="0"/>
-                  </a:moveTo>
-                  <a:lnTo>
-                    <a:pt x="3002696" y="0"/>
-                  </a:lnTo>
-                  <a:lnTo>
-                    <a:pt x="3753370" y="750674"/>
-                  </a:lnTo>
-                  <a:lnTo>
-                    <a:pt x="3002696" y="1501348"/>
-                  </a:lnTo>
-                  <a:lnTo>
-                    <a:pt x="0" y="1501348"/>
-                  </a:lnTo>
-                  <a:lnTo>
-                    <a:pt x="750674" y="750674"/>
-                  </a:lnTo>
-                  <a:lnTo>
-                    <a:pt x="0" y="0"/>
-                  </a:lnTo>
-                  <a:close/>
-                </a:path>
-              </a:pathLst>
-            </a:custGeom>
-            <a:solidFill>
-              <a:srgbClr val="FFD7D7"/>
-            </a:solidFill>
-          </p:spPr>
-          <p:style>
-            <a:lnRef idx="2">
-              <a:schemeClr val="lt1">
-                <a:hueOff val="0"/>
-                <a:satOff val="0"/>
-                <a:lumOff val="0"/>
-                <a:alphaOff val="0"/>
-              </a:schemeClr>
-            </a:lnRef>
-            <a:fillRef idx="1">
-              <a:scrgbClr r="0" g="0" b="0"/>
-            </a:fillRef>
-            <a:effectRef idx="0">
-              <a:schemeClr val="accent1">
-                <a:hueOff val="0"/>
-                <a:satOff val="0"/>
-                <a:lumOff val="0"/>
-                <a:alphaOff val="0"/>
-              </a:schemeClr>
-            </a:effectRef>
-            <a:fontRef idx="minor">
-              <a:schemeClr val="lt1"/>
-            </a:fontRef>
-          </p:style>
-          <p:txBody>
-            <a:bodyPr spcFirstLastPara="0" vert="horz" wrap="square" lIns="882691" tIns="44006" rIns="794680" bIns="44006" numCol="1" spcCol="1270" anchor="ctr" anchorCtr="0">
-              <a:noAutofit/>
-            </a:bodyPr>
-            <a:lstStyle/>
-            <a:p>
-              <a:pPr marL="0" lvl="0" indent="0" algn="ctr" defTabSz="1466850">
-                <a:lnSpc>
-                  <a:spcPct val="90000"/>
-                </a:lnSpc>
-                <a:spcBef>
-                  <a:spcPct val="0"/>
-                </a:spcBef>
-                <a:spcAft>
-                  <a:spcPct val="35000"/>
-                </a:spcAft>
-                <a:buNone/>
-              </a:pPr>
-              <a:r>
-                <a:rPr lang="en-US" sz="2800" b="1" dirty="0">
-                  <a:solidFill>
-                    <a:schemeClr val="tx1"/>
-                  </a:solidFill>
-                </a:rPr>
-                <a:t>Expression plots</a:t>
-              </a:r>
-              <a:br>
-                <a:rPr lang="en-US" sz="2800" b="1" kern="1200" dirty="0">
-                  <a:solidFill>
-                    <a:schemeClr val="tx1"/>
-                  </a:solidFill>
-                </a:rPr>
-              </a:br>
-              <a:r>
-                <a:rPr lang="en-US" sz="2800" b="1" kern="1200" dirty="0">
-                  <a:solidFill>
-                    <a:schemeClr val="tx1"/>
-                  </a:solidFill>
-                </a:rPr>
-                <a:t>(Sample QC)</a:t>
-              </a:r>
-            </a:p>
-          </p:txBody>
-        </p:sp>
-        <p:sp>
-          <p:nvSpPr>
-            <p:cNvPr id="49" name="Freeform 48">
-              <a:extLst>
-                <a:ext uri="{FF2B5EF4-FFF2-40B4-BE49-F238E27FC236}">
-                  <a16:creationId xmlns:a16="http://schemas.microsoft.com/office/drawing/2014/main" id="{76C53BEA-0EB7-C74D-B8B9-CE042ECDD5A6}"/>
-                </a:ext>
-              </a:extLst>
-            </p:cNvPr>
-            <p:cNvSpPr/>
-            <p:nvPr/>
-          </p:nvSpPr>
-          <p:spPr>
-            <a:xfrm>
-              <a:off x="5886450" y="3556364"/>
-              <a:ext cx="5356267" cy="1080000"/>
-            </a:xfrm>
-            <a:custGeom>
-              <a:avLst/>
-              <a:gdLst>
-                <a:gd name="connsiteX0" fmla="*/ 0 w 3753370"/>
-                <a:gd name="connsiteY0" fmla="*/ 0 h 1501348"/>
-                <a:gd name="connsiteX1" fmla="*/ 3002696 w 3753370"/>
-                <a:gd name="connsiteY1" fmla="*/ 0 h 1501348"/>
-                <a:gd name="connsiteX2" fmla="*/ 3753370 w 3753370"/>
-                <a:gd name="connsiteY2" fmla="*/ 750674 h 1501348"/>
-                <a:gd name="connsiteX3" fmla="*/ 3002696 w 3753370"/>
-                <a:gd name="connsiteY3" fmla="*/ 1501348 h 1501348"/>
-                <a:gd name="connsiteX4" fmla="*/ 0 w 3753370"/>
-                <a:gd name="connsiteY4" fmla="*/ 1501348 h 1501348"/>
-                <a:gd name="connsiteX5" fmla="*/ 750674 w 3753370"/>
-                <a:gd name="connsiteY5" fmla="*/ 750674 h 1501348"/>
-                <a:gd name="connsiteX6" fmla="*/ 0 w 3753370"/>
-                <a:gd name="connsiteY6" fmla="*/ 0 h 1501348"/>
-              </a:gdLst>
-              <a:ahLst/>
-              <a:cxnLst>
-                <a:cxn ang="0">
-                  <a:pos x="connsiteX0" y="connsiteY0"/>
-                </a:cxn>
-                <a:cxn ang="0">
-                  <a:pos x="connsiteX1" y="connsiteY1"/>
-                </a:cxn>
-                <a:cxn ang="0">
-                  <a:pos x="connsiteX2" y="connsiteY2"/>
-                </a:cxn>
-                <a:cxn ang="0">
-                  <a:pos x="connsiteX3" y="connsiteY3"/>
-                </a:cxn>
-                <a:cxn ang="0">
-                  <a:pos x="connsiteX4" y="connsiteY4"/>
-                </a:cxn>
-                <a:cxn ang="0">
-                  <a:pos x="connsiteX5" y="connsiteY5"/>
-                </a:cxn>
-                <a:cxn ang="0">
-                  <a:pos x="connsiteX6" y="connsiteY6"/>
-                </a:cxn>
-              </a:cxnLst>
-              <a:rect l="l" t="t" r="r" b="b"/>
-              <a:pathLst>
-                <a:path w="3753370" h="1501348">
-                  <a:moveTo>
-                    <a:pt x="0" y="0"/>
-                  </a:moveTo>
-                  <a:lnTo>
-                    <a:pt x="3002696" y="0"/>
-                  </a:lnTo>
-                  <a:lnTo>
-                    <a:pt x="3753370" y="750674"/>
-                  </a:lnTo>
-                  <a:lnTo>
-                    <a:pt x="3002696" y="1501348"/>
-                  </a:lnTo>
-                  <a:lnTo>
-                    <a:pt x="0" y="1501348"/>
-                  </a:lnTo>
-                  <a:lnTo>
-                    <a:pt x="750674" y="750674"/>
-                  </a:lnTo>
-                  <a:lnTo>
-                    <a:pt x="0" y="0"/>
-                  </a:lnTo>
-                  <a:close/>
-                </a:path>
-              </a:pathLst>
-            </a:custGeom>
-            <a:grpFill/>
-          </p:spPr>
-          <p:style>
-            <a:lnRef idx="2">
-              <a:schemeClr val="lt1">
-                <a:hueOff val="0"/>
-                <a:satOff val="0"/>
-                <a:lumOff val="0"/>
-                <a:alphaOff val="0"/>
-              </a:schemeClr>
-            </a:lnRef>
-            <a:fillRef idx="1">
-              <a:scrgbClr r="0" g="0" b="0"/>
-            </a:fillRef>
-            <a:effectRef idx="0">
-              <a:schemeClr val="accent1">
-                <a:hueOff val="0"/>
-                <a:satOff val="0"/>
-                <a:lumOff val="0"/>
-                <a:alphaOff val="0"/>
-              </a:schemeClr>
-            </a:effectRef>
-            <a:fontRef idx="minor">
-              <a:schemeClr val="lt1"/>
-            </a:fontRef>
-          </p:style>
-          <p:txBody>
-            <a:bodyPr spcFirstLastPara="0" vert="horz" wrap="square" lIns="882691" tIns="44006" rIns="794680" bIns="44006" numCol="1" spcCol="1270" anchor="ctr" anchorCtr="0">
-              <a:noAutofit/>
-            </a:bodyPr>
-            <a:lstStyle/>
-            <a:p>
-              <a:pPr marL="0" lvl="0" indent="0" algn="ctr" defTabSz="1466850">
-                <a:lnSpc>
-                  <a:spcPct val="90000"/>
-                </a:lnSpc>
-                <a:spcBef>
-                  <a:spcPct val="0"/>
-                </a:spcBef>
-                <a:spcAft>
-                  <a:spcPct val="35000"/>
-                </a:spcAft>
-                <a:buNone/>
-              </a:pPr>
-              <a:r>
-                <a:rPr lang="en-US" sz="3300" b="1" dirty="0">
-                  <a:solidFill>
-                    <a:schemeClr val="tx1"/>
-                  </a:solidFill>
-                </a:rPr>
-                <a:t>Differential Expression</a:t>
-              </a:r>
-              <a:endParaRPr lang="en-US" sz="3300" b="1" kern="1200" dirty="0">
-                <a:solidFill>
-                  <a:schemeClr val="tx1"/>
-                </a:solidFill>
-              </a:endParaRPr>
-            </a:p>
-          </p:txBody>
-        </p:sp>
+                </a:endParaRPr>
+              </a:p>
+            </p:txBody>
+          </p:sp>
+        </p:grpSp>
       </p:grpSp>
     </p:spTree>
     <p:extLst>
@@ -14331,12 +14394,35 @@
           <a:chExt cx="0" cy="0"/>
         </a:xfrm>
       </p:grpSpPr>
+      <p:sp>
+        <p:nvSpPr>
+          <p:cNvPr id="23" name="Rectangle 22">
+            <a:extLst>
+              <a:ext uri="{FF2B5EF4-FFF2-40B4-BE49-F238E27FC236}">
+                <a16:creationId xmlns:a16="http://schemas.microsoft.com/office/drawing/2014/main" id="{6F6E5492-32A3-C149-B88F-57ED7E639B58}"/>
+              </a:ext>
+            </a:extLst>
+          </p:cNvPr>
+          <p:cNvSpPr/>
+          <p:nvPr/>
+        </p:nvSpPr>
+        <p:spPr>
+          <a:xfrm>
+            <a:off x="838200" y="1581664"/>
+            <a:ext cx="10515600" cy="1938595"/>
+          </a:xfrm>
+          <a:prstGeom prst="rect">
+            <a:avLst/>
+          </a:prstGeom>
+          <a:noFill/>
+        </p:spPr>
+      </p:sp>
       <p:grpSp>
         <p:nvGrpSpPr>
-          <p:cNvPr id="22" name="Group 21">
+          <p:cNvPr id="5" name="Group 4">
             <a:extLst>
               <a:ext uri="{FF2B5EF4-FFF2-40B4-BE49-F238E27FC236}">
-                <a16:creationId xmlns:a16="http://schemas.microsoft.com/office/drawing/2014/main" id="{CB37A925-B433-7C49-9F1F-8846C27B7C61}"/>
+                <a16:creationId xmlns:a16="http://schemas.microsoft.com/office/drawing/2014/main" id="{103C6FDF-F2EA-624A-B5B1-B6A5C6EF04F4}"/>
               </a:ext>
             </a:extLst>
           </p:cNvPr>
@@ -14345,1536 +14431,1534 @@
         </p:nvGrpSpPr>
         <p:grpSpPr>
           <a:xfrm>
-            <a:off x="838200" y="1581664"/>
-            <a:ext cx="10515600" cy="1938595"/>
-            <a:chOff x="838200" y="1581664"/>
-            <a:chExt cx="10515600" cy="1938595"/>
+            <a:off x="841280" y="1800287"/>
+            <a:ext cx="10509438" cy="4838971"/>
+            <a:chOff x="841280" y="1800287"/>
+            <a:chExt cx="10509438" cy="4838971"/>
           </a:xfrm>
         </p:grpSpPr>
-        <p:sp>
-          <p:nvSpPr>
-            <p:cNvPr id="23" name="Rectangle 22">
+        <p:grpSp>
+          <p:nvGrpSpPr>
+            <p:cNvPr id="4" name="Group 3">
               <a:extLst>
                 <a:ext uri="{FF2B5EF4-FFF2-40B4-BE49-F238E27FC236}">
-                  <a16:creationId xmlns:a16="http://schemas.microsoft.com/office/drawing/2014/main" id="{6F6E5492-32A3-C149-B88F-57ED7E639B58}"/>
+                  <a16:creationId xmlns:a16="http://schemas.microsoft.com/office/drawing/2014/main" id="{DD4923DB-6EF9-9146-8B2D-D63AB03EF9E3}"/>
                 </a:ext>
               </a:extLst>
             </p:cNvPr>
-            <p:cNvSpPr/>
+            <p:cNvGrpSpPr/>
             <p:nvPr/>
-          </p:nvSpPr>
-          <p:spPr>
+          </p:nvGrpSpPr>
+          <p:grpSpPr>
             <a:xfrm>
-              <a:off x="838200" y="1581664"/>
-              <a:ext cx="10515600" cy="1938595"/>
+              <a:off x="841280" y="1800287"/>
+              <a:ext cx="10509438" cy="1080000"/>
+              <a:chOff x="841280" y="1800287"/>
+              <a:chExt cx="10509438" cy="1080000"/>
             </a:xfrm>
-            <a:prstGeom prst="rect">
-              <a:avLst/>
-            </a:prstGeom>
-            <a:noFill/>
-          </p:spPr>
-        </p:sp>
-        <p:sp>
-          <p:nvSpPr>
-            <p:cNvPr id="24" name="Freeform 23">
+          </p:grpSpPr>
+          <p:sp>
+            <p:nvSpPr>
+              <p:cNvPr id="24" name="Freeform 23">
+                <a:extLst>
+                  <a:ext uri="{FF2B5EF4-FFF2-40B4-BE49-F238E27FC236}">
+                    <a16:creationId xmlns:a16="http://schemas.microsoft.com/office/drawing/2014/main" id="{4A9716F4-2E17-8041-8D21-BF22792E45D6}"/>
+                  </a:ext>
+                </a:extLst>
+              </p:cNvPr>
+              <p:cNvSpPr/>
+              <p:nvPr/>
+            </p:nvSpPr>
+            <p:spPr>
+              <a:xfrm>
+                <a:off x="841280" y="1800287"/>
+                <a:ext cx="3753370" cy="1080000"/>
+              </a:xfrm>
+              <a:custGeom>
+                <a:avLst/>
+                <a:gdLst>
+                  <a:gd name="connsiteX0" fmla="*/ 0 w 3753370"/>
+                  <a:gd name="connsiteY0" fmla="*/ 0 h 1501348"/>
+                  <a:gd name="connsiteX1" fmla="*/ 3002696 w 3753370"/>
+                  <a:gd name="connsiteY1" fmla="*/ 0 h 1501348"/>
+                  <a:gd name="connsiteX2" fmla="*/ 3753370 w 3753370"/>
+                  <a:gd name="connsiteY2" fmla="*/ 750674 h 1501348"/>
+                  <a:gd name="connsiteX3" fmla="*/ 3002696 w 3753370"/>
+                  <a:gd name="connsiteY3" fmla="*/ 1501348 h 1501348"/>
+                  <a:gd name="connsiteX4" fmla="*/ 0 w 3753370"/>
+                  <a:gd name="connsiteY4" fmla="*/ 1501348 h 1501348"/>
+                  <a:gd name="connsiteX5" fmla="*/ 750674 w 3753370"/>
+                  <a:gd name="connsiteY5" fmla="*/ 750674 h 1501348"/>
+                  <a:gd name="connsiteX6" fmla="*/ 0 w 3753370"/>
+                  <a:gd name="connsiteY6" fmla="*/ 0 h 1501348"/>
+                </a:gdLst>
+                <a:ahLst/>
+                <a:cxnLst>
+                  <a:cxn ang="0">
+                    <a:pos x="connsiteX0" y="connsiteY0"/>
+                  </a:cxn>
+                  <a:cxn ang="0">
+                    <a:pos x="connsiteX1" y="connsiteY1"/>
+                  </a:cxn>
+                  <a:cxn ang="0">
+                    <a:pos x="connsiteX2" y="connsiteY2"/>
+                  </a:cxn>
+                  <a:cxn ang="0">
+                    <a:pos x="connsiteX3" y="connsiteY3"/>
+                  </a:cxn>
+                  <a:cxn ang="0">
+                    <a:pos x="connsiteX4" y="connsiteY4"/>
+                  </a:cxn>
+                  <a:cxn ang="0">
+                    <a:pos x="connsiteX5" y="connsiteY5"/>
+                  </a:cxn>
+                  <a:cxn ang="0">
+                    <a:pos x="connsiteX6" y="connsiteY6"/>
+                  </a:cxn>
+                </a:cxnLst>
+                <a:rect l="l" t="t" r="r" b="b"/>
+                <a:pathLst>
+                  <a:path w="3753370" h="1501348">
+                    <a:moveTo>
+                      <a:pt x="0" y="0"/>
+                    </a:moveTo>
+                    <a:lnTo>
+                      <a:pt x="3002696" y="0"/>
+                    </a:lnTo>
+                    <a:lnTo>
+                      <a:pt x="3753370" y="750674"/>
+                    </a:lnTo>
+                    <a:lnTo>
+                      <a:pt x="3002696" y="1501348"/>
+                    </a:lnTo>
+                    <a:lnTo>
+                      <a:pt x="0" y="1501348"/>
+                    </a:lnTo>
+                    <a:lnTo>
+                      <a:pt x="750674" y="750674"/>
+                    </a:lnTo>
+                    <a:lnTo>
+                      <a:pt x="0" y="0"/>
+                    </a:lnTo>
+                    <a:close/>
+                  </a:path>
+                </a:pathLst>
+              </a:custGeom>
+              <a:solidFill>
+                <a:srgbClr val="3CA779">
+                  <a:alpha val="50000"/>
+                </a:srgbClr>
+              </a:solidFill>
+            </p:spPr>
+            <p:style>
+              <a:lnRef idx="2">
+                <a:schemeClr val="lt1">
+                  <a:hueOff val="0"/>
+                  <a:satOff val="0"/>
+                  <a:lumOff val="0"/>
+                  <a:alphaOff val="0"/>
+                </a:schemeClr>
+              </a:lnRef>
+              <a:fillRef idx="1">
+                <a:scrgbClr r="0" g="0" b="0"/>
+              </a:fillRef>
+              <a:effectRef idx="0">
+                <a:schemeClr val="accent1">
+                  <a:hueOff val="0"/>
+                  <a:satOff val="0"/>
+                  <a:lumOff val="0"/>
+                  <a:alphaOff val="0"/>
+                </a:schemeClr>
+              </a:effectRef>
+              <a:fontRef idx="minor">
+                <a:schemeClr val="lt1"/>
+              </a:fontRef>
+            </p:style>
+            <p:txBody>
+              <a:bodyPr spcFirstLastPara="0" vert="horz" wrap="square" lIns="870689" tIns="40005" rIns="790679" bIns="40005" numCol="1" spcCol="1270" anchor="ctr" anchorCtr="0">
+                <a:noAutofit/>
+              </a:bodyPr>
+              <a:lstStyle/>
+              <a:p>
+                <a:pPr marL="0" lvl="0" indent="0" algn="ctr" defTabSz="1333500">
+                  <a:lnSpc>
+                    <a:spcPct val="90000"/>
+                  </a:lnSpc>
+                  <a:spcBef>
+                    <a:spcPct val="0"/>
+                  </a:spcBef>
+                  <a:spcAft>
+                    <a:spcPct val="35000"/>
+                  </a:spcAft>
+                  <a:buNone/>
+                </a:pPr>
+                <a:r>
+                  <a:rPr lang="en-US" sz="3000" dirty="0">
+                    <a:solidFill>
+                      <a:schemeClr val="tx1"/>
+                    </a:solidFill>
+                  </a:rPr>
+                  <a:t>E</a:t>
+                </a:r>
+                <a:r>
+                  <a:rPr lang="en-US" sz="3000" kern="1200" dirty="0">
+                    <a:solidFill>
+                      <a:schemeClr val="tx1"/>
+                    </a:solidFill>
+                  </a:rPr>
+                  <a:t>xperimental design</a:t>
+                </a:r>
+              </a:p>
+            </p:txBody>
+          </p:sp>
+          <p:sp>
+            <p:nvSpPr>
+              <p:cNvPr id="25" name="Freeform 24">
+                <a:extLst>
+                  <a:ext uri="{FF2B5EF4-FFF2-40B4-BE49-F238E27FC236}">
+                    <a16:creationId xmlns:a16="http://schemas.microsoft.com/office/drawing/2014/main" id="{B6527D25-C4A3-E942-9340-2E96CEA7A688}"/>
+                  </a:ext>
+                </a:extLst>
+              </p:cNvPr>
+              <p:cNvSpPr/>
+              <p:nvPr/>
+            </p:nvSpPr>
+            <p:spPr>
+              <a:xfrm>
+                <a:off x="4219314" y="1800287"/>
+                <a:ext cx="3753370" cy="1080000"/>
+              </a:xfrm>
+              <a:custGeom>
+                <a:avLst/>
+                <a:gdLst>
+                  <a:gd name="connsiteX0" fmla="*/ 0 w 3753370"/>
+                  <a:gd name="connsiteY0" fmla="*/ 0 h 1501348"/>
+                  <a:gd name="connsiteX1" fmla="*/ 3002696 w 3753370"/>
+                  <a:gd name="connsiteY1" fmla="*/ 0 h 1501348"/>
+                  <a:gd name="connsiteX2" fmla="*/ 3753370 w 3753370"/>
+                  <a:gd name="connsiteY2" fmla="*/ 750674 h 1501348"/>
+                  <a:gd name="connsiteX3" fmla="*/ 3002696 w 3753370"/>
+                  <a:gd name="connsiteY3" fmla="*/ 1501348 h 1501348"/>
+                  <a:gd name="connsiteX4" fmla="*/ 0 w 3753370"/>
+                  <a:gd name="connsiteY4" fmla="*/ 1501348 h 1501348"/>
+                  <a:gd name="connsiteX5" fmla="*/ 750674 w 3753370"/>
+                  <a:gd name="connsiteY5" fmla="*/ 750674 h 1501348"/>
+                  <a:gd name="connsiteX6" fmla="*/ 0 w 3753370"/>
+                  <a:gd name="connsiteY6" fmla="*/ 0 h 1501348"/>
+                </a:gdLst>
+                <a:ahLst/>
+                <a:cxnLst>
+                  <a:cxn ang="0">
+                    <a:pos x="connsiteX0" y="connsiteY0"/>
+                  </a:cxn>
+                  <a:cxn ang="0">
+                    <a:pos x="connsiteX1" y="connsiteY1"/>
+                  </a:cxn>
+                  <a:cxn ang="0">
+                    <a:pos x="connsiteX2" y="connsiteY2"/>
+                  </a:cxn>
+                  <a:cxn ang="0">
+                    <a:pos x="connsiteX3" y="connsiteY3"/>
+                  </a:cxn>
+                  <a:cxn ang="0">
+                    <a:pos x="connsiteX4" y="connsiteY4"/>
+                  </a:cxn>
+                  <a:cxn ang="0">
+                    <a:pos x="connsiteX5" y="connsiteY5"/>
+                  </a:cxn>
+                  <a:cxn ang="0">
+                    <a:pos x="connsiteX6" y="connsiteY6"/>
+                  </a:cxn>
+                </a:cxnLst>
+                <a:rect l="l" t="t" r="r" b="b"/>
+                <a:pathLst>
+                  <a:path w="3753370" h="1501348">
+                    <a:moveTo>
+                      <a:pt x="0" y="0"/>
+                    </a:moveTo>
+                    <a:lnTo>
+                      <a:pt x="3002696" y="0"/>
+                    </a:lnTo>
+                    <a:lnTo>
+                      <a:pt x="3753370" y="750674"/>
+                    </a:lnTo>
+                    <a:lnTo>
+                      <a:pt x="3002696" y="1501348"/>
+                    </a:lnTo>
+                    <a:lnTo>
+                      <a:pt x="0" y="1501348"/>
+                    </a:lnTo>
+                    <a:lnTo>
+                      <a:pt x="750674" y="750674"/>
+                    </a:lnTo>
+                    <a:lnTo>
+                      <a:pt x="0" y="0"/>
+                    </a:lnTo>
+                    <a:close/>
+                  </a:path>
+                </a:pathLst>
+              </a:custGeom>
+              <a:solidFill>
+                <a:srgbClr val="3CA779">
+                  <a:alpha val="50000"/>
+                </a:srgbClr>
+              </a:solidFill>
+            </p:spPr>
+            <p:style>
+              <a:lnRef idx="2">
+                <a:schemeClr val="lt1">
+                  <a:hueOff val="0"/>
+                  <a:satOff val="0"/>
+                  <a:lumOff val="0"/>
+                  <a:alphaOff val="0"/>
+                </a:schemeClr>
+              </a:lnRef>
+              <a:fillRef idx="1">
+                <a:scrgbClr r="0" g="0" b="0"/>
+              </a:fillRef>
+              <a:effectRef idx="0">
+                <a:schemeClr val="accent1">
+                  <a:hueOff val="0"/>
+                  <a:satOff val="0"/>
+                  <a:lumOff val="0"/>
+                  <a:alphaOff val="0"/>
+                </a:schemeClr>
+              </a:effectRef>
+              <a:fontRef idx="minor">
+                <a:schemeClr val="lt1"/>
+              </a:fontRef>
+            </p:style>
+            <p:txBody>
+              <a:bodyPr spcFirstLastPara="0" vert="horz" wrap="square" lIns="870689" tIns="40005" rIns="790679" bIns="40005" numCol="1" spcCol="1270" anchor="ctr" anchorCtr="0">
+                <a:noAutofit/>
+              </a:bodyPr>
+              <a:lstStyle/>
+              <a:p>
+                <a:pPr marL="0" lvl="0" indent="0" algn="ctr" defTabSz="1333500">
+                  <a:lnSpc>
+                    <a:spcPct val="90000"/>
+                  </a:lnSpc>
+                  <a:spcBef>
+                    <a:spcPct val="0"/>
+                  </a:spcBef>
+                  <a:spcAft>
+                    <a:spcPct val="35000"/>
+                  </a:spcAft>
+                  <a:buNone/>
+                </a:pPr>
+                <a:r>
+                  <a:rPr lang="en-US" sz="3000" dirty="0">
+                    <a:solidFill>
+                      <a:schemeClr val="tx1"/>
+                    </a:solidFill>
+                  </a:rPr>
+                  <a:t>L</a:t>
+                </a:r>
+                <a:r>
+                  <a:rPr lang="en-US" sz="3000" kern="1200" dirty="0">
+                    <a:solidFill>
+                      <a:schemeClr val="tx1"/>
+                    </a:solidFill>
+                  </a:rPr>
+                  <a:t>ibrary prep</a:t>
+                </a:r>
+              </a:p>
+            </p:txBody>
+          </p:sp>
+          <p:sp>
+            <p:nvSpPr>
+              <p:cNvPr id="26" name="Freeform 25">
+                <a:extLst>
+                  <a:ext uri="{FF2B5EF4-FFF2-40B4-BE49-F238E27FC236}">
+                    <a16:creationId xmlns:a16="http://schemas.microsoft.com/office/drawing/2014/main" id="{29A27D23-40AD-C04C-BCD0-362A6720F669}"/>
+                  </a:ext>
+                </a:extLst>
+              </p:cNvPr>
+              <p:cNvSpPr/>
+              <p:nvPr/>
+            </p:nvSpPr>
+            <p:spPr>
+              <a:xfrm>
+                <a:off x="7597348" y="1800287"/>
+                <a:ext cx="3753370" cy="1080000"/>
+              </a:xfrm>
+              <a:custGeom>
+                <a:avLst/>
+                <a:gdLst>
+                  <a:gd name="connsiteX0" fmla="*/ 0 w 3753370"/>
+                  <a:gd name="connsiteY0" fmla="*/ 0 h 1501348"/>
+                  <a:gd name="connsiteX1" fmla="*/ 3002696 w 3753370"/>
+                  <a:gd name="connsiteY1" fmla="*/ 0 h 1501348"/>
+                  <a:gd name="connsiteX2" fmla="*/ 3753370 w 3753370"/>
+                  <a:gd name="connsiteY2" fmla="*/ 750674 h 1501348"/>
+                  <a:gd name="connsiteX3" fmla="*/ 3002696 w 3753370"/>
+                  <a:gd name="connsiteY3" fmla="*/ 1501348 h 1501348"/>
+                  <a:gd name="connsiteX4" fmla="*/ 0 w 3753370"/>
+                  <a:gd name="connsiteY4" fmla="*/ 1501348 h 1501348"/>
+                  <a:gd name="connsiteX5" fmla="*/ 750674 w 3753370"/>
+                  <a:gd name="connsiteY5" fmla="*/ 750674 h 1501348"/>
+                  <a:gd name="connsiteX6" fmla="*/ 0 w 3753370"/>
+                  <a:gd name="connsiteY6" fmla="*/ 0 h 1501348"/>
+                </a:gdLst>
+                <a:ahLst/>
+                <a:cxnLst>
+                  <a:cxn ang="0">
+                    <a:pos x="connsiteX0" y="connsiteY0"/>
+                  </a:cxn>
+                  <a:cxn ang="0">
+                    <a:pos x="connsiteX1" y="connsiteY1"/>
+                  </a:cxn>
+                  <a:cxn ang="0">
+                    <a:pos x="connsiteX2" y="connsiteY2"/>
+                  </a:cxn>
+                  <a:cxn ang="0">
+                    <a:pos x="connsiteX3" y="connsiteY3"/>
+                  </a:cxn>
+                  <a:cxn ang="0">
+                    <a:pos x="connsiteX4" y="connsiteY4"/>
+                  </a:cxn>
+                  <a:cxn ang="0">
+                    <a:pos x="connsiteX5" y="connsiteY5"/>
+                  </a:cxn>
+                  <a:cxn ang="0">
+                    <a:pos x="connsiteX6" y="connsiteY6"/>
+                  </a:cxn>
+                </a:cxnLst>
+                <a:rect l="l" t="t" r="r" b="b"/>
+                <a:pathLst>
+                  <a:path w="3753370" h="1501348">
+                    <a:moveTo>
+                      <a:pt x="0" y="0"/>
+                    </a:moveTo>
+                    <a:lnTo>
+                      <a:pt x="3002696" y="0"/>
+                    </a:lnTo>
+                    <a:lnTo>
+                      <a:pt x="3753370" y="750674"/>
+                    </a:lnTo>
+                    <a:lnTo>
+                      <a:pt x="3002696" y="1501348"/>
+                    </a:lnTo>
+                    <a:lnTo>
+                      <a:pt x="0" y="1501348"/>
+                    </a:lnTo>
+                    <a:lnTo>
+                      <a:pt x="750674" y="750674"/>
+                    </a:lnTo>
+                    <a:lnTo>
+                      <a:pt x="0" y="0"/>
+                    </a:lnTo>
+                    <a:close/>
+                  </a:path>
+                </a:pathLst>
+              </a:custGeom>
+              <a:solidFill>
+                <a:srgbClr val="3CA779">
+                  <a:alpha val="50000"/>
+                </a:srgbClr>
+              </a:solidFill>
+            </p:spPr>
+            <p:style>
+              <a:lnRef idx="2">
+                <a:schemeClr val="lt1">
+                  <a:hueOff val="0"/>
+                  <a:satOff val="0"/>
+                  <a:lumOff val="0"/>
+                  <a:alphaOff val="0"/>
+                </a:schemeClr>
+              </a:lnRef>
+              <a:fillRef idx="1">
+                <a:scrgbClr r="0" g="0" b="0"/>
+              </a:fillRef>
+              <a:effectRef idx="0">
+                <a:schemeClr val="accent1">
+                  <a:hueOff val="0"/>
+                  <a:satOff val="0"/>
+                  <a:lumOff val="0"/>
+                  <a:alphaOff val="0"/>
+                </a:schemeClr>
+              </a:effectRef>
+              <a:fontRef idx="minor">
+                <a:schemeClr val="lt1"/>
+              </a:fontRef>
+            </p:style>
+            <p:txBody>
+              <a:bodyPr spcFirstLastPara="0" vert="horz" wrap="square" lIns="870689" tIns="40005" rIns="790679" bIns="40005" numCol="1" spcCol="1270" anchor="ctr" anchorCtr="0">
+                <a:noAutofit/>
+              </a:bodyPr>
+              <a:lstStyle/>
+              <a:p>
+                <a:pPr marL="0" lvl="0" indent="0" algn="ctr" defTabSz="1333500">
+                  <a:lnSpc>
+                    <a:spcPct val="90000"/>
+                  </a:lnSpc>
+                  <a:spcBef>
+                    <a:spcPct val="0"/>
+                  </a:spcBef>
+                  <a:spcAft>
+                    <a:spcPct val="35000"/>
+                  </a:spcAft>
+                  <a:buNone/>
+                </a:pPr>
+                <a:r>
+                  <a:rPr lang="en-US" sz="3000" dirty="0">
+                    <a:solidFill>
+                      <a:schemeClr val="tx1"/>
+                    </a:solidFill>
+                  </a:rPr>
+                  <a:t>S</a:t>
+                </a:r>
+                <a:r>
+                  <a:rPr lang="en-US" sz="3000" kern="1200" dirty="0">
+                    <a:solidFill>
+                      <a:schemeClr val="tx1"/>
+                    </a:solidFill>
+                  </a:rPr>
+                  <a:t>equencing</a:t>
+                </a:r>
+              </a:p>
+            </p:txBody>
+          </p:sp>
+        </p:grpSp>
+        <p:grpSp>
+          <p:nvGrpSpPr>
+            <p:cNvPr id="3" name="Group 2">
               <a:extLst>
                 <a:ext uri="{FF2B5EF4-FFF2-40B4-BE49-F238E27FC236}">
-                  <a16:creationId xmlns:a16="http://schemas.microsoft.com/office/drawing/2014/main" id="{4A9716F4-2E17-8041-8D21-BF22792E45D6}"/>
+                  <a16:creationId xmlns:a16="http://schemas.microsoft.com/office/drawing/2014/main" id="{0D39C650-2467-F340-83A9-297940213D4E}"/>
                 </a:ext>
               </a:extLst>
             </p:cNvPr>
-            <p:cNvSpPr/>
+            <p:cNvGrpSpPr/>
             <p:nvPr/>
-          </p:nvSpPr>
-          <p:spPr>
+          </p:nvGrpSpPr>
+          <p:grpSpPr>
             <a:xfrm>
-              <a:off x="841280" y="1800287"/>
-              <a:ext cx="3753370" cy="1080000"/>
+              <a:off x="841280" y="3042264"/>
+              <a:ext cx="10401437" cy="1080000"/>
+              <a:chOff x="841280" y="3556364"/>
+              <a:chExt cx="10401437" cy="1080000"/>
             </a:xfrm>
-            <a:custGeom>
-              <a:avLst/>
-              <a:gdLst>
-                <a:gd name="connsiteX0" fmla="*/ 0 w 3753370"/>
-                <a:gd name="connsiteY0" fmla="*/ 0 h 1501348"/>
-                <a:gd name="connsiteX1" fmla="*/ 3002696 w 3753370"/>
-                <a:gd name="connsiteY1" fmla="*/ 0 h 1501348"/>
-                <a:gd name="connsiteX2" fmla="*/ 3753370 w 3753370"/>
-                <a:gd name="connsiteY2" fmla="*/ 750674 h 1501348"/>
-                <a:gd name="connsiteX3" fmla="*/ 3002696 w 3753370"/>
-                <a:gd name="connsiteY3" fmla="*/ 1501348 h 1501348"/>
-                <a:gd name="connsiteX4" fmla="*/ 0 w 3753370"/>
-                <a:gd name="connsiteY4" fmla="*/ 1501348 h 1501348"/>
-                <a:gd name="connsiteX5" fmla="*/ 750674 w 3753370"/>
-                <a:gd name="connsiteY5" fmla="*/ 750674 h 1501348"/>
-                <a:gd name="connsiteX6" fmla="*/ 0 w 3753370"/>
-                <a:gd name="connsiteY6" fmla="*/ 0 h 1501348"/>
-              </a:gdLst>
-              <a:ahLst/>
-              <a:cxnLst>
-                <a:cxn ang="0">
-                  <a:pos x="connsiteX0" y="connsiteY0"/>
-                </a:cxn>
-                <a:cxn ang="0">
-                  <a:pos x="connsiteX1" y="connsiteY1"/>
-                </a:cxn>
-                <a:cxn ang="0">
-                  <a:pos x="connsiteX2" y="connsiteY2"/>
-                </a:cxn>
-                <a:cxn ang="0">
-                  <a:pos x="connsiteX3" y="connsiteY3"/>
-                </a:cxn>
-                <a:cxn ang="0">
-                  <a:pos x="connsiteX4" y="connsiteY4"/>
-                </a:cxn>
-                <a:cxn ang="0">
-                  <a:pos x="connsiteX5" y="connsiteY5"/>
-                </a:cxn>
-                <a:cxn ang="0">
-                  <a:pos x="connsiteX6" y="connsiteY6"/>
-                </a:cxn>
-              </a:cxnLst>
-              <a:rect l="l" t="t" r="r" b="b"/>
-              <a:pathLst>
-                <a:path w="3753370" h="1501348">
-                  <a:moveTo>
-                    <a:pt x="0" y="0"/>
-                  </a:moveTo>
-                  <a:lnTo>
-                    <a:pt x="3002696" y="0"/>
-                  </a:lnTo>
-                  <a:lnTo>
-                    <a:pt x="3753370" y="750674"/>
-                  </a:lnTo>
-                  <a:lnTo>
-                    <a:pt x="3002696" y="1501348"/>
-                  </a:lnTo>
-                  <a:lnTo>
-                    <a:pt x="0" y="1501348"/>
-                  </a:lnTo>
-                  <a:lnTo>
-                    <a:pt x="750674" y="750674"/>
-                  </a:lnTo>
-                  <a:lnTo>
-                    <a:pt x="0" y="0"/>
-                  </a:lnTo>
-                  <a:close/>
-                </a:path>
-              </a:pathLst>
-            </a:custGeom>
             <a:solidFill>
-              <a:srgbClr val="3CA779">
-                <a:alpha val="50000"/>
-              </a:srgbClr>
+              <a:srgbClr val="3BA779"/>
             </a:solidFill>
-          </p:spPr>
-          <p:style>
-            <a:lnRef idx="2">
-              <a:schemeClr val="lt1">
-                <a:hueOff val="0"/>
-                <a:satOff val="0"/>
-                <a:lumOff val="0"/>
-                <a:alphaOff val="0"/>
-              </a:schemeClr>
-            </a:lnRef>
-            <a:fillRef idx="1">
-              <a:scrgbClr r="0" g="0" b="0"/>
-            </a:fillRef>
-            <a:effectRef idx="0">
-              <a:schemeClr val="accent1">
-                <a:hueOff val="0"/>
-                <a:satOff val="0"/>
-                <a:lumOff val="0"/>
-                <a:alphaOff val="0"/>
-              </a:schemeClr>
-            </a:effectRef>
-            <a:fontRef idx="minor">
-              <a:schemeClr val="lt1"/>
-            </a:fontRef>
-          </p:style>
-          <p:txBody>
-            <a:bodyPr spcFirstLastPara="0" vert="horz" wrap="square" lIns="870689" tIns="40005" rIns="790679" bIns="40005" numCol="1" spcCol="1270" anchor="ctr" anchorCtr="0">
-              <a:noAutofit/>
-            </a:bodyPr>
-            <a:lstStyle/>
-            <a:p>
-              <a:pPr marL="0" lvl="0" indent="0" algn="ctr" defTabSz="1333500">
-                <a:lnSpc>
-                  <a:spcPct val="90000"/>
-                </a:lnSpc>
-                <a:spcBef>
-                  <a:spcPct val="0"/>
-                </a:spcBef>
-                <a:spcAft>
-                  <a:spcPct val="35000"/>
-                </a:spcAft>
-                <a:buNone/>
-              </a:pPr>
-              <a:r>
-                <a:rPr lang="en-US" sz="3000" dirty="0">
+          </p:grpSpPr>
+          <p:sp>
+            <p:nvSpPr>
+              <p:cNvPr id="13" name="Freeform 12">
+                <a:extLst>
+                  <a:ext uri="{FF2B5EF4-FFF2-40B4-BE49-F238E27FC236}">
+                    <a16:creationId xmlns:a16="http://schemas.microsoft.com/office/drawing/2014/main" id="{F4FFBE40-3D21-194E-9668-E4F31DDC86BD}"/>
+                  </a:ext>
+                </a:extLst>
+              </p:cNvPr>
+              <p:cNvSpPr/>
+              <p:nvPr/>
+            </p:nvSpPr>
+            <p:spPr>
+              <a:xfrm>
+                <a:off x="841280" y="3556364"/>
+                <a:ext cx="5730970" cy="1080000"/>
+              </a:xfrm>
+              <a:custGeom>
+                <a:avLst/>
+                <a:gdLst>
+                  <a:gd name="connsiteX0" fmla="*/ 0 w 3753370"/>
+                  <a:gd name="connsiteY0" fmla="*/ 0 h 1501348"/>
+                  <a:gd name="connsiteX1" fmla="*/ 3002696 w 3753370"/>
+                  <a:gd name="connsiteY1" fmla="*/ 0 h 1501348"/>
+                  <a:gd name="connsiteX2" fmla="*/ 3753370 w 3753370"/>
+                  <a:gd name="connsiteY2" fmla="*/ 750674 h 1501348"/>
+                  <a:gd name="connsiteX3" fmla="*/ 3002696 w 3753370"/>
+                  <a:gd name="connsiteY3" fmla="*/ 1501348 h 1501348"/>
+                  <a:gd name="connsiteX4" fmla="*/ 0 w 3753370"/>
+                  <a:gd name="connsiteY4" fmla="*/ 1501348 h 1501348"/>
+                  <a:gd name="connsiteX5" fmla="*/ 750674 w 3753370"/>
+                  <a:gd name="connsiteY5" fmla="*/ 750674 h 1501348"/>
+                  <a:gd name="connsiteX6" fmla="*/ 0 w 3753370"/>
+                  <a:gd name="connsiteY6" fmla="*/ 0 h 1501348"/>
+                </a:gdLst>
+                <a:ahLst/>
+                <a:cxnLst>
+                  <a:cxn ang="0">
+                    <a:pos x="connsiteX0" y="connsiteY0"/>
+                  </a:cxn>
+                  <a:cxn ang="0">
+                    <a:pos x="connsiteX1" y="connsiteY1"/>
+                  </a:cxn>
+                  <a:cxn ang="0">
+                    <a:pos x="connsiteX2" y="connsiteY2"/>
+                  </a:cxn>
+                  <a:cxn ang="0">
+                    <a:pos x="connsiteX3" y="connsiteY3"/>
+                  </a:cxn>
+                  <a:cxn ang="0">
+                    <a:pos x="connsiteX4" y="connsiteY4"/>
+                  </a:cxn>
+                  <a:cxn ang="0">
+                    <a:pos x="connsiteX5" y="connsiteY5"/>
+                  </a:cxn>
+                  <a:cxn ang="0">
+                    <a:pos x="connsiteX6" y="connsiteY6"/>
+                  </a:cxn>
+                </a:cxnLst>
+                <a:rect l="l" t="t" r="r" b="b"/>
+                <a:pathLst>
+                  <a:path w="3753370" h="1501348">
+                    <a:moveTo>
+                      <a:pt x="0" y="0"/>
+                    </a:moveTo>
+                    <a:lnTo>
+                      <a:pt x="3002696" y="0"/>
+                    </a:lnTo>
+                    <a:lnTo>
+                      <a:pt x="3753370" y="750674"/>
+                    </a:lnTo>
+                    <a:lnTo>
+                      <a:pt x="3002696" y="1501348"/>
+                    </a:lnTo>
+                    <a:lnTo>
+                      <a:pt x="0" y="1501348"/>
+                    </a:lnTo>
+                    <a:lnTo>
+                      <a:pt x="750674" y="750674"/>
+                    </a:lnTo>
+                    <a:lnTo>
+                      <a:pt x="0" y="0"/>
+                    </a:lnTo>
+                    <a:close/>
+                  </a:path>
+                </a:pathLst>
+              </a:custGeom>
+              <a:grpFill/>
+            </p:spPr>
+            <p:style>
+              <a:lnRef idx="2">
+                <a:schemeClr val="lt1">
+                  <a:hueOff val="0"/>
+                  <a:satOff val="0"/>
+                  <a:lumOff val="0"/>
+                  <a:alphaOff val="0"/>
+                </a:schemeClr>
+              </a:lnRef>
+              <a:fillRef idx="1">
+                <a:scrgbClr r="0" g="0" b="0"/>
+              </a:fillRef>
+              <a:effectRef idx="0">
+                <a:schemeClr val="accent1">
+                  <a:hueOff val="0"/>
+                  <a:satOff val="0"/>
+                  <a:lumOff val="0"/>
+                  <a:alphaOff val="0"/>
+                </a:schemeClr>
+              </a:effectRef>
+              <a:fontRef idx="minor">
+                <a:schemeClr val="lt1"/>
+              </a:fontRef>
+            </p:style>
+            <p:txBody>
+              <a:bodyPr spcFirstLastPara="0" vert="horz" wrap="square" lIns="882691" tIns="44006" rIns="794680" bIns="44006" numCol="1" spcCol="1270" anchor="ctr" anchorCtr="0">
+                <a:noAutofit/>
+              </a:bodyPr>
+              <a:lstStyle/>
+              <a:p>
+                <a:pPr marL="0" lvl="0" indent="0" algn="ctr" defTabSz="1466850">
+                  <a:lnSpc>
+                    <a:spcPct val="90000"/>
+                  </a:lnSpc>
+                  <a:spcBef>
+                    <a:spcPct val="0"/>
+                  </a:spcBef>
+                  <a:spcAft>
+                    <a:spcPct val="35000"/>
+                  </a:spcAft>
+                  <a:buNone/>
+                </a:pPr>
+                <a:r>
+                  <a:rPr lang="en-US" sz="2800" dirty="0">
+                    <a:solidFill>
+                      <a:schemeClr val="tx1"/>
+                    </a:solidFill>
+                  </a:rPr>
+                  <a:t>S</a:t>
+                </a:r>
+                <a:r>
+                  <a:rPr lang="en-US" sz="2800" kern="1200" dirty="0">
+                    <a:solidFill>
+                      <a:schemeClr val="tx1"/>
+                    </a:solidFill>
+                  </a:rPr>
+                  <a:t>equence QC</a:t>
+                </a:r>
+                <a:br>
+                  <a:rPr lang="en-US" sz="2800" kern="1200" dirty="0">
+                    <a:solidFill>
+                      <a:schemeClr val="tx1"/>
+                    </a:solidFill>
+                  </a:rPr>
+                </a:br>
+                <a:r>
+                  <a:rPr lang="en-US" sz="2800" kern="1200" dirty="0">
+                    <a:solidFill>
+                      <a:schemeClr val="tx1"/>
+                    </a:solidFill>
+                  </a:rPr>
+                  <a:t>(FASTQs)</a:t>
+                </a:r>
+              </a:p>
+            </p:txBody>
+          </p:sp>
+          <p:sp>
+            <p:nvSpPr>
+              <p:cNvPr id="14" name="Freeform 13">
+                <a:extLst>
+                  <a:ext uri="{FF2B5EF4-FFF2-40B4-BE49-F238E27FC236}">
+                    <a16:creationId xmlns:a16="http://schemas.microsoft.com/office/drawing/2014/main" id="{54A58763-7619-6248-8BEA-F8C01A2559C0}"/>
+                  </a:ext>
+                </a:extLst>
+              </p:cNvPr>
+              <p:cNvSpPr/>
+              <p:nvPr/>
+            </p:nvSpPr>
+            <p:spPr>
+              <a:xfrm>
+                <a:off x="5886450" y="3556364"/>
+                <a:ext cx="5356267" cy="1080000"/>
+              </a:xfrm>
+              <a:custGeom>
+                <a:avLst/>
+                <a:gdLst>
+                  <a:gd name="connsiteX0" fmla="*/ 0 w 3753370"/>
+                  <a:gd name="connsiteY0" fmla="*/ 0 h 1501348"/>
+                  <a:gd name="connsiteX1" fmla="*/ 3002696 w 3753370"/>
+                  <a:gd name="connsiteY1" fmla="*/ 0 h 1501348"/>
+                  <a:gd name="connsiteX2" fmla="*/ 3753370 w 3753370"/>
+                  <a:gd name="connsiteY2" fmla="*/ 750674 h 1501348"/>
+                  <a:gd name="connsiteX3" fmla="*/ 3002696 w 3753370"/>
+                  <a:gd name="connsiteY3" fmla="*/ 1501348 h 1501348"/>
+                  <a:gd name="connsiteX4" fmla="*/ 0 w 3753370"/>
+                  <a:gd name="connsiteY4" fmla="*/ 1501348 h 1501348"/>
+                  <a:gd name="connsiteX5" fmla="*/ 750674 w 3753370"/>
+                  <a:gd name="connsiteY5" fmla="*/ 750674 h 1501348"/>
+                  <a:gd name="connsiteX6" fmla="*/ 0 w 3753370"/>
+                  <a:gd name="connsiteY6" fmla="*/ 0 h 1501348"/>
+                </a:gdLst>
+                <a:ahLst/>
+                <a:cxnLst>
+                  <a:cxn ang="0">
+                    <a:pos x="connsiteX0" y="connsiteY0"/>
+                  </a:cxn>
+                  <a:cxn ang="0">
+                    <a:pos x="connsiteX1" y="connsiteY1"/>
+                  </a:cxn>
+                  <a:cxn ang="0">
+                    <a:pos x="connsiteX2" y="connsiteY2"/>
+                  </a:cxn>
+                  <a:cxn ang="0">
+                    <a:pos x="connsiteX3" y="connsiteY3"/>
+                  </a:cxn>
+                  <a:cxn ang="0">
+                    <a:pos x="connsiteX4" y="connsiteY4"/>
+                  </a:cxn>
+                  <a:cxn ang="0">
+                    <a:pos x="connsiteX5" y="connsiteY5"/>
+                  </a:cxn>
+                  <a:cxn ang="0">
+                    <a:pos x="connsiteX6" y="connsiteY6"/>
+                  </a:cxn>
+                </a:cxnLst>
+                <a:rect l="l" t="t" r="r" b="b"/>
+                <a:pathLst>
+                  <a:path w="3753370" h="1501348">
+                    <a:moveTo>
+                      <a:pt x="0" y="0"/>
+                    </a:moveTo>
+                    <a:lnTo>
+                      <a:pt x="3002696" y="0"/>
+                    </a:lnTo>
+                    <a:lnTo>
+                      <a:pt x="3753370" y="750674"/>
+                    </a:lnTo>
+                    <a:lnTo>
+                      <a:pt x="3002696" y="1501348"/>
+                    </a:lnTo>
+                    <a:lnTo>
+                      <a:pt x="0" y="1501348"/>
+                    </a:lnTo>
+                    <a:lnTo>
+                      <a:pt x="750674" y="750674"/>
+                    </a:lnTo>
+                    <a:lnTo>
+                      <a:pt x="0" y="0"/>
+                    </a:lnTo>
+                    <a:close/>
+                  </a:path>
+                </a:pathLst>
+              </a:custGeom>
+              <a:grpFill/>
+            </p:spPr>
+            <p:style>
+              <a:lnRef idx="2">
+                <a:schemeClr val="lt1">
+                  <a:hueOff val="0"/>
+                  <a:satOff val="0"/>
+                  <a:lumOff val="0"/>
+                  <a:alphaOff val="0"/>
+                </a:schemeClr>
+              </a:lnRef>
+              <a:fillRef idx="1">
+                <a:scrgbClr r="0" g="0" b="0"/>
+              </a:fillRef>
+              <a:effectRef idx="0">
+                <a:schemeClr val="accent1">
+                  <a:hueOff val="0"/>
+                  <a:satOff val="0"/>
+                  <a:lumOff val="0"/>
+                  <a:alphaOff val="0"/>
+                </a:schemeClr>
+              </a:effectRef>
+              <a:fontRef idx="minor">
+                <a:schemeClr val="lt1"/>
+              </a:fontRef>
+            </p:style>
+            <p:txBody>
+              <a:bodyPr spcFirstLastPara="0" vert="horz" wrap="square" lIns="882691" tIns="44006" rIns="794680" bIns="44006" numCol="1" spcCol="1270" anchor="ctr" anchorCtr="0">
+                <a:noAutofit/>
+              </a:bodyPr>
+              <a:lstStyle/>
+              <a:p>
+                <a:pPr marL="0" lvl="0" indent="0" algn="ctr" defTabSz="1466850">
+                  <a:lnSpc>
+                    <a:spcPct val="90000"/>
+                  </a:lnSpc>
+                  <a:spcBef>
+                    <a:spcPct val="0"/>
+                  </a:spcBef>
+                  <a:spcAft>
+                    <a:spcPct val="35000"/>
+                  </a:spcAft>
+                  <a:buNone/>
+                </a:pPr>
+                <a:r>
+                  <a:rPr lang="en-US" sz="3300" dirty="0">
+                    <a:solidFill>
+                      <a:schemeClr val="tx1"/>
+                    </a:solidFill>
+                  </a:rPr>
+                  <a:t>A</a:t>
+                </a:r>
+                <a:r>
+                  <a:rPr lang="en-US" sz="3300" kern="1200" dirty="0">
+                    <a:solidFill>
+                      <a:schemeClr val="tx1"/>
+                    </a:solidFill>
+                  </a:rPr>
+                  <a:t>lignment</a:t>
+                </a:r>
+              </a:p>
+              <a:p>
+                <a:pPr marL="0" lvl="0" indent="0" algn="ctr" defTabSz="1466850">
+                  <a:lnSpc>
+                    <a:spcPct val="90000"/>
+                  </a:lnSpc>
+                  <a:spcBef>
+                    <a:spcPct val="0"/>
+                  </a:spcBef>
+                  <a:spcAft>
+                    <a:spcPct val="35000"/>
+                  </a:spcAft>
+                  <a:buNone/>
+                </a:pPr>
+                <a:r>
+                  <a:rPr lang="en-US" sz="3300" kern="1200" dirty="0">
+                    <a:solidFill>
+                      <a:schemeClr val="tx1"/>
+                    </a:solidFill>
+                  </a:rPr>
+                  <a:t>(BAMs)</a:t>
+                </a:r>
+              </a:p>
+            </p:txBody>
+          </p:sp>
+        </p:grpSp>
+        <p:grpSp>
+          <p:nvGrpSpPr>
+            <p:cNvPr id="41" name="Group 40">
+              <a:extLst>
+                <a:ext uri="{FF2B5EF4-FFF2-40B4-BE49-F238E27FC236}">
+                  <a16:creationId xmlns:a16="http://schemas.microsoft.com/office/drawing/2014/main" id="{2B14A426-7637-D04B-A331-8AD50814DCF5}"/>
+                </a:ext>
+              </a:extLst>
+            </p:cNvPr>
+            <p:cNvGrpSpPr/>
+            <p:nvPr/>
+          </p:nvGrpSpPr>
+          <p:grpSpPr>
+            <a:xfrm>
+              <a:off x="841280" y="4302067"/>
+              <a:ext cx="10401437" cy="1080000"/>
+              <a:chOff x="841280" y="3556364"/>
+              <a:chExt cx="10401437" cy="1080000"/>
+            </a:xfrm>
+            <a:solidFill>
+              <a:srgbClr val="3BA779"/>
+            </a:solidFill>
+          </p:grpSpPr>
+          <p:sp>
+            <p:nvSpPr>
+              <p:cNvPr id="43" name="Freeform 42">
+                <a:extLst>
+                  <a:ext uri="{FF2B5EF4-FFF2-40B4-BE49-F238E27FC236}">
+                    <a16:creationId xmlns:a16="http://schemas.microsoft.com/office/drawing/2014/main" id="{481F339D-286E-9442-9F1B-61FC78476EEE}"/>
+                  </a:ext>
+                </a:extLst>
+              </p:cNvPr>
+              <p:cNvSpPr/>
+              <p:nvPr/>
+            </p:nvSpPr>
+            <p:spPr>
+              <a:xfrm>
+                <a:off x="841280" y="3556364"/>
+                <a:ext cx="5730970" cy="1080000"/>
+              </a:xfrm>
+              <a:custGeom>
+                <a:avLst/>
+                <a:gdLst>
+                  <a:gd name="connsiteX0" fmla="*/ 0 w 3753370"/>
+                  <a:gd name="connsiteY0" fmla="*/ 0 h 1501348"/>
+                  <a:gd name="connsiteX1" fmla="*/ 3002696 w 3753370"/>
+                  <a:gd name="connsiteY1" fmla="*/ 0 h 1501348"/>
+                  <a:gd name="connsiteX2" fmla="*/ 3753370 w 3753370"/>
+                  <a:gd name="connsiteY2" fmla="*/ 750674 h 1501348"/>
+                  <a:gd name="connsiteX3" fmla="*/ 3002696 w 3753370"/>
+                  <a:gd name="connsiteY3" fmla="*/ 1501348 h 1501348"/>
+                  <a:gd name="connsiteX4" fmla="*/ 0 w 3753370"/>
+                  <a:gd name="connsiteY4" fmla="*/ 1501348 h 1501348"/>
+                  <a:gd name="connsiteX5" fmla="*/ 750674 w 3753370"/>
+                  <a:gd name="connsiteY5" fmla="*/ 750674 h 1501348"/>
+                  <a:gd name="connsiteX6" fmla="*/ 0 w 3753370"/>
+                  <a:gd name="connsiteY6" fmla="*/ 0 h 1501348"/>
+                </a:gdLst>
+                <a:ahLst/>
+                <a:cxnLst>
+                  <a:cxn ang="0">
+                    <a:pos x="connsiteX0" y="connsiteY0"/>
+                  </a:cxn>
+                  <a:cxn ang="0">
+                    <a:pos x="connsiteX1" y="connsiteY1"/>
+                  </a:cxn>
+                  <a:cxn ang="0">
+                    <a:pos x="connsiteX2" y="connsiteY2"/>
+                  </a:cxn>
+                  <a:cxn ang="0">
+                    <a:pos x="connsiteX3" y="connsiteY3"/>
+                  </a:cxn>
+                  <a:cxn ang="0">
+                    <a:pos x="connsiteX4" y="connsiteY4"/>
+                  </a:cxn>
+                  <a:cxn ang="0">
+                    <a:pos x="connsiteX5" y="connsiteY5"/>
+                  </a:cxn>
+                  <a:cxn ang="0">
+                    <a:pos x="connsiteX6" y="connsiteY6"/>
+                  </a:cxn>
+                </a:cxnLst>
+                <a:rect l="l" t="t" r="r" b="b"/>
+                <a:pathLst>
+                  <a:path w="3753370" h="1501348">
+                    <a:moveTo>
+                      <a:pt x="0" y="0"/>
+                    </a:moveTo>
+                    <a:lnTo>
+                      <a:pt x="3002696" y="0"/>
+                    </a:lnTo>
+                    <a:lnTo>
+                      <a:pt x="3753370" y="750674"/>
+                    </a:lnTo>
+                    <a:lnTo>
+                      <a:pt x="3002696" y="1501348"/>
+                    </a:lnTo>
+                    <a:lnTo>
+                      <a:pt x="0" y="1501348"/>
+                    </a:lnTo>
+                    <a:lnTo>
+                      <a:pt x="750674" y="750674"/>
+                    </a:lnTo>
+                    <a:lnTo>
+                      <a:pt x="0" y="0"/>
+                    </a:lnTo>
+                    <a:close/>
+                  </a:path>
+                </a:pathLst>
+              </a:custGeom>
+              <a:grpFill/>
+            </p:spPr>
+            <p:style>
+              <a:lnRef idx="2">
+                <a:schemeClr val="lt1">
+                  <a:hueOff val="0"/>
+                  <a:satOff val="0"/>
+                  <a:lumOff val="0"/>
+                  <a:alphaOff val="0"/>
+                </a:schemeClr>
+              </a:lnRef>
+              <a:fillRef idx="1">
+                <a:scrgbClr r="0" g="0" b="0"/>
+              </a:fillRef>
+              <a:effectRef idx="0">
+                <a:schemeClr val="accent1">
+                  <a:hueOff val="0"/>
+                  <a:satOff val="0"/>
+                  <a:lumOff val="0"/>
+                  <a:alphaOff val="0"/>
+                </a:schemeClr>
+              </a:effectRef>
+              <a:fontRef idx="minor">
+                <a:schemeClr val="lt1"/>
+              </a:fontRef>
+            </p:style>
+            <p:txBody>
+              <a:bodyPr spcFirstLastPara="0" vert="horz" wrap="square" lIns="882691" tIns="44006" rIns="794680" bIns="44006" numCol="1" spcCol="1270" anchor="ctr" anchorCtr="0">
+                <a:noAutofit/>
+              </a:bodyPr>
+              <a:lstStyle/>
+              <a:p>
+                <a:pPr marL="0" lvl="0" indent="0" algn="ctr" defTabSz="1466850">
+                  <a:lnSpc>
+                    <a:spcPct val="90000"/>
+                  </a:lnSpc>
+                  <a:spcBef>
+                    <a:spcPct val="0"/>
+                  </a:spcBef>
+                  <a:spcAft>
+                    <a:spcPct val="35000"/>
+                  </a:spcAft>
+                  <a:buNone/>
+                </a:pPr>
+                <a:r>
+                  <a:rPr lang="en-US" sz="2800" dirty="0">
+                    <a:solidFill>
+                      <a:schemeClr val="tx1"/>
+                    </a:solidFill>
+                  </a:rPr>
+                  <a:t>Quantification</a:t>
+                </a:r>
+              </a:p>
+              <a:p>
+                <a:pPr marL="0" lvl="0" indent="0" algn="ctr" defTabSz="1466850">
+                  <a:lnSpc>
+                    <a:spcPct val="90000"/>
+                  </a:lnSpc>
+                  <a:spcBef>
+                    <a:spcPct val="0"/>
+                  </a:spcBef>
+                  <a:spcAft>
+                    <a:spcPct val="35000"/>
+                  </a:spcAft>
+                  <a:buNone/>
+                </a:pPr>
+                <a:r>
+                  <a:rPr lang="en-US" sz="2800" kern="1200" dirty="0">
+                    <a:solidFill>
+                      <a:schemeClr val="tx1"/>
+                    </a:solidFill>
+                  </a:rPr>
+                  <a:t>(count matrix)</a:t>
+                </a:r>
+              </a:p>
+            </p:txBody>
+          </p:sp>
+          <p:sp>
+            <p:nvSpPr>
+              <p:cNvPr id="44" name="Freeform 43">
+                <a:extLst>
+                  <a:ext uri="{FF2B5EF4-FFF2-40B4-BE49-F238E27FC236}">
+                    <a16:creationId xmlns:a16="http://schemas.microsoft.com/office/drawing/2014/main" id="{4B39E34C-8DEA-524B-A8DD-FEBA948606FD}"/>
+                  </a:ext>
+                </a:extLst>
+              </p:cNvPr>
+              <p:cNvSpPr/>
+              <p:nvPr/>
+            </p:nvSpPr>
+            <p:spPr>
+              <a:xfrm>
+                <a:off x="5886450" y="3556364"/>
+                <a:ext cx="5356267" cy="1080000"/>
+              </a:xfrm>
+              <a:custGeom>
+                <a:avLst/>
+                <a:gdLst>
+                  <a:gd name="connsiteX0" fmla="*/ 0 w 3753370"/>
+                  <a:gd name="connsiteY0" fmla="*/ 0 h 1501348"/>
+                  <a:gd name="connsiteX1" fmla="*/ 3002696 w 3753370"/>
+                  <a:gd name="connsiteY1" fmla="*/ 0 h 1501348"/>
+                  <a:gd name="connsiteX2" fmla="*/ 3753370 w 3753370"/>
+                  <a:gd name="connsiteY2" fmla="*/ 750674 h 1501348"/>
+                  <a:gd name="connsiteX3" fmla="*/ 3002696 w 3753370"/>
+                  <a:gd name="connsiteY3" fmla="*/ 1501348 h 1501348"/>
+                  <a:gd name="connsiteX4" fmla="*/ 0 w 3753370"/>
+                  <a:gd name="connsiteY4" fmla="*/ 1501348 h 1501348"/>
+                  <a:gd name="connsiteX5" fmla="*/ 750674 w 3753370"/>
+                  <a:gd name="connsiteY5" fmla="*/ 750674 h 1501348"/>
+                  <a:gd name="connsiteX6" fmla="*/ 0 w 3753370"/>
+                  <a:gd name="connsiteY6" fmla="*/ 0 h 1501348"/>
+                </a:gdLst>
+                <a:ahLst/>
+                <a:cxnLst>
+                  <a:cxn ang="0">
+                    <a:pos x="connsiteX0" y="connsiteY0"/>
+                  </a:cxn>
+                  <a:cxn ang="0">
+                    <a:pos x="connsiteX1" y="connsiteY1"/>
+                  </a:cxn>
+                  <a:cxn ang="0">
+                    <a:pos x="connsiteX2" y="connsiteY2"/>
+                  </a:cxn>
+                  <a:cxn ang="0">
+                    <a:pos x="connsiteX3" y="connsiteY3"/>
+                  </a:cxn>
+                  <a:cxn ang="0">
+                    <a:pos x="connsiteX4" y="connsiteY4"/>
+                  </a:cxn>
+                  <a:cxn ang="0">
+                    <a:pos x="connsiteX5" y="connsiteY5"/>
+                  </a:cxn>
+                  <a:cxn ang="0">
+                    <a:pos x="connsiteX6" y="connsiteY6"/>
+                  </a:cxn>
+                </a:cxnLst>
+                <a:rect l="l" t="t" r="r" b="b"/>
+                <a:pathLst>
+                  <a:path w="3753370" h="1501348">
+                    <a:moveTo>
+                      <a:pt x="0" y="0"/>
+                    </a:moveTo>
+                    <a:lnTo>
+                      <a:pt x="3002696" y="0"/>
+                    </a:lnTo>
+                    <a:lnTo>
+                      <a:pt x="3753370" y="750674"/>
+                    </a:lnTo>
+                    <a:lnTo>
+                      <a:pt x="3002696" y="1501348"/>
+                    </a:lnTo>
+                    <a:lnTo>
+                      <a:pt x="0" y="1501348"/>
+                    </a:lnTo>
+                    <a:lnTo>
+                      <a:pt x="750674" y="750674"/>
+                    </a:lnTo>
+                    <a:lnTo>
+                      <a:pt x="0" y="0"/>
+                    </a:lnTo>
+                    <a:close/>
+                  </a:path>
+                </a:pathLst>
+              </a:custGeom>
+              <a:grpFill/>
+            </p:spPr>
+            <p:style>
+              <a:lnRef idx="2">
+                <a:schemeClr val="lt1">
+                  <a:hueOff val="0"/>
+                  <a:satOff val="0"/>
+                  <a:lumOff val="0"/>
+                  <a:alphaOff val="0"/>
+                </a:schemeClr>
+              </a:lnRef>
+              <a:fillRef idx="1">
+                <a:scrgbClr r="0" g="0" b="0"/>
+              </a:fillRef>
+              <a:effectRef idx="0">
+                <a:schemeClr val="accent1">
+                  <a:hueOff val="0"/>
+                  <a:satOff val="0"/>
+                  <a:lumOff val="0"/>
+                  <a:alphaOff val="0"/>
+                </a:schemeClr>
+              </a:effectRef>
+              <a:fontRef idx="minor">
+                <a:schemeClr val="lt1"/>
+              </a:fontRef>
+            </p:style>
+            <p:txBody>
+              <a:bodyPr spcFirstLastPara="0" vert="horz" wrap="square" lIns="882691" tIns="44006" rIns="794680" bIns="44006" numCol="1" spcCol="1270" anchor="ctr" anchorCtr="0">
+                <a:noAutofit/>
+              </a:bodyPr>
+              <a:lstStyle/>
+              <a:p>
+                <a:pPr marL="0" lvl="0" indent="0" algn="ctr" defTabSz="1466850">
+                  <a:lnSpc>
+                    <a:spcPct val="90000"/>
+                  </a:lnSpc>
+                  <a:spcBef>
+                    <a:spcPct val="0"/>
+                  </a:spcBef>
+                  <a:spcAft>
+                    <a:spcPct val="35000"/>
+                  </a:spcAft>
+                  <a:buNone/>
+                </a:pPr>
+                <a:r>
+                  <a:rPr lang="en-US" sz="3300" dirty="0">
+                    <a:solidFill>
+                      <a:schemeClr val="tx1"/>
+                    </a:solidFill>
+                  </a:rPr>
+                  <a:t>Define groups</a:t>
+                </a:r>
+                <a:br>
+                  <a:rPr lang="en-US" sz="3300" dirty="0">
+                    <a:solidFill>
+                      <a:schemeClr val="tx1"/>
+                    </a:solidFill>
+                  </a:rPr>
+                </a:br>
+                <a:r>
+                  <a:rPr lang="en-US" sz="3300" dirty="0">
+                    <a:solidFill>
+                      <a:schemeClr val="tx1"/>
+                    </a:solidFill>
+                  </a:rPr>
+                  <a:t>&amp; fit model</a:t>
+                </a:r>
+                <a:endParaRPr lang="en-US" sz="3300" kern="1200" dirty="0">
                   <a:solidFill>
                     <a:schemeClr val="tx1"/>
                   </a:solidFill>
-                </a:rPr>
-                <a:t>E</a:t>
-              </a:r>
-              <a:r>
-                <a:rPr lang="en-US" sz="3000" kern="1200" dirty="0">
+                </a:endParaRPr>
+              </a:p>
+            </p:txBody>
+          </p:sp>
+        </p:grpSp>
+        <p:grpSp>
+          <p:nvGrpSpPr>
+            <p:cNvPr id="46" name="Group 45">
+              <a:extLst>
+                <a:ext uri="{FF2B5EF4-FFF2-40B4-BE49-F238E27FC236}">
+                  <a16:creationId xmlns:a16="http://schemas.microsoft.com/office/drawing/2014/main" id="{8B3EEF87-7C1F-6649-8C07-A0AC1F77C716}"/>
+                </a:ext>
+              </a:extLst>
+            </p:cNvPr>
+            <p:cNvGrpSpPr/>
+            <p:nvPr/>
+          </p:nvGrpSpPr>
+          <p:grpSpPr>
+            <a:xfrm>
+              <a:off x="841280" y="5559258"/>
+              <a:ext cx="10401437" cy="1080000"/>
+              <a:chOff x="841280" y="3556364"/>
+              <a:chExt cx="10401437" cy="1080000"/>
+            </a:xfrm>
+            <a:solidFill>
+              <a:srgbClr val="3BA779"/>
+            </a:solidFill>
+          </p:grpSpPr>
+          <p:sp>
+            <p:nvSpPr>
+              <p:cNvPr id="48" name="Freeform 47">
+                <a:extLst>
+                  <a:ext uri="{FF2B5EF4-FFF2-40B4-BE49-F238E27FC236}">
+                    <a16:creationId xmlns:a16="http://schemas.microsoft.com/office/drawing/2014/main" id="{9B37D20B-301E-F143-B0C5-5790086F53A7}"/>
+                  </a:ext>
+                </a:extLst>
+              </p:cNvPr>
+              <p:cNvSpPr/>
+              <p:nvPr/>
+            </p:nvSpPr>
+            <p:spPr>
+              <a:xfrm>
+                <a:off x="841280" y="3556364"/>
+                <a:ext cx="5730970" cy="1080000"/>
+              </a:xfrm>
+              <a:custGeom>
+                <a:avLst/>
+                <a:gdLst>
+                  <a:gd name="connsiteX0" fmla="*/ 0 w 3753370"/>
+                  <a:gd name="connsiteY0" fmla="*/ 0 h 1501348"/>
+                  <a:gd name="connsiteX1" fmla="*/ 3002696 w 3753370"/>
+                  <a:gd name="connsiteY1" fmla="*/ 0 h 1501348"/>
+                  <a:gd name="connsiteX2" fmla="*/ 3753370 w 3753370"/>
+                  <a:gd name="connsiteY2" fmla="*/ 750674 h 1501348"/>
+                  <a:gd name="connsiteX3" fmla="*/ 3002696 w 3753370"/>
+                  <a:gd name="connsiteY3" fmla="*/ 1501348 h 1501348"/>
+                  <a:gd name="connsiteX4" fmla="*/ 0 w 3753370"/>
+                  <a:gd name="connsiteY4" fmla="*/ 1501348 h 1501348"/>
+                  <a:gd name="connsiteX5" fmla="*/ 750674 w 3753370"/>
+                  <a:gd name="connsiteY5" fmla="*/ 750674 h 1501348"/>
+                  <a:gd name="connsiteX6" fmla="*/ 0 w 3753370"/>
+                  <a:gd name="connsiteY6" fmla="*/ 0 h 1501348"/>
+                </a:gdLst>
+                <a:ahLst/>
+                <a:cxnLst>
+                  <a:cxn ang="0">
+                    <a:pos x="connsiteX0" y="connsiteY0"/>
+                  </a:cxn>
+                  <a:cxn ang="0">
+                    <a:pos x="connsiteX1" y="connsiteY1"/>
+                  </a:cxn>
+                  <a:cxn ang="0">
+                    <a:pos x="connsiteX2" y="connsiteY2"/>
+                  </a:cxn>
+                  <a:cxn ang="0">
+                    <a:pos x="connsiteX3" y="connsiteY3"/>
+                  </a:cxn>
+                  <a:cxn ang="0">
+                    <a:pos x="connsiteX4" y="connsiteY4"/>
+                  </a:cxn>
+                  <a:cxn ang="0">
+                    <a:pos x="connsiteX5" y="connsiteY5"/>
+                  </a:cxn>
+                  <a:cxn ang="0">
+                    <a:pos x="connsiteX6" y="connsiteY6"/>
+                  </a:cxn>
+                </a:cxnLst>
+                <a:rect l="l" t="t" r="r" b="b"/>
+                <a:pathLst>
+                  <a:path w="3753370" h="1501348">
+                    <a:moveTo>
+                      <a:pt x="0" y="0"/>
+                    </a:moveTo>
+                    <a:lnTo>
+                      <a:pt x="3002696" y="0"/>
+                    </a:lnTo>
+                    <a:lnTo>
+                      <a:pt x="3753370" y="750674"/>
+                    </a:lnTo>
+                    <a:lnTo>
+                      <a:pt x="3002696" y="1501348"/>
+                    </a:lnTo>
+                    <a:lnTo>
+                      <a:pt x="0" y="1501348"/>
+                    </a:lnTo>
+                    <a:lnTo>
+                      <a:pt x="750674" y="750674"/>
+                    </a:lnTo>
+                    <a:lnTo>
+                      <a:pt x="0" y="0"/>
+                    </a:lnTo>
+                    <a:close/>
+                  </a:path>
+                </a:pathLst>
+              </a:custGeom>
+              <a:grpFill/>
+            </p:spPr>
+            <p:style>
+              <a:lnRef idx="2">
+                <a:schemeClr val="lt1">
+                  <a:hueOff val="0"/>
+                  <a:satOff val="0"/>
+                  <a:lumOff val="0"/>
+                  <a:alphaOff val="0"/>
+                </a:schemeClr>
+              </a:lnRef>
+              <a:fillRef idx="1">
+                <a:scrgbClr r="0" g="0" b="0"/>
+              </a:fillRef>
+              <a:effectRef idx="0">
+                <a:schemeClr val="accent1">
+                  <a:hueOff val="0"/>
+                  <a:satOff val="0"/>
+                  <a:lumOff val="0"/>
+                  <a:alphaOff val="0"/>
+                </a:schemeClr>
+              </a:effectRef>
+              <a:fontRef idx="minor">
+                <a:schemeClr val="lt1"/>
+              </a:fontRef>
+            </p:style>
+            <p:txBody>
+              <a:bodyPr spcFirstLastPara="0" vert="horz" wrap="square" lIns="882691" tIns="44006" rIns="794680" bIns="44006" numCol="1" spcCol="1270" anchor="ctr" anchorCtr="0">
+                <a:noAutofit/>
+              </a:bodyPr>
+              <a:lstStyle/>
+              <a:p>
+                <a:pPr marL="0" lvl="0" indent="0" algn="ctr" defTabSz="1466850">
+                  <a:lnSpc>
+                    <a:spcPct val="90000"/>
+                  </a:lnSpc>
+                  <a:spcBef>
+                    <a:spcPct val="0"/>
+                  </a:spcBef>
+                  <a:spcAft>
+                    <a:spcPct val="35000"/>
+                  </a:spcAft>
+                  <a:buNone/>
+                </a:pPr>
+                <a:r>
+                  <a:rPr lang="en-US" sz="2800" dirty="0">
+                    <a:solidFill>
+                      <a:schemeClr val="tx1"/>
+                    </a:solidFill>
+                  </a:rPr>
+                  <a:t>Expression plots</a:t>
+                </a:r>
+                <a:br>
+                  <a:rPr lang="en-US" sz="2800" kern="1200" dirty="0">
+                    <a:solidFill>
+                      <a:schemeClr val="tx1"/>
+                    </a:solidFill>
+                  </a:rPr>
+                </a:br>
+                <a:r>
+                  <a:rPr lang="en-US" sz="2800" kern="1200" dirty="0">
+                    <a:solidFill>
+                      <a:schemeClr val="tx1"/>
+                    </a:solidFill>
+                  </a:rPr>
+                  <a:t>(Sample QC)</a:t>
+                </a:r>
+              </a:p>
+            </p:txBody>
+          </p:sp>
+          <p:sp>
+            <p:nvSpPr>
+              <p:cNvPr id="49" name="Freeform 48">
+                <a:extLst>
+                  <a:ext uri="{FF2B5EF4-FFF2-40B4-BE49-F238E27FC236}">
+                    <a16:creationId xmlns:a16="http://schemas.microsoft.com/office/drawing/2014/main" id="{76C53BEA-0EB7-C74D-B8B9-CE042ECDD5A6}"/>
+                  </a:ext>
+                </a:extLst>
+              </p:cNvPr>
+              <p:cNvSpPr/>
+              <p:nvPr/>
+            </p:nvSpPr>
+            <p:spPr>
+              <a:xfrm>
+                <a:off x="5886450" y="3556364"/>
+                <a:ext cx="5356267" cy="1080000"/>
+              </a:xfrm>
+              <a:custGeom>
+                <a:avLst/>
+                <a:gdLst>
+                  <a:gd name="connsiteX0" fmla="*/ 0 w 3753370"/>
+                  <a:gd name="connsiteY0" fmla="*/ 0 h 1501348"/>
+                  <a:gd name="connsiteX1" fmla="*/ 3002696 w 3753370"/>
+                  <a:gd name="connsiteY1" fmla="*/ 0 h 1501348"/>
+                  <a:gd name="connsiteX2" fmla="*/ 3753370 w 3753370"/>
+                  <a:gd name="connsiteY2" fmla="*/ 750674 h 1501348"/>
+                  <a:gd name="connsiteX3" fmla="*/ 3002696 w 3753370"/>
+                  <a:gd name="connsiteY3" fmla="*/ 1501348 h 1501348"/>
+                  <a:gd name="connsiteX4" fmla="*/ 0 w 3753370"/>
+                  <a:gd name="connsiteY4" fmla="*/ 1501348 h 1501348"/>
+                  <a:gd name="connsiteX5" fmla="*/ 750674 w 3753370"/>
+                  <a:gd name="connsiteY5" fmla="*/ 750674 h 1501348"/>
+                  <a:gd name="connsiteX6" fmla="*/ 0 w 3753370"/>
+                  <a:gd name="connsiteY6" fmla="*/ 0 h 1501348"/>
+                </a:gdLst>
+                <a:ahLst/>
+                <a:cxnLst>
+                  <a:cxn ang="0">
+                    <a:pos x="connsiteX0" y="connsiteY0"/>
+                  </a:cxn>
+                  <a:cxn ang="0">
+                    <a:pos x="connsiteX1" y="connsiteY1"/>
+                  </a:cxn>
+                  <a:cxn ang="0">
+                    <a:pos x="connsiteX2" y="connsiteY2"/>
+                  </a:cxn>
+                  <a:cxn ang="0">
+                    <a:pos x="connsiteX3" y="connsiteY3"/>
+                  </a:cxn>
+                  <a:cxn ang="0">
+                    <a:pos x="connsiteX4" y="connsiteY4"/>
+                  </a:cxn>
+                  <a:cxn ang="0">
+                    <a:pos x="connsiteX5" y="connsiteY5"/>
+                  </a:cxn>
+                  <a:cxn ang="0">
+                    <a:pos x="connsiteX6" y="connsiteY6"/>
+                  </a:cxn>
+                </a:cxnLst>
+                <a:rect l="l" t="t" r="r" b="b"/>
+                <a:pathLst>
+                  <a:path w="3753370" h="1501348">
+                    <a:moveTo>
+                      <a:pt x="0" y="0"/>
+                    </a:moveTo>
+                    <a:lnTo>
+                      <a:pt x="3002696" y="0"/>
+                    </a:lnTo>
+                    <a:lnTo>
+                      <a:pt x="3753370" y="750674"/>
+                    </a:lnTo>
+                    <a:lnTo>
+                      <a:pt x="3002696" y="1501348"/>
+                    </a:lnTo>
+                    <a:lnTo>
+                      <a:pt x="0" y="1501348"/>
+                    </a:lnTo>
+                    <a:lnTo>
+                      <a:pt x="750674" y="750674"/>
+                    </a:lnTo>
+                    <a:lnTo>
+                      <a:pt x="0" y="0"/>
+                    </a:lnTo>
+                    <a:close/>
+                  </a:path>
+                </a:pathLst>
+              </a:custGeom>
+              <a:grpFill/>
+            </p:spPr>
+            <p:style>
+              <a:lnRef idx="2">
+                <a:schemeClr val="lt1">
+                  <a:hueOff val="0"/>
+                  <a:satOff val="0"/>
+                  <a:lumOff val="0"/>
+                  <a:alphaOff val="0"/>
+                </a:schemeClr>
+              </a:lnRef>
+              <a:fillRef idx="1">
+                <a:scrgbClr r="0" g="0" b="0"/>
+              </a:fillRef>
+              <a:effectRef idx="0">
+                <a:schemeClr val="accent1">
+                  <a:hueOff val="0"/>
+                  <a:satOff val="0"/>
+                  <a:lumOff val="0"/>
+                  <a:alphaOff val="0"/>
+                </a:schemeClr>
+              </a:effectRef>
+              <a:fontRef idx="minor">
+                <a:schemeClr val="lt1"/>
+              </a:fontRef>
+            </p:style>
+            <p:txBody>
+              <a:bodyPr spcFirstLastPara="0" vert="horz" wrap="square" lIns="882691" tIns="44006" rIns="794680" bIns="44006" numCol="1" spcCol="1270" anchor="ctr" anchorCtr="0">
+                <a:noAutofit/>
+              </a:bodyPr>
+              <a:lstStyle/>
+              <a:p>
+                <a:pPr marL="0" lvl="0" indent="0" algn="ctr" defTabSz="1466850">
+                  <a:lnSpc>
+                    <a:spcPct val="90000"/>
+                  </a:lnSpc>
+                  <a:spcBef>
+                    <a:spcPct val="0"/>
+                  </a:spcBef>
+                  <a:spcAft>
+                    <a:spcPct val="35000"/>
+                  </a:spcAft>
+                  <a:buNone/>
+                </a:pPr>
+                <a:r>
+                  <a:rPr lang="en-US" sz="3300" dirty="0">
+                    <a:solidFill>
+                      <a:schemeClr val="tx1"/>
+                    </a:solidFill>
+                  </a:rPr>
+                  <a:t>Differential Expression</a:t>
+                </a:r>
+                <a:endParaRPr lang="en-US" sz="3300" kern="1200" dirty="0">
                   <a:solidFill>
                     <a:schemeClr val="tx1"/>
                   </a:solidFill>
-                </a:rPr>
-                <a:t>xperimental design</a:t>
-              </a:r>
-            </a:p>
-          </p:txBody>
-        </p:sp>
-        <p:sp>
-          <p:nvSpPr>
-            <p:cNvPr id="25" name="Freeform 24">
-              <a:extLst>
-                <a:ext uri="{FF2B5EF4-FFF2-40B4-BE49-F238E27FC236}">
-                  <a16:creationId xmlns:a16="http://schemas.microsoft.com/office/drawing/2014/main" id="{B6527D25-C4A3-E942-9340-2E96CEA7A688}"/>
-                </a:ext>
-              </a:extLst>
-            </p:cNvPr>
-            <p:cNvSpPr/>
-            <p:nvPr/>
-          </p:nvSpPr>
-          <p:spPr>
-            <a:xfrm>
-              <a:off x="4219314" y="1800287"/>
-              <a:ext cx="3753370" cy="1080000"/>
-            </a:xfrm>
-            <a:custGeom>
-              <a:avLst/>
-              <a:gdLst>
-                <a:gd name="connsiteX0" fmla="*/ 0 w 3753370"/>
-                <a:gd name="connsiteY0" fmla="*/ 0 h 1501348"/>
-                <a:gd name="connsiteX1" fmla="*/ 3002696 w 3753370"/>
-                <a:gd name="connsiteY1" fmla="*/ 0 h 1501348"/>
-                <a:gd name="connsiteX2" fmla="*/ 3753370 w 3753370"/>
-                <a:gd name="connsiteY2" fmla="*/ 750674 h 1501348"/>
-                <a:gd name="connsiteX3" fmla="*/ 3002696 w 3753370"/>
-                <a:gd name="connsiteY3" fmla="*/ 1501348 h 1501348"/>
-                <a:gd name="connsiteX4" fmla="*/ 0 w 3753370"/>
-                <a:gd name="connsiteY4" fmla="*/ 1501348 h 1501348"/>
-                <a:gd name="connsiteX5" fmla="*/ 750674 w 3753370"/>
-                <a:gd name="connsiteY5" fmla="*/ 750674 h 1501348"/>
-                <a:gd name="connsiteX6" fmla="*/ 0 w 3753370"/>
-                <a:gd name="connsiteY6" fmla="*/ 0 h 1501348"/>
-              </a:gdLst>
-              <a:ahLst/>
-              <a:cxnLst>
-                <a:cxn ang="0">
-                  <a:pos x="connsiteX0" y="connsiteY0"/>
-                </a:cxn>
-                <a:cxn ang="0">
-                  <a:pos x="connsiteX1" y="connsiteY1"/>
-                </a:cxn>
-                <a:cxn ang="0">
-                  <a:pos x="connsiteX2" y="connsiteY2"/>
-                </a:cxn>
-                <a:cxn ang="0">
-                  <a:pos x="connsiteX3" y="connsiteY3"/>
-                </a:cxn>
-                <a:cxn ang="0">
-                  <a:pos x="connsiteX4" y="connsiteY4"/>
-                </a:cxn>
-                <a:cxn ang="0">
-                  <a:pos x="connsiteX5" y="connsiteY5"/>
-                </a:cxn>
-                <a:cxn ang="0">
-                  <a:pos x="connsiteX6" y="connsiteY6"/>
-                </a:cxn>
-              </a:cxnLst>
-              <a:rect l="l" t="t" r="r" b="b"/>
-              <a:pathLst>
-                <a:path w="3753370" h="1501348">
-                  <a:moveTo>
-                    <a:pt x="0" y="0"/>
-                  </a:moveTo>
-                  <a:lnTo>
-                    <a:pt x="3002696" y="0"/>
-                  </a:lnTo>
-                  <a:lnTo>
-                    <a:pt x="3753370" y="750674"/>
-                  </a:lnTo>
-                  <a:lnTo>
-                    <a:pt x="3002696" y="1501348"/>
-                  </a:lnTo>
-                  <a:lnTo>
-                    <a:pt x="0" y="1501348"/>
-                  </a:lnTo>
-                  <a:lnTo>
-                    <a:pt x="750674" y="750674"/>
-                  </a:lnTo>
-                  <a:lnTo>
-                    <a:pt x="0" y="0"/>
-                  </a:lnTo>
-                  <a:close/>
-                </a:path>
-              </a:pathLst>
-            </a:custGeom>
-            <a:solidFill>
-              <a:srgbClr val="3CA779">
-                <a:alpha val="50000"/>
-              </a:srgbClr>
-            </a:solidFill>
-          </p:spPr>
-          <p:style>
-            <a:lnRef idx="2">
-              <a:schemeClr val="lt1">
-                <a:hueOff val="0"/>
-                <a:satOff val="0"/>
-                <a:lumOff val="0"/>
-                <a:alphaOff val="0"/>
-              </a:schemeClr>
-            </a:lnRef>
-            <a:fillRef idx="1">
-              <a:scrgbClr r="0" g="0" b="0"/>
-            </a:fillRef>
-            <a:effectRef idx="0">
-              <a:schemeClr val="accent1">
-                <a:hueOff val="0"/>
-                <a:satOff val="0"/>
-                <a:lumOff val="0"/>
-                <a:alphaOff val="0"/>
-              </a:schemeClr>
-            </a:effectRef>
-            <a:fontRef idx="minor">
-              <a:schemeClr val="lt1"/>
-            </a:fontRef>
-          </p:style>
-          <p:txBody>
-            <a:bodyPr spcFirstLastPara="0" vert="horz" wrap="square" lIns="870689" tIns="40005" rIns="790679" bIns="40005" numCol="1" spcCol="1270" anchor="ctr" anchorCtr="0">
-              <a:noAutofit/>
-            </a:bodyPr>
-            <a:lstStyle/>
-            <a:p>
-              <a:pPr marL="0" lvl="0" indent="0" algn="ctr" defTabSz="1333500">
-                <a:lnSpc>
-                  <a:spcPct val="90000"/>
-                </a:lnSpc>
-                <a:spcBef>
-                  <a:spcPct val="0"/>
-                </a:spcBef>
-                <a:spcAft>
-                  <a:spcPct val="35000"/>
-                </a:spcAft>
-                <a:buNone/>
-              </a:pPr>
-              <a:r>
-                <a:rPr lang="en-US" sz="3000" dirty="0">
-                  <a:solidFill>
-                    <a:schemeClr val="tx1"/>
-                  </a:solidFill>
-                </a:rPr>
-                <a:t>L</a:t>
-              </a:r>
-              <a:r>
-                <a:rPr lang="en-US" sz="3000" kern="1200" dirty="0">
-                  <a:solidFill>
-                    <a:schemeClr val="tx1"/>
-                  </a:solidFill>
-                </a:rPr>
-                <a:t>ibrary prep</a:t>
-              </a:r>
-            </a:p>
-          </p:txBody>
-        </p:sp>
-        <p:sp>
-          <p:nvSpPr>
-            <p:cNvPr id="26" name="Freeform 25">
-              <a:extLst>
-                <a:ext uri="{FF2B5EF4-FFF2-40B4-BE49-F238E27FC236}">
-                  <a16:creationId xmlns:a16="http://schemas.microsoft.com/office/drawing/2014/main" id="{29A27D23-40AD-C04C-BCD0-362A6720F669}"/>
-                </a:ext>
-              </a:extLst>
-            </p:cNvPr>
-            <p:cNvSpPr/>
-            <p:nvPr/>
-          </p:nvSpPr>
-          <p:spPr>
-            <a:xfrm>
-              <a:off x="7597348" y="1800287"/>
-              <a:ext cx="3753370" cy="1080000"/>
-            </a:xfrm>
-            <a:custGeom>
-              <a:avLst/>
-              <a:gdLst>
-                <a:gd name="connsiteX0" fmla="*/ 0 w 3753370"/>
-                <a:gd name="connsiteY0" fmla="*/ 0 h 1501348"/>
-                <a:gd name="connsiteX1" fmla="*/ 3002696 w 3753370"/>
-                <a:gd name="connsiteY1" fmla="*/ 0 h 1501348"/>
-                <a:gd name="connsiteX2" fmla="*/ 3753370 w 3753370"/>
-                <a:gd name="connsiteY2" fmla="*/ 750674 h 1501348"/>
-                <a:gd name="connsiteX3" fmla="*/ 3002696 w 3753370"/>
-                <a:gd name="connsiteY3" fmla="*/ 1501348 h 1501348"/>
-                <a:gd name="connsiteX4" fmla="*/ 0 w 3753370"/>
-                <a:gd name="connsiteY4" fmla="*/ 1501348 h 1501348"/>
-                <a:gd name="connsiteX5" fmla="*/ 750674 w 3753370"/>
-                <a:gd name="connsiteY5" fmla="*/ 750674 h 1501348"/>
-                <a:gd name="connsiteX6" fmla="*/ 0 w 3753370"/>
-                <a:gd name="connsiteY6" fmla="*/ 0 h 1501348"/>
-              </a:gdLst>
-              <a:ahLst/>
-              <a:cxnLst>
-                <a:cxn ang="0">
-                  <a:pos x="connsiteX0" y="connsiteY0"/>
-                </a:cxn>
-                <a:cxn ang="0">
-                  <a:pos x="connsiteX1" y="connsiteY1"/>
-                </a:cxn>
-                <a:cxn ang="0">
-                  <a:pos x="connsiteX2" y="connsiteY2"/>
-                </a:cxn>
-                <a:cxn ang="0">
-                  <a:pos x="connsiteX3" y="connsiteY3"/>
-                </a:cxn>
-                <a:cxn ang="0">
-                  <a:pos x="connsiteX4" y="connsiteY4"/>
-                </a:cxn>
-                <a:cxn ang="0">
-                  <a:pos x="connsiteX5" y="connsiteY5"/>
-                </a:cxn>
-                <a:cxn ang="0">
-                  <a:pos x="connsiteX6" y="connsiteY6"/>
-                </a:cxn>
-              </a:cxnLst>
-              <a:rect l="l" t="t" r="r" b="b"/>
-              <a:pathLst>
-                <a:path w="3753370" h="1501348">
-                  <a:moveTo>
-                    <a:pt x="0" y="0"/>
-                  </a:moveTo>
-                  <a:lnTo>
-                    <a:pt x="3002696" y="0"/>
-                  </a:lnTo>
-                  <a:lnTo>
-                    <a:pt x="3753370" y="750674"/>
-                  </a:lnTo>
-                  <a:lnTo>
-                    <a:pt x="3002696" y="1501348"/>
-                  </a:lnTo>
-                  <a:lnTo>
-                    <a:pt x="0" y="1501348"/>
-                  </a:lnTo>
-                  <a:lnTo>
-                    <a:pt x="750674" y="750674"/>
-                  </a:lnTo>
-                  <a:lnTo>
-                    <a:pt x="0" y="0"/>
-                  </a:lnTo>
-                  <a:close/>
-                </a:path>
-              </a:pathLst>
-            </a:custGeom>
-            <a:solidFill>
-              <a:srgbClr val="3CA779">
-                <a:alpha val="50000"/>
-              </a:srgbClr>
-            </a:solidFill>
-          </p:spPr>
-          <p:style>
-            <a:lnRef idx="2">
-              <a:schemeClr val="lt1">
-                <a:hueOff val="0"/>
-                <a:satOff val="0"/>
-                <a:lumOff val="0"/>
-                <a:alphaOff val="0"/>
-              </a:schemeClr>
-            </a:lnRef>
-            <a:fillRef idx="1">
-              <a:scrgbClr r="0" g="0" b="0"/>
-            </a:fillRef>
-            <a:effectRef idx="0">
-              <a:schemeClr val="accent1">
-                <a:hueOff val="0"/>
-                <a:satOff val="0"/>
-                <a:lumOff val="0"/>
-                <a:alphaOff val="0"/>
-              </a:schemeClr>
-            </a:effectRef>
-            <a:fontRef idx="minor">
-              <a:schemeClr val="lt1"/>
-            </a:fontRef>
-          </p:style>
-          <p:txBody>
-            <a:bodyPr spcFirstLastPara="0" vert="horz" wrap="square" lIns="870689" tIns="40005" rIns="790679" bIns="40005" numCol="1" spcCol="1270" anchor="ctr" anchorCtr="0">
-              <a:noAutofit/>
-            </a:bodyPr>
-            <a:lstStyle/>
-            <a:p>
-              <a:pPr marL="0" lvl="0" indent="0" algn="ctr" defTabSz="1333500">
-                <a:lnSpc>
-                  <a:spcPct val="90000"/>
-                </a:lnSpc>
-                <a:spcBef>
-                  <a:spcPct val="0"/>
-                </a:spcBef>
-                <a:spcAft>
-                  <a:spcPct val="35000"/>
-                </a:spcAft>
-                <a:buNone/>
-              </a:pPr>
-              <a:r>
-                <a:rPr lang="en-US" sz="3000" dirty="0">
-                  <a:solidFill>
-                    <a:schemeClr val="tx1"/>
-                  </a:solidFill>
-                </a:rPr>
-                <a:t>S</a:t>
-              </a:r>
-              <a:r>
-                <a:rPr lang="en-US" sz="3000" kern="1200" dirty="0">
-                  <a:solidFill>
-                    <a:schemeClr val="tx1"/>
-                  </a:solidFill>
-                </a:rPr>
-                <a:t>equencing</a:t>
-              </a:r>
-            </a:p>
-          </p:txBody>
-        </p:sp>
-      </p:grpSp>
-      <p:grpSp>
-        <p:nvGrpSpPr>
-          <p:cNvPr id="3" name="Group 2">
-            <a:extLst>
-              <a:ext uri="{FF2B5EF4-FFF2-40B4-BE49-F238E27FC236}">
-                <a16:creationId xmlns:a16="http://schemas.microsoft.com/office/drawing/2014/main" id="{0D39C650-2467-F340-83A9-297940213D4E}"/>
-              </a:ext>
-            </a:extLst>
-          </p:cNvPr>
-          <p:cNvGrpSpPr/>
-          <p:nvPr/>
-        </p:nvGrpSpPr>
-        <p:grpSpPr>
-          <a:xfrm>
-            <a:off x="841280" y="3042264"/>
-            <a:ext cx="10401437" cy="1080000"/>
-            <a:chOff x="841280" y="3556364"/>
-            <a:chExt cx="10401437" cy="1080000"/>
-          </a:xfrm>
-          <a:solidFill>
-            <a:srgbClr val="3BA779"/>
-          </a:solidFill>
-        </p:grpSpPr>
-        <p:sp>
-          <p:nvSpPr>
-            <p:cNvPr id="13" name="Freeform 12">
-              <a:extLst>
-                <a:ext uri="{FF2B5EF4-FFF2-40B4-BE49-F238E27FC236}">
-                  <a16:creationId xmlns:a16="http://schemas.microsoft.com/office/drawing/2014/main" id="{F4FFBE40-3D21-194E-9668-E4F31DDC86BD}"/>
-                </a:ext>
-              </a:extLst>
-            </p:cNvPr>
-            <p:cNvSpPr/>
-            <p:nvPr/>
-          </p:nvSpPr>
-          <p:spPr>
-            <a:xfrm>
-              <a:off x="841280" y="3556364"/>
-              <a:ext cx="5730970" cy="1080000"/>
-            </a:xfrm>
-            <a:custGeom>
-              <a:avLst/>
-              <a:gdLst>
-                <a:gd name="connsiteX0" fmla="*/ 0 w 3753370"/>
-                <a:gd name="connsiteY0" fmla="*/ 0 h 1501348"/>
-                <a:gd name="connsiteX1" fmla="*/ 3002696 w 3753370"/>
-                <a:gd name="connsiteY1" fmla="*/ 0 h 1501348"/>
-                <a:gd name="connsiteX2" fmla="*/ 3753370 w 3753370"/>
-                <a:gd name="connsiteY2" fmla="*/ 750674 h 1501348"/>
-                <a:gd name="connsiteX3" fmla="*/ 3002696 w 3753370"/>
-                <a:gd name="connsiteY3" fmla="*/ 1501348 h 1501348"/>
-                <a:gd name="connsiteX4" fmla="*/ 0 w 3753370"/>
-                <a:gd name="connsiteY4" fmla="*/ 1501348 h 1501348"/>
-                <a:gd name="connsiteX5" fmla="*/ 750674 w 3753370"/>
-                <a:gd name="connsiteY5" fmla="*/ 750674 h 1501348"/>
-                <a:gd name="connsiteX6" fmla="*/ 0 w 3753370"/>
-                <a:gd name="connsiteY6" fmla="*/ 0 h 1501348"/>
-              </a:gdLst>
-              <a:ahLst/>
-              <a:cxnLst>
-                <a:cxn ang="0">
-                  <a:pos x="connsiteX0" y="connsiteY0"/>
-                </a:cxn>
-                <a:cxn ang="0">
-                  <a:pos x="connsiteX1" y="connsiteY1"/>
-                </a:cxn>
-                <a:cxn ang="0">
-                  <a:pos x="connsiteX2" y="connsiteY2"/>
-                </a:cxn>
-                <a:cxn ang="0">
-                  <a:pos x="connsiteX3" y="connsiteY3"/>
-                </a:cxn>
-                <a:cxn ang="0">
-                  <a:pos x="connsiteX4" y="connsiteY4"/>
-                </a:cxn>
-                <a:cxn ang="0">
-                  <a:pos x="connsiteX5" y="connsiteY5"/>
-                </a:cxn>
-                <a:cxn ang="0">
-                  <a:pos x="connsiteX6" y="connsiteY6"/>
-                </a:cxn>
-              </a:cxnLst>
-              <a:rect l="l" t="t" r="r" b="b"/>
-              <a:pathLst>
-                <a:path w="3753370" h="1501348">
-                  <a:moveTo>
-                    <a:pt x="0" y="0"/>
-                  </a:moveTo>
-                  <a:lnTo>
-                    <a:pt x="3002696" y="0"/>
-                  </a:lnTo>
-                  <a:lnTo>
-                    <a:pt x="3753370" y="750674"/>
-                  </a:lnTo>
-                  <a:lnTo>
-                    <a:pt x="3002696" y="1501348"/>
-                  </a:lnTo>
-                  <a:lnTo>
-                    <a:pt x="0" y="1501348"/>
-                  </a:lnTo>
-                  <a:lnTo>
-                    <a:pt x="750674" y="750674"/>
-                  </a:lnTo>
-                  <a:lnTo>
-                    <a:pt x="0" y="0"/>
-                  </a:lnTo>
-                  <a:close/>
-                </a:path>
-              </a:pathLst>
-            </a:custGeom>
-            <a:grpFill/>
-          </p:spPr>
-          <p:style>
-            <a:lnRef idx="2">
-              <a:schemeClr val="lt1">
-                <a:hueOff val="0"/>
-                <a:satOff val="0"/>
-                <a:lumOff val="0"/>
-                <a:alphaOff val="0"/>
-              </a:schemeClr>
-            </a:lnRef>
-            <a:fillRef idx="1">
-              <a:scrgbClr r="0" g="0" b="0"/>
-            </a:fillRef>
-            <a:effectRef idx="0">
-              <a:schemeClr val="accent1">
-                <a:hueOff val="0"/>
-                <a:satOff val="0"/>
-                <a:lumOff val="0"/>
-                <a:alphaOff val="0"/>
-              </a:schemeClr>
-            </a:effectRef>
-            <a:fontRef idx="minor">
-              <a:schemeClr val="lt1"/>
-            </a:fontRef>
-          </p:style>
-          <p:txBody>
-            <a:bodyPr spcFirstLastPara="0" vert="horz" wrap="square" lIns="882691" tIns="44006" rIns="794680" bIns="44006" numCol="1" spcCol="1270" anchor="ctr" anchorCtr="0">
-              <a:noAutofit/>
-            </a:bodyPr>
-            <a:lstStyle/>
-            <a:p>
-              <a:pPr marL="0" lvl="0" indent="0" algn="ctr" defTabSz="1466850">
-                <a:lnSpc>
-                  <a:spcPct val="90000"/>
-                </a:lnSpc>
-                <a:spcBef>
-                  <a:spcPct val="0"/>
-                </a:spcBef>
-                <a:spcAft>
-                  <a:spcPct val="35000"/>
-                </a:spcAft>
-                <a:buNone/>
-              </a:pPr>
-              <a:r>
-                <a:rPr lang="en-US" sz="2800" dirty="0">
-                  <a:solidFill>
-                    <a:schemeClr val="tx1"/>
-                  </a:solidFill>
-                </a:rPr>
-                <a:t>S</a:t>
-              </a:r>
-              <a:r>
-                <a:rPr lang="en-US" sz="2800" kern="1200" dirty="0">
-                  <a:solidFill>
-                    <a:schemeClr val="tx1"/>
-                  </a:solidFill>
-                </a:rPr>
-                <a:t>equence QC</a:t>
-              </a:r>
-              <a:br>
-                <a:rPr lang="en-US" sz="2800" kern="1200" dirty="0">
-                  <a:solidFill>
-                    <a:schemeClr val="tx1"/>
-                  </a:solidFill>
-                </a:rPr>
-              </a:br>
-              <a:r>
-                <a:rPr lang="en-US" sz="2800" kern="1200" dirty="0">
-                  <a:solidFill>
-                    <a:schemeClr val="tx1"/>
-                  </a:solidFill>
-                </a:rPr>
-                <a:t>(FASTQs)</a:t>
-              </a:r>
-            </a:p>
-          </p:txBody>
-        </p:sp>
-        <p:sp>
-          <p:nvSpPr>
-            <p:cNvPr id="14" name="Freeform 13">
-              <a:extLst>
-                <a:ext uri="{FF2B5EF4-FFF2-40B4-BE49-F238E27FC236}">
-                  <a16:creationId xmlns:a16="http://schemas.microsoft.com/office/drawing/2014/main" id="{54A58763-7619-6248-8BEA-F8C01A2559C0}"/>
-                </a:ext>
-              </a:extLst>
-            </p:cNvPr>
-            <p:cNvSpPr/>
-            <p:nvPr/>
-          </p:nvSpPr>
-          <p:spPr>
-            <a:xfrm>
-              <a:off x="5886450" y="3556364"/>
-              <a:ext cx="5356267" cy="1080000"/>
-            </a:xfrm>
-            <a:custGeom>
-              <a:avLst/>
-              <a:gdLst>
-                <a:gd name="connsiteX0" fmla="*/ 0 w 3753370"/>
-                <a:gd name="connsiteY0" fmla="*/ 0 h 1501348"/>
-                <a:gd name="connsiteX1" fmla="*/ 3002696 w 3753370"/>
-                <a:gd name="connsiteY1" fmla="*/ 0 h 1501348"/>
-                <a:gd name="connsiteX2" fmla="*/ 3753370 w 3753370"/>
-                <a:gd name="connsiteY2" fmla="*/ 750674 h 1501348"/>
-                <a:gd name="connsiteX3" fmla="*/ 3002696 w 3753370"/>
-                <a:gd name="connsiteY3" fmla="*/ 1501348 h 1501348"/>
-                <a:gd name="connsiteX4" fmla="*/ 0 w 3753370"/>
-                <a:gd name="connsiteY4" fmla="*/ 1501348 h 1501348"/>
-                <a:gd name="connsiteX5" fmla="*/ 750674 w 3753370"/>
-                <a:gd name="connsiteY5" fmla="*/ 750674 h 1501348"/>
-                <a:gd name="connsiteX6" fmla="*/ 0 w 3753370"/>
-                <a:gd name="connsiteY6" fmla="*/ 0 h 1501348"/>
-              </a:gdLst>
-              <a:ahLst/>
-              <a:cxnLst>
-                <a:cxn ang="0">
-                  <a:pos x="connsiteX0" y="connsiteY0"/>
-                </a:cxn>
-                <a:cxn ang="0">
-                  <a:pos x="connsiteX1" y="connsiteY1"/>
-                </a:cxn>
-                <a:cxn ang="0">
-                  <a:pos x="connsiteX2" y="connsiteY2"/>
-                </a:cxn>
-                <a:cxn ang="0">
-                  <a:pos x="connsiteX3" y="connsiteY3"/>
-                </a:cxn>
-                <a:cxn ang="0">
-                  <a:pos x="connsiteX4" y="connsiteY4"/>
-                </a:cxn>
-                <a:cxn ang="0">
-                  <a:pos x="connsiteX5" y="connsiteY5"/>
-                </a:cxn>
-                <a:cxn ang="0">
-                  <a:pos x="connsiteX6" y="connsiteY6"/>
-                </a:cxn>
-              </a:cxnLst>
-              <a:rect l="l" t="t" r="r" b="b"/>
-              <a:pathLst>
-                <a:path w="3753370" h="1501348">
-                  <a:moveTo>
-                    <a:pt x="0" y="0"/>
-                  </a:moveTo>
-                  <a:lnTo>
-                    <a:pt x="3002696" y="0"/>
-                  </a:lnTo>
-                  <a:lnTo>
-                    <a:pt x="3753370" y="750674"/>
-                  </a:lnTo>
-                  <a:lnTo>
-                    <a:pt x="3002696" y="1501348"/>
-                  </a:lnTo>
-                  <a:lnTo>
-                    <a:pt x="0" y="1501348"/>
-                  </a:lnTo>
-                  <a:lnTo>
-                    <a:pt x="750674" y="750674"/>
-                  </a:lnTo>
-                  <a:lnTo>
-                    <a:pt x="0" y="0"/>
-                  </a:lnTo>
-                  <a:close/>
-                </a:path>
-              </a:pathLst>
-            </a:custGeom>
-            <a:grpFill/>
-          </p:spPr>
-          <p:style>
-            <a:lnRef idx="2">
-              <a:schemeClr val="lt1">
-                <a:hueOff val="0"/>
-                <a:satOff val="0"/>
-                <a:lumOff val="0"/>
-                <a:alphaOff val="0"/>
-              </a:schemeClr>
-            </a:lnRef>
-            <a:fillRef idx="1">
-              <a:scrgbClr r="0" g="0" b="0"/>
-            </a:fillRef>
-            <a:effectRef idx="0">
-              <a:schemeClr val="accent1">
-                <a:hueOff val="0"/>
-                <a:satOff val="0"/>
-                <a:lumOff val="0"/>
-                <a:alphaOff val="0"/>
-              </a:schemeClr>
-            </a:effectRef>
-            <a:fontRef idx="minor">
-              <a:schemeClr val="lt1"/>
-            </a:fontRef>
-          </p:style>
-          <p:txBody>
-            <a:bodyPr spcFirstLastPara="0" vert="horz" wrap="square" lIns="882691" tIns="44006" rIns="794680" bIns="44006" numCol="1" spcCol="1270" anchor="ctr" anchorCtr="0">
-              <a:noAutofit/>
-            </a:bodyPr>
-            <a:lstStyle/>
-            <a:p>
-              <a:pPr marL="0" lvl="0" indent="0" algn="ctr" defTabSz="1466850">
-                <a:lnSpc>
-                  <a:spcPct val="90000"/>
-                </a:lnSpc>
-                <a:spcBef>
-                  <a:spcPct val="0"/>
-                </a:spcBef>
-                <a:spcAft>
-                  <a:spcPct val="35000"/>
-                </a:spcAft>
-                <a:buNone/>
-              </a:pPr>
-              <a:r>
-                <a:rPr lang="en-US" sz="3300" dirty="0">
-                  <a:solidFill>
-                    <a:schemeClr val="tx1"/>
-                  </a:solidFill>
-                </a:rPr>
-                <a:t>A</a:t>
-              </a:r>
-              <a:r>
-                <a:rPr lang="en-US" sz="3300" kern="1200" dirty="0">
-                  <a:solidFill>
-                    <a:schemeClr val="tx1"/>
-                  </a:solidFill>
-                </a:rPr>
-                <a:t>lignment</a:t>
-              </a:r>
-            </a:p>
-            <a:p>
-              <a:pPr marL="0" lvl="0" indent="0" algn="ctr" defTabSz="1466850">
-                <a:lnSpc>
-                  <a:spcPct val="90000"/>
-                </a:lnSpc>
-                <a:spcBef>
-                  <a:spcPct val="0"/>
-                </a:spcBef>
-                <a:spcAft>
-                  <a:spcPct val="35000"/>
-                </a:spcAft>
-                <a:buNone/>
-              </a:pPr>
-              <a:r>
-                <a:rPr lang="en-US" sz="3300" kern="1200" dirty="0">
-                  <a:solidFill>
-                    <a:schemeClr val="tx1"/>
-                  </a:solidFill>
-                </a:rPr>
-                <a:t>(BAMs)</a:t>
-              </a:r>
-            </a:p>
-          </p:txBody>
-        </p:sp>
-      </p:grpSp>
-      <p:grpSp>
-        <p:nvGrpSpPr>
-          <p:cNvPr id="41" name="Group 40">
-            <a:extLst>
-              <a:ext uri="{FF2B5EF4-FFF2-40B4-BE49-F238E27FC236}">
-                <a16:creationId xmlns:a16="http://schemas.microsoft.com/office/drawing/2014/main" id="{2B14A426-7637-D04B-A331-8AD50814DCF5}"/>
-              </a:ext>
-            </a:extLst>
-          </p:cNvPr>
-          <p:cNvGrpSpPr/>
-          <p:nvPr/>
-        </p:nvGrpSpPr>
-        <p:grpSpPr>
-          <a:xfrm>
-            <a:off x="841280" y="4302067"/>
-            <a:ext cx="10401437" cy="1080000"/>
-            <a:chOff x="841280" y="3556364"/>
-            <a:chExt cx="10401437" cy="1080000"/>
-          </a:xfrm>
-          <a:solidFill>
-            <a:srgbClr val="3BA779"/>
-          </a:solidFill>
-        </p:grpSpPr>
-        <p:sp>
-          <p:nvSpPr>
-            <p:cNvPr id="43" name="Freeform 42">
-              <a:extLst>
-                <a:ext uri="{FF2B5EF4-FFF2-40B4-BE49-F238E27FC236}">
-                  <a16:creationId xmlns:a16="http://schemas.microsoft.com/office/drawing/2014/main" id="{481F339D-286E-9442-9F1B-61FC78476EEE}"/>
-                </a:ext>
-              </a:extLst>
-            </p:cNvPr>
-            <p:cNvSpPr/>
-            <p:nvPr/>
-          </p:nvSpPr>
-          <p:spPr>
-            <a:xfrm>
-              <a:off x="841280" y="3556364"/>
-              <a:ext cx="5730970" cy="1080000"/>
-            </a:xfrm>
-            <a:custGeom>
-              <a:avLst/>
-              <a:gdLst>
-                <a:gd name="connsiteX0" fmla="*/ 0 w 3753370"/>
-                <a:gd name="connsiteY0" fmla="*/ 0 h 1501348"/>
-                <a:gd name="connsiteX1" fmla="*/ 3002696 w 3753370"/>
-                <a:gd name="connsiteY1" fmla="*/ 0 h 1501348"/>
-                <a:gd name="connsiteX2" fmla="*/ 3753370 w 3753370"/>
-                <a:gd name="connsiteY2" fmla="*/ 750674 h 1501348"/>
-                <a:gd name="connsiteX3" fmla="*/ 3002696 w 3753370"/>
-                <a:gd name="connsiteY3" fmla="*/ 1501348 h 1501348"/>
-                <a:gd name="connsiteX4" fmla="*/ 0 w 3753370"/>
-                <a:gd name="connsiteY4" fmla="*/ 1501348 h 1501348"/>
-                <a:gd name="connsiteX5" fmla="*/ 750674 w 3753370"/>
-                <a:gd name="connsiteY5" fmla="*/ 750674 h 1501348"/>
-                <a:gd name="connsiteX6" fmla="*/ 0 w 3753370"/>
-                <a:gd name="connsiteY6" fmla="*/ 0 h 1501348"/>
-              </a:gdLst>
-              <a:ahLst/>
-              <a:cxnLst>
-                <a:cxn ang="0">
-                  <a:pos x="connsiteX0" y="connsiteY0"/>
-                </a:cxn>
-                <a:cxn ang="0">
-                  <a:pos x="connsiteX1" y="connsiteY1"/>
-                </a:cxn>
-                <a:cxn ang="0">
-                  <a:pos x="connsiteX2" y="connsiteY2"/>
-                </a:cxn>
-                <a:cxn ang="0">
-                  <a:pos x="connsiteX3" y="connsiteY3"/>
-                </a:cxn>
-                <a:cxn ang="0">
-                  <a:pos x="connsiteX4" y="connsiteY4"/>
-                </a:cxn>
-                <a:cxn ang="0">
-                  <a:pos x="connsiteX5" y="connsiteY5"/>
-                </a:cxn>
-                <a:cxn ang="0">
-                  <a:pos x="connsiteX6" y="connsiteY6"/>
-                </a:cxn>
-              </a:cxnLst>
-              <a:rect l="l" t="t" r="r" b="b"/>
-              <a:pathLst>
-                <a:path w="3753370" h="1501348">
-                  <a:moveTo>
-                    <a:pt x="0" y="0"/>
-                  </a:moveTo>
-                  <a:lnTo>
-                    <a:pt x="3002696" y="0"/>
-                  </a:lnTo>
-                  <a:lnTo>
-                    <a:pt x="3753370" y="750674"/>
-                  </a:lnTo>
-                  <a:lnTo>
-                    <a:pt x="3002696" y="1501348"/>
-                  </a:lnTo>
-                  <a:lnTo>
-                    <a:pt x="0" y="1501348"/>
-                  </a:lnTo>
-                  <a:lnTo>
-                    <a:pt x="750674" y="750674"/>
-                  </a:lnTo>
-                  <a:lnTo>
-                    <a:pt x="0" y="0"/>
-                  </a:lnTo>
-                  <a:close/>
-                </a:path>
-              </a:pathLst>
-            </a:custGeom>
-            <a:grpFill/>
-          </p:spPr>
-          <p:style>
-            <a:lnRef idx="2">
-              <a:schemeClr val="lt1">
-                <a:hueOff val="0"/>
-                <a:satOff val="0"/>
-                <a:lumOff val="0"/>
-                <a:alphaOff val="0"/>
-              </a:schemeClr>
-            </a:lnRef>
-            <a:fillRef idx="1">
-              <a:scrgbClr r="0" g="0" b="0"/>
-            </a:fillRef>
-            <a:effectRef idx="0">
-              <a:schemeClr val="accent1">
-                <a:hueOff val="0"/>
-                <a:satOff val="0"/>
-                <a:lumOff val="0"/>
-                <a:alphaOff val="0"/>
-              </a:schemeClr>
-            </a:effectRef>
-            <a:fontRef idx="minor">
-              <a:schemeClr val="lt1"/>
-            </a:fontRef>
-          </p:style>
-          <p:txBody>
-            <a:bodyPr spcFirstLastPara="0" vert="horz" wrap="square" lIns="882691" tIns="44006" rIns="794680" bIns="44006" numCol="1" spcCol="1270" anchor="ctr" anchorCtr="0">
-              <a:noAutofit/>
-            </a:bodyPr>
-            <a:lstStyle/>
-            <a:p>
-              <a:pPr marL="0" lvl="0" indent="0" algn="ctr" defTabSz="1466850">
-                <a:lnSpc>
-                  <a:spcPct val="90000"/>
-                </a:lnSpc>
-                <a:spcBef>
-                  <a:spcPct val="0"/>
-                </a:spcBef>
-                <a:spcAft>
-                  <a:spcPct val="35000"/>
-                </a:spcAft>
-                <a:buNone/>
-              </a:pPr>
-              <a:r>
-                <a:rPr lang="en-US" sz="2800" dirty="0">
-                  <a:solidFill>
-                    <a:schemeClr val="tx1"/>
-                  </a:solidFill>
-                </a:rPr>
-                <a:t>Quantification</a:t>
-              </a:r>
-            </a:p>
-            <a:p>
-              <a:pPr marL="0" lvl="0" indent="0" algn="ctr" defTabSz="1466850">
-                <a:lnSpc>
-                  <a:spcPct val="90000"/>
-                </a:lnSpc>
-                <a:spcBef>
-                  <a:spcPct val="0"/>
-                </a:spcBef>
-                <a:spcAft>
-                  <a:spcPct val="35000"/>
-                </a:spcAft>
-                <a:buNone/>
-              </a:pPr>
-              <a:r>
-                <a:rPr lang="en-US" sz="2800" kern="1200" dirty="0">
-                  <a:solidFill>
-                    <a:schemeClr val="tx1"/>
-                  </a:solidFill>
-                </a:rPr>
-                <a:t>(count matrix)</a:t>
-              </a:r>
-            </a:p>
-          </p:txBody>
-        </p:sp>
-        <p:sp>
-          <p:nvSpPr>
-            <p:cNvPr id="44" name="Freeform 43">
-              <a:extLst>
-                <a:ext uri="{FF2B5EF4-FFF2-40B4-BE49-F238E27FC236}">
-                  <a16:creationId xmlns:a16="http://schemas.microsoft.com/office/drawing/2014/main" id="{4B39E34C-8DEA-524B-A8DD-FEBA948606FD}"/>
-                </a:ext>
-              </a:extLst>
-            </p:cNvPr>
-            <p:cNvSpPr/>
-            <p:nvPr/>
-          </p:nvSpPr>
-          <p:spPr>
-            <a:xfrm>
-              <a:off x="5886450" y="3556364"/>
-              <a:ext cx="5356267" cy="1080000"/>
-            </a:xfrm>
-            <a:custGeom>
-              <a:avLst/>
-              <a:gdLst>
-                <a:gd name="connsiteX0" fmla="*/ 0 w 3753370"/>
-                <a:gd name="connsiteY0" fmla="*/ 0 h 1501348"/>
-                <a:gd name="connsiteX1" fmla="*/ 3002696 w 3753370"/>
-                <a:gd name="connsiteY1" fmla="*/ 0 h 1501348"/>
-                <a:gd name="connsiteX2" fmla="*/ 3753370 w 3753370"/>
-                <a:gd name="connsiteY2" fmla="*/ 750674 h 1501348"/>
-                <a:gd name="connsiteX3" fmla="*/ 3002696 w 3753370"/>
-                <a:gd name="connsiteY3" fmla="*/ 1501348 h 1501348"/>
-                <a:gd name="connsiteX4" fmla="*/ 0 w 3753370"/>
-                <a:gd name="connsiteY4" fmla="*/ 1501348 h 1501348"/>
-                <a:gd name="connsiteX5" fmla="*/ 750674 w 3753370"/>
-                <a:gd name="connsiteY5" fmla="*/ 750674 h 1501348"/>
-                <a:gd name="connsiteX6" fmla="*/ 0 w 3753370"/>
-                <a:gd name="connsiteY6" fmla="*/ 0 h 1501348"/>
-              </a:gdLst>
-              <a:ahLst/>
-              <a:cxnLst>
-                <a:cxn ang="0">
-                  <a:pos x="connsiteX0" y="connsiteY0"/>
-                </a:cxn>
-                <a:cxn ang="0">
-                  <a:pos x="connsiteX1" y="connsiteY1"/>
-                </a:cxn>
-                <a:cxn ang="0">
-                  <a:pos x="connsiteX2" y="connsiteY2"/>
-                </a:cxn>
-                <a:cxn ang="0">
-                  <a:pos x="connsiteX3" y="connsiteY3"/>
-                </a:cxn>
-                <a:cxn ang="0">
-                  <a:pos x="connsiteX4" y="connsiteY4"/>
-                </a:cxn>
-                <a:cxn ang="0">
-                  <a:pos x="connsiteX5" y="connsiteY5"/>
-                </a:cxn>
-                <a:cxn ang="0">
-                  <a:pos x="connsiteX6" y="connsiteY6"/>
-                </a:cxn>
-              </a:cxnLst>
-              <a:rect l="l" t="t" r="r" b="b"/>
-              <a:pathLst>
-                <a:path w="3753370" h="1501348">
-                  <a:moveTo>
-                    <a:pt x="0" y="0"/>
-                  </a:moveTo>
-                  <a:lnTo>
-                    <a:pt x="3002696" y="0"/>
-                  </a:lnTo>
-                  <a:lnTo>
-                    <a:pt x="3753370" y="750674"/>
-                  </a:lnTo>
-                  <a:lnTo>
-                    <a:pt x="3002696" y="1501348"/>
-                  </a:lnTo>
-                  <a:lnTo>
-                    <a:pt x="0" y="1501348"/>
-                  </a:lnTo>
-                  <a:lnTo>
-                    <a:pt x="750674" y="750674"/>
-                  </a:lnTo>
-                  <a:lnTo>
-                    <a:pt x="0" y="0"/>
-                  </a:lnTo>
-                  <a:close/>
-                </a:path>
-              </a:pathLst>
-            </a:custGeom>
-            <a:grpFill/>
-          </p:spPr>
-          <p:style>
-            <a:lnRef idx="2">
-              <a:schemeClr val="lt1">
-                <a:hueOff val="0"/>
-                <a:satOff val="0"/>
-                <a:lumOff val="0"/>
-                <a:alphaOff val="0"/>
-              </a:schemeClr>
-            </a:lnRef>
-            <a:fillRef idx="1">
-              <a:scrgbClr r="0" g="0" b="0"/>
-            </a:fillRef>
-            <a:effectRef idx="0">
-              <a:schemeClr val="accent1">
-                <a:hueOff val="0"/>
-                <a:satOff val="0"/>
-                <a:lumOff val="0"/>
-                <a:alphaOff val="0"/>
-              </a:schemeClr>
-            </a:effectRef>
-            <a:fontRef idx="minor">
-              <a:schemeClr val="lt1"/>
-            </a:fontRef>
-          </p:style>
-          <p:txBody>
-            <a:bodyPr spcFirstLastPara="0" vert="horz" wrap="square" lIns="882691" tIns="44006" rIns="794680" bIns="44006" numCol="1" spcCol="1270" anchor="ctr" anchorCtr="0">
-              <a:noAutofit/>
-            </a:bodyPr>
-            <a:lstStyle/>
-            <a:p>
-              <a:pPr marL="0" lvl="0" indent="0" algn="ctr" defTabSz="1466850">
-                <a:lnSpc>
-                  <a:spcPct val="90000"/>
-                </a:lnSpc>
-                <a:spcBef>
-                  <a:spcPct val="0"/>
-                </a:spcBef>
-                <a:spcAft>
-                  <a:spcPct val="35000"/>
-                </a:spcAft>
-                <a:buNone/>
-              </a:pPr>
-              <a:r>
-                <a:rPr lang="en-US" sz="3300" dirty="0">
-                  <a:solidFill>
-                    <a:schemeClr val="tx1"/>
-                  </a:solidFill>
-                </a:rPr>
-                <a:t>Define groups</a:t>
-              </a:r>
-              <a:br>
-                <a:rPr lang="en-US" sz="3300" dirty="0">
-                  <a:solidFill>
-                    <a:schemeClr val="tx1"/>
-                  </a:solidFill>
-                </a:rPr>
-              </a:br>
-              <a:r>
-                <a:rPr lang="en-US" sz="3300" dirty="0">
-                  <a:solidFill>
-                    <a:schemeClr val="tx1"/>
-                  </a:solidFill>
-                </a:rPr>
-                <a:t>&amp; fit model</a:t>
-              </a:r>
-              <a:endParaRPr lang="en-US" sz="3300" kern="1200" dirty="0">
-                <a:solidFill>
-                  <a:schemeClr val="tx1"/>
-                </a:solidFill>
-              </a:endParaRPr>
-            </a:p>
-          </p:txBody>
-        </p:sp>
-      </p:grpSp>
-      <p:grpSp>
-        <p:nvGrpSpPr>
-          <p:cNvPr id="46" name="Group 45">
-            <a:extLst>
-              <a:ext uri="{FF2B5EF4-FFF2-40B4-BE49-F238E27FC236}">
-                <a16:creationId xmlns:a16="http://schemas.microsoft.com/office/drawing/2014/main" id="{8B3EEF87-7C1F-6649-8C07-A0AC1F77C716}"/>
-              </a:ext>
-            </a:extLst>
-          </p:cNvPr>
-          <p:cNvGrpSpPr/>
-          <p:nvPr/>
-        </p:nvGrpSpPr>
-        <p:grpSpPr>
-          <a:xfrm>
-            <a:off x="841280" y="5559258"/>
-            <a:ext cx="10401437" cy="1080000"/>
-            <a:chOff x="841280" y="3556364"/>
-            <a:chExt cx="10401437" cy="1080000"/>
-          </a:xfrm>
-          <a:solidFill>
-            <a:srgbClr val="3BA779"/>
-          </a:solidFill>
-        </p:grpSpPr>
-        <p:sp>
-          <p:nvSpPr>
-            <p:cNvPr id="48" name="Freeform 47">
-              <a:extLst>
-                <a:ext uri="{FF2B5EF4-FFF2-40B4-BE49-F238E27FC236}">
-                  <a16:creationId xmlns:a16="http://schemas.microsoft.com/office/drawing/2014/main" id="{9B37D20B-301E-F143-B0C5-5790086F53A7}"/>
-                </a:ext>
-              </a:extLst>
-            </p:cNvPr>
-            <p:cNvSpPr/>
-            <p:nvPr/>
-          </p:nvSpPr>
-          <p:spPr>
-            <a:xfrm>
-              <a:off x="841280" y="3556364"/>
-              <a:ext cx="5730970" cy="1080000"/>
-            </a:xfrm>
-            <a:custGeom>
-              <a:avLst/>
-              <a:gdLst>
-                <a:gd name="connsiteX0" fmla="*/ 0 w 3753370"/>
-                <a:gd name="connsiteY0" fmla="*/ 0 h 1501348"/>
-                <a:gd name="connsiteX1" fmla="*/ 3002696 w 3753370"/>
-                <a:gd name="connsiteY1" fmla="*/ 0 h 1501348"/>
-                <a:gd name="connsiteX2" fmla="*/ 3753370 w 3753370"/>
-                <a:gd name="connsiteY2" fmla="*/ 750674 h 1501348"/>
-                <a:gd name="connsiteX3" fmla="*/ 3002696 w 3753370"/>
-                <a:gd name="connsiteY3" fmla="*/ 1501348 h 1501348"/>
-                <a:gd name="connsiteX4" fmla="*/ 0 w 3753370"/>
-                <a:gd name="connsiteY4" fmla="*/ 1501348 h 1501348"/>
-                <a:gd name="connsiteX5" fmla="*/ 750674 w 3753370"/>
-                <a:gd name="connsiteY5" fmla="*/ 750674 h 1501348"/>
-                <a:gd name="connsiteX6" fmla="*/ 0 w 3753370"/>
-                <a:gd name="connsiteY6" fmla="*/ 0 h 1501348"/>
-              </a:gdLst>
-              <a:ahLst/>
-              <a:cxnLst>
-                <a:cxn ang="0">
-                  <a:pos x="connsiteX0" y="connsiteY0"/>
-                </a:cxn>
-                <a:cxn ang="0">
-                  <a:pos x="connsiteX1" y="connsiteY1"/>
-                </a:cxn>
-                <a:cxn ang="0">
-                  <a:pos x="connsiteX2" y="connsiteY2"/>
-                </a:cxn>
-                <a:cxn ang="0">
-                  <a:pos x="connsiteX3" y="connsiteY3"/>
-                </a:cxn>
-                <a:cxn ang="0">
-                  <a:pos x="connsiteX4" y="connsiteY4"/>
-                </a:cxn>
-                <a:cxn ang="0">
-                  <a:pos x="connsiteX5" y="connsiteY5"/>
-                </a:cxn>
-                <a:cxn ang="0">
-                  <a:pos x="connsiteX6" y="connsiteY6"/>
-                </a:cxn>
-              </a:cxnLst>
-              <a:rect l="l" t="t" r="r" b="b"/>
-              <a:pathLst>
-                <a:path w="3753370" h="1501348">
-                  <a:moveTo>
-                    <a:pt x="0" y="0"/>
-                  </a:moveTo>
-                  <a:lnTo>
-                    <a:pt x="3002696" y="0"/>
-                  </a:lnTo>
-                  <a:lnTo>
-                    <a:pt x="3753370" y="750674"/>
-                  </a:lnTo>
-                  <a:lnTo>
-                    <a:pt x="3002696" y="1501348"/>
-                  </a:lnTo>
-                  <a:lnTo>
-                    <a:pt x="0" y="1501348"/>
-                  </a:lnTo>
-                  <a:lnTo>
-                    <a:pt x="750674" y="750674"/>
-                  </a:lnTo>
-                  <a:lnTo>
-                    <a:pt x="0" y="0"/>
-                  </a:lnTo>
-                  <a:close/>
-                </a:path>
-              </a:pathLst>
-            </a:custGeom>
-            <a:grpFill/>
-          </p:spPr>
-          <p:style>
-            <a:lnRef idx="2">
-              <a:schemeClr val="lt1">
-                <a:hueOff val="0"/>
-                <a:satOff val="0"/>
-                <a:lumOff val="0"/>
-                <a:alphaOff val="0"/>
-              </a:schemeClr>
-            </a:lnRef>
-            <a:fillRef idx="1">
-              <a:scrgbClr r="0" g="0" b="0"/>
-            </a:fillRef>
-            <a:effectRef idx="0">
-              <a:schemeClr val="accent1">
-                <a:hueOff val="0"/>
-                <a:satOff val="0"/>
-                <a:lumOff val="0"/>
-                <a:alphaOff val="0"/>
-              </a:schemeClr>
-            </a:effectRef>
-            <a:fontRef idx="minor">
-              <a:schemeClr val="lt1"/>
-            </a:fontRef>
-          </p:style>
-          <p:txBody>
-            <a:bodyPr spcFirstLastPara="0" vert="horz" wrap="square" lIns="882691" tIns="44006" rIns="794680" bIns="44006" numCol="1" spcCol="1270" anchor="ctr" anchorCtr="0">
-              <a:noAutofit/>
-            </a:bodyPr>
-            <a:lstStyle/>
-            <a:p>
-              <a:pPr marL="0" lvl="0" indent="0" algn="ctr" defTabSz="1466850">
-                <a:lnSpc>
-                  <a:spcPct val="90000"/>
-                </a:lnSpc>
-                <a:spcBef>
-                  <a:spcPct val="0"/>
-                </a:spcBef>
-                <a:spcAft>
-                  <a:spcPct val="35000"/>
-                </a:spcAft>
-                <a:buNone/>
-              </a:pPr>
-              <a:r>
-                <a:rPr lang="en-US" sz="2800" dirty="0">
-                  <a:solidFill>
-                    <a:schemeClr val="tx1"/>
-                  </a:solidFill>
-                </a:rPr>
-                <a:t>Expression plots</a:t>
-              </a:r>
-              <a:br>
-                <a:rPr lang="en-US" sz="2800" kern="1200" dirty="0">
-                  <a:solidFill>
-                    <a:schemeClr val="tx1"/>
-                  </a:solidFill>
-                </a:rPr>
-              </a:br>
-              <a:r>
-                <a:rPr lang="en-US" sz="2800" kern="1200" dirty="0">
-                  <a:solidFill>
-                    <a:schemeClr val="tx1"/>
-                  </a:solidFill>
-                </a:rPr>
-                <a:t>(Sample QC)</a:t>
-              </a:r>
-            </a:p>
-          </p:txBody>
-        </p:sp>
-        <p:sp>
-          <p:nvSpPr>
-            <p:cNvPr id="49" name="Freeform 48">
-              <a:extLst>
-                <a:ext uri="{FF2B5EF4-FFF2-40B4-BE49-F238E27FC236}">
-                  <a16:creationId xmlns:a16="http://schemas.microsoft.com/office/drawing/2014/main" id="{76C53BEA-0EB7-C74D-B8B9-CE042ECDD5A6}"/>
-                </a:ext>
-              </a:extLst>
-            </p:cNvPr>
-            <p:cNvSpPr/>
-            <p:nvPr/>
-          </p:nvSpPr>
-          <p:spPr>
-            <a:xfrm>
-              <a:off x="5886450" y="3556364"/>
-              <a:ext cx="5356267" cy="1080000"/>
-            </a:xfrm>
-            <a:custGeom>
-              <a:avLst/>
-              <a:gdLst>
-                <a:gd name="connsiteX0" fmla="*/ 0 w 3753370"/>
-                <a:gd name="connsiteY0" fmla="*/ 0 h 1501348"/>
-                <a:gd name="connsiteX1" fmla="*/ 3002696 w 3753370"/>
-                <a:gd name="connsiteY1" fmla="*/ 0 h 1501348"/>
-                <a:gd name="connsiteX2" fmla="*/ 3753370 w 3753370"/>
-                <a:gd name="connsiteY2" fmla="*/ 750674 h 1501348"/>
-                <a:gd name="connsiteX3" fmla="*/ 3002696 w 3753370"/>
-                <a:gd name="connsiteY3" fmla="*/ 1501348 h 1501348"/>
-                <a:gd name="connsiteX4" fmla="*/ 0 w 3753370"/>
-                <a:gd name="connsiteY4" fmla="*/ 1501348 h 1501348"/>
-                <a:gd name="connsiteX5" fmla="*/ 750674 w 3753370"/>
-                <a:gd name="connsiteY5" fmla="*/ 750674 h 1501348"/>
-                <a:gd name="connsiteX6" fmla="*/ 0 w 3753370"/>
-                <a:gd name="connsiteY6" fmla="*/ 0 h 1501348"/>
-              </a:gdLst>
-              <a:ahLst/>
-              <a:cxnLst>
-                <a:cxn ang="0">
-                  <a:pos x="connsiteX0" y="connsiteY0"/>
-                </a:cxn>
-                <a:cxn ang="0">
-                  <a:pos x="connsiteX1" y="connsiteY1"/>
-                </a:cxn>
-                <a:cxn ang="0">
-                  <a:pos x="connsiteX2" y="connsiteY2"/>
-                </a:cxn>
-                <a:cxn ang="0">
-                  <a:pos x="connsiteX3" y="connsiteY3"/>
-                </a:cxn>
-                <a:cxn ang="0">
-                  <a:pos x="connsiteX4" y="connsiteY4"/>
-                </a:cxn>
-                <a:cxn ang="0">
-                  <a:pos x="connsiteX5" y="connsiteY5"/>
-                </a:cxn>
-                <a:cxn ang="0">
-                  <a:pos x="connsiteX6" y="connsiteY6"/>
-                </a:cxn>
-              </a:cxnLst>
-              <a:rect l="l" t="t" r="r" b="b"/>
-              <a:pathLst>
-                <a:path w="3753370" h="1501348">
-                  <a:moveTo>
-                    <a:pt x="0" y="0"/>
-                  </a:moveTo>
-                  <a:lnTo>
-                    <a:pt x="3002696" y="0"/>
-                  </a:lnTo>
-                  <a:lnTo>
-                    <a:pt x="3753370" y="750674"/>
-                  </a:lnTo>
-                  <a:lnTo>
-                    <a:pt x="3002696" y="1501348"/>
-                  </a:lnTo>
-                  <a:lnTo>
-                    <a:pt x="0" y="1501348"/>
-                  </a:lnTo>
-                  <a:lnTo>
-                    <a:pt x="750674" y="750674"/>
-                  </a:lnTo>
-                  <a:lnTo>
-                    <a:pt x="0" y="0"/>
-                  </a:lnTo>
-                  <a:close/>
-                </a:path>
-              </a:pathLst>
-            </a:custGeom>
-            <a:grpFill/>
-          </p:spPr>
-          <p:style>
-            <a:lnRef idx="2">
-              <a:schemeClr val="lt1">
-                <a:hueOff val="0"/>
-                <a:satOff val="0"/>
-                <a:lumOff val="0"/>
-                <a:alphaOff val="0"/>
-              </a:schemeClr>
-            </a:lnRef>
-            <a:fillRef idx="1">
-              <a:scrgbClr r="0" g="0" b="0"/>
-            </a:fillRef>
-            <a:effectRef idx="0">
-              <a:schemeClr val="accent1">
-                <a:hueOff val="0"/>
-                <a:satOff val="0"/>
-                <a:lumOff val="0"/>
-                <a:alphaOff val="0"/>
-              </a:schemeClr>
-            </a:effectRef>
-            <a:fontRef idx="minor">
-              <a:schemeClr val="lt1"/>
-            </a:fontRef>
-          </p:style>
-          <p:txBody>
-            <a:bodyPr spcFirstLastPara="0" vert="horz" wrap="square" lIns="882691" tIns="44006" rIns="794680" bIns="44006" numCol="1" spcCol="1270" anchor="ctr" anchorCtr="0">
-              <a:noAutofit/>
-            </a:bodyPr>
-            <a:lstStyle/>
-            <a:p>
-              <a:pPr marL="0" lvl="0" indent="0" algn="ctr" defTabSz="1466850">
-                <a:lnSpc>
-                  <a:spcPct val="90000"/>
-                </a:lnSpc>
-                <a:spcBef>
-                  <a:spcPct val="0"/>
-                </a:spcBef>
-                <a:spcAft>
-                  <a:spcPct val="35000"/>
-                </a:spcAft>
-                <a:buNone/>
-              </a:pPr>
-              <a:r>
-                <a:rPr lang="en-US" sz="3300" dirty="0">
-                  <a:solidFill>
-                    <a:schemeClr val="tx1"/>
-                  </a:solidFill>
-                </a:rPr>
-                <a:t>Differential Expression</a:t>
-              </a:r>
-              <a:endParaRPr lang="en-US" sz="3300" kern="1200" dirty="0">
-                <a:solidFill>
-                  <a:schemeClr val="tx1"/>
-                </a:solidFill>
-              </a:endParaRPr>
-            </a:p>
-          </p:txBody>
-        </p:sp>
+                </a:endParaRPr>
+              </a:p>
+            </p:txBody>
+          </p:sp>
+        </p:grpSp>
       </p:grpSp>
     </p:spTree>
     <p:extLst>
